--- a/Modelo_Clasificacion_Desviaciones.pptx
+++ b/Modelo_Clasificacion_Desviaciones.pptx
@@ -7,10 +7,14 @@
   <p:sldIdLst>
     <p:sldId id="261" r:id="rId2"/>
     <p:sldId id="262" r:id="rId3"/>
-    <p:sldId id="260" r:id="rId4"/>
-    <p:sldId id="257" r:id="rId5"/>
-    <p:sldId id="258" r:id="rId6"/>
-    <p:sldId id="259" r:id="rId7"/>
+    <p:sldId id="258" r:id="rId4"/>
+    <p:sldId id="260" r:id="rId5"/>
+    <p:sldId id="264" r:id="rId6"/>
+    <p:sldId id="265" r:id="rId7"/>
+    <p:sldId id="257" r:id="rId8"/>
+    <p:sldId id="266" r:id="rId9"/>
+    <p:sldId id="267" r:id="rId10"/>
+    <p:sldId id="268" r:id="rId11"/>
   </p:sldIdLst>
   <p:sldSz cx="9144000" cy="6858000" type="screen4x3"/>
   <p:notesSz cx="6858000" cy="9144000"/>
@@ -361,6 +365,788 @@
 </file>
 
 <file path=ppt/diagrams/colors1.xml><?xml version="1.0" encoding="utf-8"?>
+<dgm:colorsDef xmlns:dgm="http://schemas.openxmlformats.org/drawingml/2006/diagram" xmlns:a="http://schemas.openxmlformats.org/drawingml/2006/main" uniqueId="urn:microsoft.com/office/officeart/2005/8/colors/colorful2">
+  <dgm:title val=""/>
+  <dgm:desc val=""/>
+  <dgm:catLst>
+    <dgm:cat type="colorful" pri="10200"/>
+  </dgm:catLst>
+  <dgm:styleLbl name="node0">
+    <dgm:fillClrLst meth="repeat">
+      <a:schemeClr val="accent1"/>
+    </dgm:fillClrLst>
+    <dgm:linClrLst meth="repeat">
+      <a:schemeClr val="lt1"/>
+    </dgm:linClrLst>
+    <dgm:effectClrLst/>
+    <dgm:txLinClrLst/>
+    <dgm:txFillClrLst/>
+    <dgm:txEffectClrLst/>
+  </dgm:styleLbl>
+  <dgm:styleLbl name="node1">
+    <dgm:fillClrLst>
+      <a:schemeClr val="accent2"/>
+      <a:schemeClr val="accent3"/>
+    </dgm:fillClrLst>
+    <dgm:linClrLst meth="repeat">
+      <a:schemeClr val="lt1"/>
+    </dgm:linClrLst>
+    <dgm:effectClrLst/>
+    <dgm:txLinClrLst/>
+    <dgm:txFillClrLst/>
+    <dgm:txEffectClrLst/>
+  </dgm:styleLbl>
+  <dgm:styleLbl name="alignNode1">
+    <dgm:fillClrLst>
+      <a:schemeClr val="accent2"/>
+      <a:schemeClr val="accent3"/>
+    </dgm:fillClrLst>
+    <dgm:linClrLst>
+      <a:schemeClr val="accent2"/>
+      <a:schemeClr val="accent3"/>
+    </dgm:linClrLst>
+    <dgm:effectClrLst/>
+    <dgm:txLinClrLst/>
+    <dgm:txFillClrLst/>
+    <dgm:txEffectClrLst/>
+  </dgm:styleLbl>
+  <dgm:styleLbl name="lnNode1">
+    <dgm:fillClrLst>
+      <a:schemeClr val="accent2"/>
+      <a:schemeClr val="accent3"/>
+    </dgm:fillClrLst>
+    <dgm:linClrLst meth="repeat">
+      <a:schemeClr val="lt1"/>
+    </dgm:linClrLst>
+    <dgm:effectClrLst/>
+    <dgm:txLinClrLst/>
+    <dgm:txFillClrLst/>
+    <dgm:txEffectClrLst/>
+  </dgm:styleLbl>
+  <dgm:styleLbl name="vennNode1">
+    <dgm:fillClrLst>
+      <a:schemeClr val="accent2">
+        <a:alpha val="50000"/>
+      </a:schemeClr>
+      <a:schemeClr val="accent3">
+        <a:alpha val="50000"/>
+      </a:schemeClr>
+    </dgm:fillClrLst>
+    <dgm:linClrLst meth="repeat">
+      <a:schemeClr val="lt1"/>
+    </dgm:linClrLst>
+    <dgm:effectClrLst/>
+    <dgm:txLinClrLst/>
+    <dgm:txFillClrLst/>
+    <dgm:txEffectClrLst/>
+  </dgm:styleLbl>
+  <dgm:styleLbl name="node2">
+    <dgm:fillClrLst>
+      <a:schemeClr val="accent3"/>
+    </dgm:fillClrLst>
+    <dgm:linClrLst meth="repeat">
+      <a:schemeClr val="lt1"/>
+    </dgm:linClrLst>
+    <dgm:effectClrLst/>
+    <dgm:txLinClrLst/>
+    <dgm:txFillClrLst/>
+    <dgm:txEffectClrLst/>
+  </dgm:styleLbl>
+  <dgm:styleLbl name="node3">
+    <dgm:fillClrLst>
+      <a:schemeClr val="accent4"/>
+    </dgm:fillClrLst>
+    <dgm:linClrLst meth="repeat">
+      <a:schemeClr val="lt1"/>
+    </dgm:linClrLst>
+    <dgm:effectClrLst/>
+    <dgm:txLinClrLst/>
+    <dgm:txFillClrLst/>
+    <dgm:txEffectClrLst/>
+  </dgm:styleLbl>
+  <dgm:styleLbl name="node4">
+    <dgm:fillClrLst>
+      <a:schemeClr val="accent5"/>
+    </dgm:fillClrLst>
+    <dgm:linClrLst meth="repeat">
+      <a:schemeClr val="lt1"/>
+    </dgm:linClrLst>
+    <dgm:effectClrLst/>
+    <dgm:txLinClrLst/>
+    <dgm:txFillClrLst/>
+    <dgm:txEffectClrLst/>
+  </dgm:styleLbl>
+  <dgm:styleLbl name="fgImgPlace1">
+    <dgm:fillClrLst>
+      <a:schemeClr val="accent2">
+        <a:tint val="50000"/>
+      </a:schemeClr>
+      <a:schemeClr val="accent3">
+        <a:tint val="50000"/>
+      </a:schemeClr>
+    </dgm:fillClrLst>
+    <dgm:linClrLst meth="repeat">
+      <a:schemeClr val="lt1"/>
+    </dgm:linClrLst>
+    <dgm:effectClrLst/>
+    <dgm:txLinClrLst/>
+    <dgm:txFillClrLst meth="repeat">
+      <a:schemeClr val="lt1"/>
+    </dgm:txFillClrLst>
+    <dgm:txEffectClrLst/>
+  </dgm:styleLbl>
+  <dgm:styleLbl name="alignImgPlace1">
+    <dgm:fillClrLst>
+      <a:schemeClr val="accent2">
+        <a:tint val="50000"/>
+      </a:schemeClr>
+      <a:schemeClr val="accent3">
+        <a:tint val="20000"/>
+      </a:schemeClr>
+    </dgm:fillClrLst>
+    <dgm:linClrLst meth="repeat">
+      <a:schemeClr val="lt1"/>
+    </dgm:linClrLst>
+    <dgm:effectClrLst/>
+    <dgm:txLinClrLst/>
+    <dgm:txFillClrLst meth="repeat">
+      <a:schemeClr val="lt1"/>
+    </dgm:txFillClrLst>
+    <dgm:txEffectClrLst/>
+  </dgm:styleLbl>
+  <dgm:styleLbl name="bgImgPlace1">
+    <dgm:fillClrLst>
+      <a:schemeClr val="accent2">
+        <a:tint val="50000"/>
+      </a:schemeClr>
+      <a:schemeClr val="accent3">
+        <a:tint val="20000"/>
+      </a:schemeClr>
+    </dgm:fillClrLst>
+    <dgm:linClrLst meth="repeat">
+      <a:schemeClr val="lt1"/>
+    </dgm:linClrLst>
+    <dgm:effectClrLst/>
+    <dgm:txLinClrLst/>
+    <dgm:txFillClrLst meth="repeat">
+      <a:schemeClr val="lt1"/>
+    </dgm:txFillClrLst>
+    <dgm:txEffectClrLst/>
+  </dgm:styleLbl>
+  <dgm:styleLbl name="sibTrans2D1">
+    <dgm:fillClrLst>
+      <a:schemeClr val="accent2"/>
+      <a:schemeClr val="accent3"/>
+    </dgm:fillClrLst>
+    <dgm:linClrLst meth="repeat">
+      <a:schemeClr val="lt1"/>
+    </dgm:linClrLst>
+    <dgm:effectClrLst/>
+    <dgm:txLinClrLst/>
+    <dgm:txFillClrLst/>
+    <dgm:txEffectClrLst/>
+  </dgm:styleLbl>
+  <dgm:styleLbl name="fgSibTrans2D1">
+    <dgm:fillClrLst>
+      <a:schemeClr val="accent2"/>
+      <a:schemeClr val="accent3"/>
+    </dgm:fillClrLst>
+    <dgm:linClrLst meth="repeat">
+      <a:schemeClr val="lt1"/>
+    </dgm:linClrLst>
+    <dgm:effectClrLst/>
+    <dgm:txLinClrLst/>
+    <dgm:txFillClrLst meth="repeat">
+      <a:schemeClr val="lt1"/>
+    </dgm:txFillClrLst>
+    <dgm:txEffectClrLst/>
+  </dgm:styleLbl>
+  <dgm:styleLbl name="bgSibTrans2D1">
+    <dgm:fillClrLst>
+      <a:schemeClr val="accent2"/>
+      <a:schemeClr val="accent3"/>
+    </dgm:fillClrLst>
+    <dgm:linClrLst meth="repeat">
+      <a:schemeClr val="lt1"/>
+    </dgm:linClrLst>
+    <dgm:effectClrLst/>
+    <dgm:txLinClrLst/>
+    <dgm:txFillClrLst meth="repeat">
+      <a:schemeClr val="lt1"/>
+    </dgm:txFillClrLst>
+    <dgm:txEffectClrLst/>
+  </dgm:styleLbl>
+  <dgm:styleLbl name="sibTrans1D1">
+    <dgm:fillClrLst/>
+    <dgm:linClrLst>
+      <a:schemeClr val="accent2"/>
+      <a:schemeClr val="accent3"/>
+    </dgm:linClrLst>
+    <dgm:effectClrLst/>
+    <dgm:txLinClrLst/>
+    <dgm:txFillClrLst meth="repeat">
+      <a:schemeClr val="tx1"/>
+    </dgm:txFillClrLst>
+    <dgm:txEffectClrLst/>
+  </dgm:styleLbl>
+  <dgm:styleLbl name="callout">
+    <dgm:fillClrLst meth="repeat">
+      <a:schemeClr val="accent2"/>
+    </dgm:fillClrLst>
+    <dgm:linClrLst meth="repeat">
+      <a:schemeClr val="accent2">
+        <a:tint val="50000"/>
+      </a:schemeClr>
+    </dgm:linClrLst>
+    <dgm:effectClrLst/>
+    <dgm:txLinClrLst/>
+    <dgm:txFillClrLst meth="repeat">
+      <a:schemeClr val="tx1"/>
+    </dgm:txFillClrLst>
+    <dgm:txEffectClrLst/>
+  </dgm:styleLbl>
+  <dgm:styleLbl name="asst0">
+    <dgm:fillClrLst meth="repeat">
+      <a:schemeClr val="accent2"/>
+    </dgm:fillClrLst>
+    <dgm:linClrLst meth="repeat">
+      <a:schemeClr val="lt1">
+        <a:shade val="80000"/>
+      </a:schemeClr>
+    </dgm:linClrLst>
+    <dgm:effectClrLst/>
+    <dgm:txLinClrLst/>
+    <dgm:txFillClrLst/>
+    <dgm:txEffectClrLst/>
+  </dgm:styleLbl>
+  <dgm:styleLbl name="asst1">
+    <dgm:fillClrLst meth="repeat">
+      <a:schemeClr val="accent3"/>
+    </dgm:fillClrLst>
+    <dgm:linClrLst meth="repeat">
+      <a:schemeClr val="lt1">
+        <a:shade val="80000"/>
+      </a:schemeClr>
+    </dgm:linClrLst>
+    <dgm:effectClrLst/>
+    <dgm:txLinClrLst/>
+    <dgm:txFillClrLst/>
+    <dgm:txEffectClrLst/>
+  </dgm:styleLbl>
+  <dgm:styleLbl name="asst2">
+    <dgm:fillClrLst>
+      <a:schemeClr val="accent4"/>
+    </dgm:fillClrLst>
+    <dgm:linClrLst meth="repeat">
+      <a:schemeClr val="lt1"/>
+    </dgm:linClrLst>
+    <dgm:effectClrLst/>
+    <dgm:txLinClrLst/>
+    <dgm:txFillClrLst/>
+    <dgm:txEffectClrLst/>
+  </dgm:styleLbl>
+  <dgm:styleLbl name="asst3">
+    <dgm:fillClrLst>
+      <a:schemeClr val="accent5"/>
+    </dgm:fillClrLst>
+    <dgm:linClrLst meth="repeat">
+      <a:schemeClr val="lt1"/>
+    </dgm:linClrLst>
+    <dgm:effectClrLst/>
+    <dgm:txLinClrLst/>
+    <dgm:txFillClrLst/>
+    <dgm:txEffectClrLst/>
+  </dgm:styleLbl>
+  <dgm:styleLbl name="asst4">
+    <dgm:fillClrLst>
+      <a:schemeClr val="accent6"/>
+    </dgm:fillClrLst>
+    <dgm:linClrLst meth="repeat">
+      <a:schemeClr val="lt1"/>
+    </dgm:linClrLst>
+    <dgm:effectClrLst/>
+    <dgm:txLinClrLst/>
+    <dgm:txFillClrLst/>
+    <dgm:txEffectClrLst/>
+  </dgm:styleLbl>
+  <dgm:styleLbl name="parChTrans2D1">
+    <dgm:fillClrLst meth="repeat">
+      <a:schemeClr val="accent2"/>
+    </dgm:fillClrLst>
+    <dgm:linClrLst meth="repeat">
+      <a:schemeClr val="lt1"/>
+    </dgm:linClrLst>
+    <dgm:effectClrLst/>
+    <dgm:txLinClrLst/>
+    <dgm:txFillClrLst meth="repeat">
+      <a:schemeClr val="lt1"/>
+    </dgm:txFillClrLst>
+    <dgm:txEffectClrLst/>
+  </dgm:styleLbl>
+  <dgm:styleLbl name="parChTrans2D2">
+    <dgm:fillClrLst meth="repeat">
+      <a:schemeClr val="accent3"/>
+    </dgm:fillClrLst>
+    <dgm:linClrLst meth="repeat">
+      <a:schemeClr val="lt1"/>
+    </dgm:linClrLst>
+    <dgm:effectClrLst/>
+    <dgm:txLinClrLst/>
+    <dgm:txFillClrLst/>
+    <dgm:txEffectClrLst/>
+  </dgm:styleLbl>
+  <dgm:styleLbl name="parChTrans2D3">
+    <dgm:fillClrLst meth="repeat">
+      <a:schemeClr val="accent4"/>
+    </dgm:fillClrLst>
+    <dgm:linClrLst meth="repeat">
+      <a:schemeClr val="lt1"/>
+    </dgm:linClrLst>
+    <dgm:effectClrLst/>
+    <dgm:txLinClrLst/>
+    <dgm:txFillClrLst/>
+    <dgm:txEffectClrLst/>
+  </dgm:styleLbl>
+  <dgm:styleLbl name="parChTrans2D4">
+    <dgm:fillClrLst meth="repeat">
+      <a:schemeClr val="accent5"/>
+    </dgm:fillClrLst>
+    <dgm:linClrLst meth="repeat">
+      <a:schemeClr val="lt1"/>
+    </dgm:linClrLst>
+    <dgm:effectClrLst/>
+    <dgm:txLinClrLst/>
+    <dgm:txFillClrLst meth="repeat">
+      <a:schemeClr val="lt1"/>
+    </dgm:txFillClrLst>
+    <dgm:txEffectClrLst/>
+  </dgm:styleLbl>
+  <dgm:styleLbl name="parChTrans1D1">
+    <dgm:fillClrLst meth="repeat">
+      <a:schemeClr val="accent2"/>
+    </dgm:fillClrLst>
+    <dgm:linClrLst meth="repeat">
+      <a:schemeClr val="accent2"/>
+    </dgm:linClrLst>
+    <dgm:effectClrLst/>
+    <dgm:txLinClrLst/>
+    <dgm:txFillClrLst meth="repeat">
+      <a:schemeClr val="tx1"/>
+    </dgm:txFillClrLst>
+    <dgm:txEffectClrLst/>
+  </dgm:styleLbl>
+  <dgm:styleLbl name="parChTrans1D2">
+    <dgm:fillClrLst meth="repeat">
+      <a:schemeClr val="accent2">
+        <a:tint val="90000"/>
+      </a:schemeClr>
+    </dgm:fillClrLst>
+    <dgm:linClrLst meth="repeat">
+      <a:schemeClr val="accent3"/>
+    </dgm:linClrLst>
+    <dgm:effectClrLst/>
+    <dgm:txLinClrLst/>
+    <dgm:txFillClrLst meth="repeat">
+      <a:schemeClr val="tx1"/>
+    </dgm:txFillClrLst>
+    <dgm:txEffectClrLst/>
+  </dgm:styleLbl>
+  <dgm:styleLbl name="parChTrans1D3">
+    <dgm:fillClrLst meth="repeat">
+      <a:schemeClr val="accent2">
+        <a:tint val="70000"/>
+      </a:schemeClr>
+    </dgm:fillClrLst>
+    <dgm:linClrLst meth="repeat">
+      <a:schemeClr val="accent4"/>
+    </dgm:linClrLst>
+    <dgm:effectClrLst/>
+    <dgm:txLinClrLst/>
+    <dgm:txFillClrLst meth="repeat">
+      <a:schemeClr val="tx1"/>
+    </dgm:txFillClrLst>
+    <dgm:txEffectClrLst/>
+  </dgm:styleLbl>
+  <dgm:styleLbl name="parChTrans1D4">
+    <dgm:fillClrLst meth="repeat">
+      <a:schemeClr val="accent2">
+        <a:tint val="50000"/>
+      </a:schemeClr>
+    </dgm:fillClrLst>
+    <dgm:linClrLst meth="repeat">
+      <a:schemeClr val="accent5"/>
+    </dgm:linClrLst>
+    <dgm:effectClrLst/>
+    <dgm:txLinClrLst/>
+    <dgm:txFillClrLst meth="repeat">
+      <a:schemeClr val="tx1"/>
+    </dgm:txFillClrLst>
+    <dgm:txEffectClrLst/>
+  </dgm:styleLbl>
+  <dgm:styleLbl name="fgAcc1">
+    <dgm:fillClrLst meth="repeat">
+      <a:schemeClr val="lt1">
+        <a:alpha val="90000"/>
+      </a:schemeClr>
+    </dgm:fillClrLst>
+    <dgm:linClrLst>
+      <a:schemeClr val="accent2"/>
+      <a:schemeClr val="accent3"/>
+    </dgm:linClrLst>
+    <dgm:effectClrLst/>
+    <dgm:txLinClrLst/>
+    <dgm:txFillClrLst meth="repeat">
+      <a:schemeClr val="dk1"/>
+    </dgm:txFillClrLst>
+    <dgm:txEffectClrLst/>
+  </dgm:styleLbl>
+  <dgm:styleLbl name="conFgAcc1">
+    <dgm:fillClrLst meth="repeat">
+      <a:schemeClr val="lt1">
+        <a:alpha val="90000"/>
+      </a:schemeClr>
+    </dgm:fillClrLst>
+    <dgm:linClrLst>
+      <a:schemeClr val="accent2"/>
+      <a:schemeClr val="accent3"/>
+    </dgm:linClrLst>
+    <dgm:effectClrLst/>
+    <dgm:txLinClrLst/>
+    <dgm:txFillClrLst meth="repeat">
+      <a:schemeClr val="dk1"/>
+    </dgm:txFillClrLst>
+    <dgm:txEffectClrLst/>
+  </dgm:styleLbl>
+  <dgm:styleLbl name="alignAcc1">
+    <dgm:fillClrLst meth="repeat">
+      <a:schemeClr val="lt1">
+        <a:alpha val="90000"/>
+      </a:schemeClr>
+    </dgm:fillClrLst>
+    <dgm:linClrLst>
+      <a:schemeClr val="accent2"/>
+      <a:schemeClr val="accent3"/>
+    </dgm:linClrLst>
+    <dgm:effectClrLst/>
+    <dgm:txLinClrLst/>
+    <dgm:txFillClrLst meth="repeat">
+      <a:schemeClr val="dk1"/>
+    </dgm:txFillClrLst>
+    <dgm:txEffectClrLst/>
+  </dgm:styleLbl>
+  <dgm:styleLbl name="trAlignAcc1">
+    <dgm:fillClrLst meth="repeat">
+      <a:schemeClr val="lt1">
+        <a:alpha val="40000"/>
+      </a:schemeClr>
+    </dgm:fillClrLst>
+    <dgm:linClrLst meth="repeat">
+      <a:schemeClr val="accent2"/>
+    </dgm:linClrLst>
+    <dgm:effectClrLst/>
+    <dgm:txLinClrLst/>
+    <dgm:txFillClrLst meth="repeat">
+      <a:schemeClr val="dk1"/>
+    </dgm:txFillClrLst>
+    <dgm:txEffectClrLst/>
+  </dgm:styleLbl>
+  <dgm:styleLbl name="bgAcc1">
+    <dgm:fillClrLst meth="repeat">
+      <a:schemeClr val="lt1">
+        <a:alpha val="90000"/>
+      </a:schemeClr>
+    </dgm:fillClrLst>
+    <dgm:linClrLst>
+      <a:schemeClr val="accent2"/>
+      <a:schemeClr val="accent3"/>
+    </dgm:linClrLst>
+    <dgm:effectClrLst/>
+    <dgm:txLinClrLst/>
+    <dgm:txFillClrLst meth="repeat">
+      <a:schemeClr val="dk1"/>
+    </dgm:txFillClrLst>
+    <dgm:txEffectClrLst/>
+  </dgm:styleLbl>
+  <dgm:styleLbl name="solidFgAcc1">
+    <dgm:fillClrLst meth="repeat">
+      <a:schemeClr val="lt1"/>
+    </dgm:fillClrLst>
+    <dgm:linClrLst>
+      <a:schemeClr val="accent2"/>
+      <a:schemeClr val="accent3"/>
+    </dgm:linClrLst>
+    <dgm:effectClrLst/>
+    <dgm:txLinClrLst/>
+    <dgm:txFillClrLst meth="repeat">
+      <a:schemeClr val="dk1"/>
+    </dgm:txFillClrLst>
+    <dgm:txEffectClrLst/>
+  </dgm:styleLbl>
+  <dgm:styleLbl name="solidAlignAcc1">
+    <dgm:fillClrLst meth="repeat">
+      <a:schemeClr val="lt1"/>
+    </dgm:fillClrLst>
+    <dgm:linClrLst>
+      <a:schemeClr val="accent2"/>
+      <a:schemeClr val="accent3"/>
+    </dgm:linClrLst>
+    <dgm:effectClrLst/>
+    <dgm:txLinClrLst/>
+    <dgm:txFillClrLst meth="repeat">
+      <a:schemeClr val="dk1"/>
+    </dgm:txFillClrLst>
+    <dgm:txEffectClrLst/>
+  </dgm:styleLbl>
+  <dgm:styleLbl name="solidBgAcc1">
+    <dgm:fillClrLst meth="repeat">
+      <a:schemeClr val="lt1"/>
+    </dgm:fillClrLst>
+    <dgm:linClrLst>
+      <a:schemeClr val="accent2"/>
+      <a:schemeClr val="accent3"/>
+    </dgm:linClrLst>
+    <dgm:effectClrLst/>
+    <dgm:txLinClrLst/>
+    <dgm:txFillClrLst meth="repeat">
+      <a:schemeClr val="dk1"/>
+    </dgm:txFillClrLst>
+    <dgm:txEffectClrLst/>
+  </dgm:styleLbl>
+  <dgm:styleLbl name="fgAccFollowNode1">
+    <dgm:fillClrLst>
+      <a:schemeClr val="accent2">
+        <a:tint val="40000"/>
+        <a:alpha val="90000"/>
+      </a:schemeClr>
+      <a:schemeClr val="accent3">
+        <a:tint val="40000"/>
+        <a:alpha val="90000"/>
+      </a:schemeClr>
+    </dgm:fillClrLst>
+    <dgm:linClrLst>
+      <a:schemeClr val="accent2">
+        <a:tint val="40000"/>
+        <a:alpha val="90000"/>
+      </a:schemeClr>
+      <a:schemeClr val="accent3">
+        <a:tint val="40000"/>
+        <a:alpha val="90000"/>
+      </a:schemeClr>
+    </dgm:linClrLst>
+    <dgm:effectClrLst/>
+    <dgm:txLinClrLst/>
+    <dgm:txFillClrLst meth="repeat">
+      <a:schemeClr val="dk1"/>
+    </dgm:txFillClrLst>
+    <dgm:txEffectClrLst/>
+  </dgm:styleLbl>
+  <dgm:styleLbl name="alignAccFollowNode1">
+    <dgm:fillClrLst>
+      <a:schemeClr val="accent2">
+        <a:tint val="40000"/>
+        <a:alpha val="90000"/>
+      </a:schemeClr>
+      <a:schemeClr val="accent3">
+        <a:tint val="40000"/>
+        <a:alpha val="90000"/>
+      </a:schemeClr>
+    </dgm:fillClrLst>
+    <dgm:linClrLst>
+      <a:schemeClr val="accent2">
+        <a:tint val="40000"/>
+        <a:alpha val="90000"/>
+      </a:schemeClr>
+      <a:schemeClr val="accent3">
+        <a:tint val="40000"/>
+        <a:alpha val="90000"/>
+      </a:schemeClr>
+    </dgm:linClrLst>
+    <dgm:effectClrLst/>
+    <dgm:txLinClrLst/>
+    <dgm:txFillClrLst meth="repeat">
+      <a:schemeClr val="dk1"/>
+    </dgm:txFillClrLst>
+    <dgm:txEffectClrLst/>
+  </dgm:styleLbl>
+  <dgm:styleLbl name="bgAccFollowNode1">
+    <dgm:fillClrLst>
+      <a:schemeClr val="accent2">
+        <a:tint val="40000"/>
+        <a:alpha val="90000"/>
+      </a:schemeClr>
+      <a:schemeClr val="accent3">
+        <a:tint val="40000"/>
+        <a:alpha val="90000"/>
+      </a:schemeClr>
+    </dgm:fillClrLst>
+    <dgm:linClrLst>
+      <a:schemeClr val="accent2">
+        <a:tint val="40000"/>
+        <a:alpha val="90000"/>
+      </a:schemeClr>
+      <a:schemeClr val="accent3">
+        <a:tint val="40000"/>
+        <a:alpha val="90000"/>
+      </a:schemeClr>
+    </dgm:linClrLst>
+    <dgm:effectClrLst/>
+    <dgm:txLinClrLst/>
+    <dgm:txFillClrLst meth="repeat">
+      <a:schemeClr val="dk1"/>
+    </dgm:txFillClrLst>
+    <dgm:txEffectClrLst/>
+  </dgm:styleLbl>
+  <dgm:styleLbl name="fgAcc0">
+    <dgm:fillClrLst meth="repeat">
+      <a:schemeClr val="lt1">
+        <a:alpha val="90000"/>
+      </a:schemeClr>
+    </dgm:fillClrLst>
+    <dgm:linClrLst>
+      <a:schemeClr val="accent1"/>
+    </dgm:linClrLst>
+    <dgm:effectClrLst/>
+    <dgm:txLinClrLst/>
+    <dgm:txFillClrLst meth="repeat">
+      <a:schemeClr val="dk1"/>
+    </dgm:txFillClrLst>
+    <dgm:txEffectClrLst/>
+  </dgm:styleLbl>
+  <dgm:styleLbl name="fgAcc2">
+    <dgm:fillClrLst meth="repeat">
+      <a:schemeClr val="lt1">
+        <a:alpha val="90000"/>
+      </a:schemeClr>
+    </dgm:fillClrLst>
+    <dgm:linClrLst>
+      <a:schemeClr val="accent3"/>
+    </dgm:linClrLst>
+    <dgm:effectClrLst/>
+    <dgm:txLinClrLst/>
+    <dgm:txFillClrLst meth="repeat">
+      <a:schemeClr val="dk1"/>
+    </dgm:txFillClrLst>
+    <dgm:txEffectClrLst/>
+  </dgm:styleLbl>
+  <dgm:styleLbl name="fgAcc3">
+    <dgm:fillClrLst meth="repeat">
+      <a:schemeClr val="lt1">
+        <a:alpha val="90000"/>
+      </a:schemeClr>
+    </dgm:fillClrLst>
+    <dgm:linClrLst>
+      <a:schemeClr val="accent4"/>
+    </dgm:linClrLst>
+    <dgm:effectClrLst/>
+    <dgm:txLinClrLst/>
+    <dgm:txFillClrLst meth="repeat">
+      <a:schemeClr val="dk1"/>
+    </dgm:txFillClrLst>
+    <dgm:txEffectClrLst/>
+  </dgm:styleLbl>
+  <dgm:styleLbl name="fgAcc4">
+    <dgm:fillClrLst meth="repeat">
+      <a:schemeClr val="lt1">
+        <a:alpha val="90000"/>
+      </a:schemeClr>
+    </dgm:fillClrLst>
+    <dgm:linClrLst>
+      <a:schemeClr val="accent5"/>
+    </dgm:linClrLst>
+    <dgm:effectClrLst/>
+    <dgm:txLinClrLst/>
+    <dgm:txFillClrLst meth="repeat">
+      <a:schemeClr val="dk1"/>
+    </dgm:txFillClrLst>
+    <dgm:txEffectClrLst/>
+  </dgm:styleLbl>
+  <dgm:styleLbl name="bgShp">
+    <dgm:fillClrLst meth="repeat">
+      <a:schemeClr val="accent2">
+        <a:tint val="40000"/>
+      </a:schemeClr>
+    </dgm:fillClrLst>
+    <dgm:linClrLst meth="repeat">
+      <a:schemeClr val="dk1"/>
+    </dgm:linClrLst>
+    <dgm:effectClrLst/>
+    <dgm:txLinClrLst/>
+    <dgm:txFillClrLst meth="repeat">
+      <a:schemeClr val="dk1"/>
+    </dgm:txFillClrLst>
+    <dgm:txEffectClrLst/>
+  </dgm:styleLbl>
+  <dgm:styleLbl name="dkBgShp">
+    <dgm:fillClrLst meth="repeat">
+      <a:schemeClr val="accent2">
+        <a:shade val="90000"/>
+      </a:schemeClr>
+    </dgm:fillClrLst>
+    <dgm:linClrLst meth="repeat">
+      <a:schemeClr val="dk1"/>
+    </dgm:linClrLst>
+    <dgm:effectClrLst/>
+    <dgm:txLinClrLst/>
+    <dgm:txFillClrLst meth="repeat">
+      <a:schemeClr val="lt1"/>
+    </dgm:txFillClrLst>
+    <dgm:txEffectClrLst/>
+  </dgm:styleLbl>
+  <dgm:styleLbl name="trBgShp">
+    <dgm:fillClrLst meth="repeat">
+      <a:schemeClr val="accent2">
+        <a:tint val="50000"/>
+        <a:alpha val="40000"/>
+      </a:schemeClr>
+    </dgm:fillClrLst>
+    <dgm:linClrLst meth="repeat">
+      <a:schemeClr val="accent2"/>
+    </dgm:linClrLst>
+    <dgm:effectClrLst/>
+    <dgm:txLinClrLst/>
+    <dgm:txFillClrLst meth="repeat">
+      <a:schemeClr val="lt1"/>
+    </dgm:txFillClrLst>
+    <dgm:txEffectClrLst/>
+  </dgm:styleLbl>
+  <dgm:styleLbl name="fgShp">
+    <dgm:fillClrLst meth="repeat">
+      <a:schemeClr val="accent2">
+        <a:tint val="40000"/>
+      </a:schemeClr>
+    </dgm:fillClrLst>
+    <dgm:linClrLst meth="repeat">
+      <a:schemeClr val="lt1"/>
+    </dgm:linClrLst>
+    <dgm:effectClrLst/>
+    <dgm:txLinClrLst/>
+    <dgm:txFillClrLst meth="repeat">
+      <a:schemeClr val="dk1"/>
+    </dgm:txFillClrLst>
+    <dgm:txEffectClrLst/>
+  </dgm:styleLbl>
+  <dgm:styleLbl name="revTx">
+    <dgm:fillClrLst meth="repeat">
+      <a:schemeClr val="lt1">
+        <a:alpha val="0"/>
+      </a:schemeClr>
+    </dgm:fillClrLst>
+    <dgm:linClrLst meth="repeat">
+      <a:schemeClr val="dk1">
+        <a:alpha val="0"/>
+      </a:schemeClr>
+    </dgm:linClrLst>
+    <dgm:effectClrLst/>
+    <dgm:txLinClrLst/>
+    <dgm:txFillClrLst meth="repeat">
+      <a:schemeClr val="tx1"/>
+    </dgm:txFillClrLst>
+    <dgm:txEffectClrLst/>
+  </dgm:styleLbl>
+</dgm:colorsDef>
+</file>
+
+<file path=ppt/diagrams/colors2.xml><?xml version="1.0" encoding="utf-8"?>
 <dgm:colorsDef xmlns:dgm="http://schemas.openxmlformats.org/drawingml/2006/diagram" xmlns:a="http://schemas.openxmlformats.org/drawingml/2006/main" uniqueId="urn:microsoft.com/office/officeart/2018/5/colors/Iconchunking_neutralicontext_colorful1">
   <dgm:title val=""/>
   <dgm:desc val=""/>
@@ -1281,7 +2067,7 @@
 </dgm:colorsDef>
 </file>
 
-<file path=ppt/diagrams/colors2.xml><?xml version="1.0" encoding="utf-8"?>
+<file path=ppt/diagrams/colors3.xml><?xml version="1.0" encoding="utf-8"?>
 <dgm:colorsDef xmlns:dgm="http://schemas.openxmlformats.org/drawingml/2006/diagram" xmlns:a="http://schemas.openxmlformats.org/drawingml/2006/main" uniqueId="urn:microsoft.com/office/officeart/2005/8/colors/accent4_2">
   <dgm:title val=""/>
   <dgm:desc val=""/>
@@ -2028,1710 +2814,236 @@
 </dgm:colorsDef>
 </file>
 
-<file path=ppt/diagrams/colors3.xml><?xml version="1.0" encoding="utf-8"?>
-<dgm:colorsDef xmlns:dgm="http://schemas.openxmlformats.org/drawingml/2006/diagram" xmlns:a="http://schemas.openxmlformats.org/drawingml/2006/main" uniqueId="urn:microsoft.com/office/officeart/2005/8/colors/colorful2">
-  <dgm:title val=""/>
-  <dgm:desc val=""/>
-  <dgm:catLst>
-    <dgm:cat type="colorful" pri="10200"/>
-  </dgm:catLst>
-  <dgm:styleLbl name="node0">
-    <dgm:fillClrLst meth="repeat">
-      <a:schemeClr val="accent1"/>
-    </dgm:fillClrLst>
-    <dgm:linClrLst meth="repeat">
-      <a:schemeClr val="lt1"/>
-    </dgm:linClrLst>
-    <dgm:effectClrLst/>
-    <dgm:txLinClrLst/>
-    <dgm:txFillClrLst/>
-    <dgm:txEffectClrLst/>
-  </dgm:styleLbl>
-  <dgm:styleLbl name="node1">
-    <dgm:fillClrLst>
-      <a:schemeClr val="accent2"/>
-      <a:schemeClr val="accent3"/>
-    </dgm:fillClrLst>
-    <dgm:linClrLst meth="repeat">
-      <a:schemeClr val="lt1"/>
-    </dgm:linClrLst>
-    <dgm:effectClrLst/>
-    <dgm:txLinClrLst/>
-    <dgm:txFillClrLst/>
-    <dgm:txEffectClrLst/>
-  </dgm:styleLbl>
-  <dgm:styleLbl name="alignNode1">
-    <dgm:fillClrLst>
-      <a:schemeClr val="accent2"/>
-      <a:schemeClr val="accent3"/>
-    </dgm:fillClrLst>
-    <dgm:linClrLst>
-      <a:schemeClr val="accent2"/>
-      <a:schemeClr val="accent3"/>
-    </dgm:linClrLst>
-    <dgm:effectClrLst/>
-    <dgm:txLinClrLst/>
-    <dgm:txFillClrLst/>
-    <dgm:txEffectClrLst/>
-  </dgm:styleLbl>
-  <dgm:styleLbl name="lnNode1">
-    <dgm:fillClrLst>
-      <a:schemeClr val="accent2"/>
-      <a:schemeClr val="accent3"/>
-    </dgm:fillClrLst>
-    <dgm:linClrLst meth="repeat">
-      <a:schemeClr val="lt1"/>
-    </dgm:linClrLst>
-    <dgm:effectClrLst/>
-    <dgm:txLinClrLst/>
-    <dgm:txFillClrLst/>
-    <dgm:txEffectClrLst/>
-  </dgm:styleLbl>
-  <dgm:styleLbl name="vennNode1">
-    <dgm:fillClrLst>
-      <a:schemeClr val="accent2">
-        <a:alpha val="50000"/>
-      </a:schemeClr>
-      <a:schemeClr val="accent3">
-        <a:alpha val="50000"/>
-      </a:schemeClr>
-    </dgm:fillClrLst>
-    <dgm:linClrLst meth="repeat">
-      <a:schemeClr val="lt1"/>
-    </dgm:linClrLst>
-    <dgm:effectClrLst/>
-    <dgm:txLinClrLst/>
-    <dgm:txFillClrLst/>
-    <dgm:txEffectClrLst/>
-  </dgm:styleLbl>
-  <dgm:styleLbl name="node2">
-    <dgm:fillClrLst>
-      <a:schemeClr val="accent3"/>
-    </dgm:fillClrLst>
-    <dgm:linClrLst meth="repeat">
-      <a:schemeClr val="lt1"/>
-    </dgm:linClrLst>
-    <dgm:effectClrLst/>
-    <dgm:txLinClrLst/>
-    <dgm:txFillClrLst/>
-    <dgm:txEffectClrLst/>
-  </dgm:styleLbl>
-  <dgm:styleLbl name="node3">
-    <dgm:fillClrLst>
-      <a:schemeClr val="accent4"/>
-    </dgm:fillClrLst>
-    <dgm:linClrLst meth="repeat">
-      <a:schemeClr val="lt1"/>
-    </dgm:linClrLst>
-    <dgm:effectClrLst/>
-    <dgm:txLinClrLst/>
-    <dgm:txFillClrLst/>
-    <dgm:txEffectClrLst/>
-  </dgm:styleLbl>
-  <dgm:styleLbl name="node4">
-    <dgm:fillClrLst>
-      <a:schemeClr val="accent5"/>
-    </dgm:fillClrLst>
-    <dgm:linClrLst meth="repeat">
-      <a:schemeClr val="lt1"/>
-    </dgm:linClrLst>
-    <dgm:effectClrLst/>
-    <dgm:txLinClrLst/>
-    <dgm:txFillClrLst/>
-    <dgm:txEffectClrLst/>
-  </dgm:styleLbl>
-  <dgm:styleLbl name="fgImgPlace1">
-    <dgm:fillClrLst>
-      <a:schemeClr val="accent2">
-        <a:tint val="50000"/>
-      </a:schemeClr>
-      <a:schemeClr val="accent3">
-        <a:tint val="50000"/>
-      </a:schemeClr>
-    </dgm:fillClrLst>
-    <dgm:linClrLst meth="repeat">
-      <a:schemeClr val="lt1"/>
-    </dgm:linClrLst>
-    <dgm:effectClrLst/>
-    <dgm:txLinClrLst/>
-    <dgm:txFillClrLst meth="repeat">
-      <a:schemeClr val="lt1"/>
-    </dgm:txFillClrLst>
-    <dgm:txEffectClrLst/>
-  </dgm:styleLbl>
-  <dgm:styleLbl name="alignImgPlace1">
-    <dgm:fillClrLst>
-      <a:schemeClr val="accent2">
-        <a:tint val="50000"/>
-      </a:schemeClr>
-      <a:schemeClr val="accent3">
-        <a:tint val="20000"/>
-      </a:schemeClr>
-    </dgm:fillClrLst>
-    <dgm:linClrLst meth="repeat">
-      <a:schemeClr val="lt1"/>
-    </dgm:linClrLst>
-    <dgm:effectClrLst/>
-    <dgm:txLinClrLst/>
-    <dgm:txFillClrLst meth="repeat">
-      <a:schemeClr val="lt1"/>
-    </dgm:txFillClrLst>
-    <dgm:txEffectClrLst/>
-  </dgm:styleLbl>
-  <dgm:styleLbl name="bgImgPlace1">
-    <dgm:fillClrLst>
-      <a:schemeClr val="accent2">
-        <a:tint val="50000"/>
-      </a:schemeClr>
-      <a:schemeClr val="accent3">
-        <a:tint val="20000"/>
-      </a:schemeClr>
-    </dgm:fillClrLst>
-    <dgm:linClrLst meth="repeat">
-      <a:schemeClr val="lt1"/>
-    </dgm:linClrLst>
-    <dgm:effectClrLst/>
-    <dgm:txLinClrLst/>
-    <dgm:txFillClrLst meth="repeat">
-      <a:schemeClr val="lt1"/>
-    </dgm:txFillClrLst>
-    <dgm:txEffectClrLst/>
-  </dgm:styleLbl>
-  <dgm:styleLbl name="sibTrans2D1">
-    <dgm:fillClrLst>
-      <a:schemeClr val="accent2"/>
-      <a:schemeClr val="accent3"/>
-    </dgm:fillClrLst>
-    <dgm:linClrLst meth="repeat">
-      <a:schemeClr val="lt1"/>
-    </dgm:linClrLst>
-    <dgm:effectClrLst/>
-    <dgm:txLinClrLst/>
-    <dgm:txFillClrLst/>
-    <dgm:txEffectClrLst/>
-  </dgm:styleLbl>
-  <dgm:styleLbl name="fgSibTrans2D1">
-    <dgm:fillClrLst>
-      <a:schemeClr val="accent2"/>
-      <a:schemeClr val="accent3"/>
-    </dgm:fillClrLst>
-    <dgm:linClrLst meth="repeat">
-      <a:schemeClr val="lt1"/>
-    </dgm:linClrLst>
-    <dgm:effectClrLst/>
-    <dgm:txLinClrLst/>
-    <dgm:txFillClrLst meth="repeat">
-      <a:schemeClr val="lt1"/>
-    </dgm:txFillClrLst>
-    <dgm:txEffectClrLst/>
-  </dgm:styleLbl>
-  <dgm:styleLbl name="bgSibTrans2D1">
-    <dgm:fillClrLst>
-      <a:schemeClr val="accent2"/>
-      <a:schemeClr val="accent3"/>
-    </dgm:fillClrLst>
-    <dgm:linClrLst meth="repeat">
-      <a:schemeClr val="lt1"/>
-    </dgm:linClrLst>
-    <dgm:effectClrLst/>
-    <dgm:txLinClrLst/>
-    <dgm:txFillClrLst meth="repeat">
-      <a:schemeClr val="lt1"/>
-    </dgm:txFillClrLst>
-    <dgm:txEffectClrLst/>
-  </dgm:styleLbl>
-  <dgm:styleLbl name="sibTrans1D1">
-    <dgm:fillClrLst/>
-    <dgm:linClrLst>
-      <a:schemeClr val="accent2"/>
-      <a:schemeClr val="accent3"/>
-    </dgm:linClrLst>
-    <dgm:effectClrLst/>
-    <dgm:txLinClrLst/>
-    <dgm:txFillClrLst meth="repeat">
-      <a:schemeClr val="tx1"/>
-    </dgm:txFillClrLst>
-    <dgm:txEffectClrLst/>
-  </dgm:styleLbl>
-  <dgm:styleLbl name="callout">
-    <dgm:fillClrLst meth="repeat">
-      <a:schemeClr val="accent2"/>
-    </dgm:fillClrLst>
-    <dgm:linClrLst meth="repeat">
-      <a:schemeClr val="accent2">
-        <a:tint val="50000"/>
-      </a:schemeClr>
-    </dgm:linClrLst>
-    <dgm:effectClrLst/>
-    <dgm:txLinClrLst/>
-    <dgm:txFillClrLst meth="repeat">
-      <a:schemeClr val="tx1"/>
-    </dgm:txFillClrLst>
-    <dgm:txEffectClrLst/>
-  </dgm:styleLbl>
-  <dgm:styleLbl name="asst0">
-    <dgm:fillClrLst meth="repeat">
-      <a:schemeClr val="accent2"/>
-    </dgm:fillClrLst>
-    <dgm:linClrLst meth="repeat">
-      <a:schemeClr val="lt1">
-        <a:shade val="80000"/>
-      </a:schemeClr>
-    </dgm:linClrLst>
-    <dgm:effectClrLst/>
-    <dgm:txLinClrLst/>
-    <dgm:txFillClrLst/>
-    <dgm:txEffectClrLst/>
-  </dgm:styleLbl>
-  <dgm:styleLbl name="asst1">
-    <dgm:fillClrLst meth="repeat">
-      <a:schemeClr val="accent3"/>
-    </dgm:fillClrLst>
-    <dgm:linClrLst meth="repeat">
-      <a:schemeClr val="lt1">
-        <a:shade val="80000"/>
-      </a:schemeClr>
-    </dgm:linClrLst>
-    <dgm:effectClrLst/>
-    <dgm:txLinClrLst/>
-    <dgm:txFillClrLst/>
-    <dgm:txEffectClrLst/>
-  </dgm:styleLbl>
-  <dgm:styleLbl name="asst2">
-    <dgm:fillClrLst>
-      <a:schemeClr val="accent4"/>
-    </dgm:fillClrLst>
-    <dgm:linClrLst meth="repeat">
-      <a:schemeClr val="lt1"/>
-    </dgm:linClrLst>
-    <dgm:effectClrLst/>
-    <dgm:txLinClrLst/>
-    <dgm:txFillClrLst/>
-    <dgm:txEffectClrLst/>
-  </dgm:styleLbl>
-  <dgm:styleLbl name="asst3">
-    <dgm:fillClrLst>
-      <a:schemeClr val="accent5"/>
-    </dgm:fillClrLst>
-    <dgm:linClrLst meth="repeat">
-      <a:schemeClr val="lt1"/>
-    </dgm:linClrLst>
-    <dgm:effectClrLst/>
-    <dgm:txLinClrLst/>
-    <dgm:txFillClrLst/>
-    <dgm:txEffectClrLst/>
-  </dgm:styleLbl>
-  <dgm:styleLbl name="asst4">
-    <dgm:fillClrLst>
-      <a:schemeClr val="accent6"/>
-    </dgm:fillClrLst>
-    <dgm:linClrLst meth="repeat">
-      <a:schemeClr val="lt1"/>
-    </dgm:linClrLst>
-    <dgm:effectClrLst/>
-    <dgm:txLinClrLst/>
-    <dgm:txFillClrLst/>
-    <dgm:txEffectClrLst/>
-  </dgm:styleLbl>
-  <dgm:styleLbl name="parChTrans2D1">
-    <dgm:fillClrLst meth="repeat">
-      <a:schemeClr val="accent2"/>
-    </dgm:fillClrLst>
-    <dgm:linClrLst meth="repeat">
-      <a:schemeClr val="lt1"/>
-    </dgm:linClrLst>
-    <dgm:effectClrLst/>
-    <dgm:txLinClrLst/>
-    <dgm:txFillClrLst meth="repeat">
-      <a:schemeClr val="lt1"/>
-    </dgm:txFillClrLst>
-    <dgm:txEffectClrLst/>
-  </dgm:styleLbl>
-  <dgm:styleLbl name="parChTrans2D2">
-    <dgm:fillClrLst meth="repeat">
-      <a:schemeClr val="accent3"/>
-    </dgm:fillClrLst>
-    <dgm:linClrLst meth="repeat">
-      <a:schemeClr val="lt1"/>
-    </dgm:linClrLst>
-    <dgm:effectClrLst/>
-    <dgm:txLinClrLst/>
-    <dgm:txFillClrLst/>
-    <dgm:txEffectClrLst/>
-  </dgm:styleLbl>
-  <dgm:styleLbl name="parChTrans2D3">
-    <dgm:fillClrLst meth="repeat">
-      <a:schemeClr val="accent4"/>
-    </dgm:fillClrLst>
-    <dgm:linClrLst meth="repeat">
-      <a:schemeClr val="lt1"/>
-    </dgm:linClrLst>
-    <dgm:effectClrLst/>
-    <dgm:txLinClrLst/>
-    <dgm:txFillClrLst/>
-    <dgm:txEffectClrLst/>
-  </dgm:styleLbl>
-  <dgm:styleLbl name="parChTrans2D4">
-    <dgm:fillClrLst meth="repeat">
-      <a:schemeClr val="accent5"/>
-    </dgm:fillClrLst>
-    <dgm:linClrLst meth="repeat">
-      <a:schemeClr val="lt1"/>
-    </dgm:linClrLst>
-    <dgm:effectClrLst/>
-    <dgm:txLinClrLst/>
-    <dgm:txFillClrLst meth="repeat">
-      <a:schemeClr val="lt1"/>
-    </dgm:txFillClrLst>
-    <dgm:txEffectClrLst/>
-  </dgm:styleLbl>
-  <dgm:styleLbl name="parChTrans1D1">
-    <dgm:fillClrLst meth="repeat">
-      <a:schemeClr val="accent2"/>
-    </dgm:fillClrLst>
-    <dgm:linClrLst meth="repeat">
-      <a:schemeClr val="accent2"/>
-    </dgm:linClrLst>
-    <dgm:effectClrLst/>
-    <dgm:txLinClrLst/>
-    <dgm:txFillClrLst meth="repeat">
-      <a:schemeClr val="tx1"/>
-    </dgm:txFillClrLst>
-    <dgm:txEffectClrLst/>
-  </dgm:styleLbl>
-  <dgm:styleLbl name="parChTrans1D2">
-    <dgm:fillClrLst meth="repeat">
-      <a:schemeClr val="accent2">
-        <a:tint val="90000"/>
-      </a:schemeClr>
-    </dgm:fillClrLst>
-    <dgm:linClrLst meth="repeat">
-      <a:schemeClr val="accent3"/>
-    </dgm:linClrLst>
-    <dgm:effectClrLst/>
-    <dgm:txLinClrLst/>
-    <dgm:txFillClrLst meth="repeat">
-      <a:schemeClr val="tx1"/>
-    </dgm:txFillClrLst>
-    <dgm:txEffectClrLst/>
-  </dgm:styleLbl>
-  <dgm:styleLbl name="parChTrans1D3">
-    <dgm:fillClrLst meth="repeat">
-      <a:schemeClr val="accent2">
-        <a:tint val="70000"/>
-      </a:schemeClr>
-    </dgm:fillClrLst>
-    <dgm:linClrLst meth="repeat">
-      <a:schemeClr val="accent4"/>
-    </dgm:linClrLst>
-    <dgm:effectClrLst/>
-    <dgm:txLinClrLst/>
-    <dgm:txFillClrLst meth="repeat">
-      <a:schemeClr val="tx1"/>
-    </dgm:txFillClrLst>
-    <dgm:txEffectClrLst/>
-  </dgm:styleLbl>
-  <dgm:styleLbl name="parChTrans1D4">
-    <dgm:fillClrLst meth="repeat">
-      <a:schemeClr val="accent2">
-        <a:tint val="50000"/>
-      </a:schemeClr>
-    </dgm:fillClrLst>
-    <dgm:linClrLst meth="repeat">
-      <a:schemeClr val="accent5"/>
-    </dgm:linClrLst>
-    <dgm:effectClrLst/>
-    <dgm:txLinClrLst/>
-    <dgm:txFillClrLst meth="repeat">
-      <a:schemeClr val="tx1"/>
-    </dgm:txFillClrLst>
-    <dgm:txEffectClrLst/>
-  </dgm:styleLbl>
-  <dgm:styleLbl name="fgAcc1">
-    <dgm:fillClrLst meth="repeat">
-      <a:schemeClr val="lt1">
-        <a:alpha val="90000"/>
-      </a:schemeClr>
-    </dgm:fillClrLst>
-    <dgm:linClrLst>
-      <a:schemeClr val="accent2"/>
-      <a:schemeClr val="accent3"/>
-    </dgm:linClrLst>
-    <dgm:effectClrLst/>
-    <dgm:txLinClrLst/>
-    <dgm:txFillClrLst meth="repeat">
-      <a:schemeClr val="dk1"/>
-    </dgm:txFillClrLst>
-    <dgm:txEffectClrLst/>
-  </dgm:styleLbl>
-  <dgm:styleLbl name="conFgAcc1">
-    <dgm:fillClrLst meth="repeat">
-      <a:schemeClr val="lt1">
-        <a:alpha val="90000"/>
-      </a:schemeClr>
-    </dgm:fillClrLst>
-    <dgm:linClrLst>
-      <a:schemeClr val="accent2"/>
-      <a:schemeClr val="accent3"/>
-    </dgm:linClrLst>
-    <dgm:effectClrLst/>
-    <dgm:txLinClrLst/>
-    <dgm:txFillClrLst meth="repeat">
-      <a:schemeClr val="dk1"/>
-    </dgm:txFillClrLst>
-    <dgm:txEffectClrLst/>
-  </dgm:styleLbl>
-  <dgm:styleLbl name="alignAcc1">
-    <dgm:fillClrLst meth="repeat">
-      <a:schemeClr val="lt1">
-        <a:alpha val="90000"/>
-      </a:schemeClr>
-    </dgm:fillClrLst>
-    <dgm:linClrLst>
-      <a:schemeClr val="accent2"/>
-      <a:schemeClr val="accent3"/>
-    </dgm:linClrLst>
-    <dgm:effectClrLst/>
-    <dgm:txLinClrLst/>
-    <dgm:txFillClrLst meth="repeat">
-      <a:schemeClr val="dk1"/>
-    </dgm:txFillClrLst>
-    <dgm:txEffectClrLst/>
-  </dgm:styleLbl>
-  <dgm:styleLbl name="trAlignAcc1">
-    <dgm:fillClrLst meth="repeat">
-      <a:schemeClr val="lt1">
-        <a:alpha val="40000"/>
-      </a:schemeClr>
-    </dgm:fillClrLst>
-    <dgm:linClrLst meth="repeat">
-      <a:schemeClr val="accent2"/>
-    </dgm:linClrLst>
-    <dgm:effectClrLst/>
-    <dgm:txLinClrLst/>
-    <dgm:txFillClrLst meth="repeat">
-      <a:schemeClr val="dk1"/>
-    </dgm:txFillClrLst>
-    <dgm:txEffectClrLst/>
-  </dgm:styleLbl>
-  <dgm:styleLbl name="bgAcc1">
-    <dgm:fillClrLst meth="repeat">
-      <a:schemeClr val="lt1">
-        <a:alpha val="90000"/>
-      </a:schemeClr>
-    </dgm:fillClrLst>
-    <dgm:linClrLst>
-      <a:schemeClr val="accent2"/>
-      <a:schemeClr val="accent3"/>
-    </dgm:linClrLst>
-    <dgm:effectClrLst/>
-    <dgm:txLinClrLst/>
-    <dgm:txFillClrLst meth="repeat">
-      <a:schemeClr val="dk1"/>
-    </dgm:txFillClrLst>
-    <dgm:txEffectClrLst/>
-  </dgm:styleLbl>
-  <dgm:styleLbl name="solidFgAcc1">
-    <dgm:fillClrLst meth="repeat">
-      <a:schemeClr val="lt1"/>
-    </dgm:fillClrLst>
-    <dgm:linClrLst>
-      <a:schemeClr val="accent2"/>
-      <a:schemeClr val="accent3"/>
-    </dgm:linClrLst>
-    <dgm:effectClrLst/>
-    <dgm:txLinClrLst/>
-    <dgm:txFillClrLst meth="repeat">
-      <a:schemeClr val="dk1"/>
-    </dgm:txFillClrLst>
-    <dgm:txEffectClrLst/>
-  </dgm:styleLbl>
-  <dgm:styleLbl name="solidAlignAcc1">
-    <dgm:fillClrLst meth="repeat">
-      <a:schemeClr val="lt1"/>
-    </dgm:fillClrLst>
-    <dgm:linClrLst>
-      <a:schemeClr val="accent2"/>
-      <a:schemeClr val="accent3"/>
-    </dgm:linClrLst>
-    <dgm:effectClrLst/>
-    <dgm:txLinClrLst/>
-    <dgm:txFillClrLst meth="repeat">
-      <a:schemeClr val="dk1"/>
-    </dgm:txFillClrLst>
-    <dgm:txEffectClrLst/>
-  </dgm:styleLbl>
-  <dgm:styleLbl name="solidBgAcc1">
-    <dgm:fillClrLst meth="repeat">
-      <a:schemeClr val="lt1"/>
-    </dgm:fillClrLst>
-    <dgm:linClrLst>
-      <a:schemeClr val="accent2"/>
-      <a:schemeClr val="accent3"/>
-    </dgm:linClrLst>
-    <dgm:effectClrLst/>
-    <dgm:txLinClrLst/>
-    <dgm:txFillClrLst meth="repeat">
-      <a:schemeClr val="dk1"/>
-    </dgm:txFillClrLst>
-    <dgm:txEffectClrLst/>
-  </dgm:styleLbl>
-  <dgm:styleLbl name="fgAccFollowNode1">
-    <dgm:fillClrLst>
-      <a:schemeClr val="accent2">
-        <a:tint val="40000"/>
-        <a:alpha val="90000"/>
-      </a:schemeClr>
-      <a:schemeClr val="accent3">
-        <a:tint val="40000"/>
-        <a:alpha val="90000"/>
-      </a:schemeClr>
-    </dgm:fillClrLst>
-    <dgm:linClrLst>
-      <a:schemeClr val="accent2">
-        <a:tint val="40000"/>
-        <a:alpha val="90000"/>
-      </a:schemeClr>
-      <a:schemeClr val="accent3">
-        <a:tint val="40000"/>
-        <a:alpha val="90000"/>
-      </a:schemeClr>
-    </dgm:linClrLst>
-    <dgm:effectClrLst/>
-    <dgm:txLinClrLst/>
-    <dgm:txFillClrLst meth="repeat">
-      <a:schemeClr val="dk1"/>
-    </dgm:txFillClrLst>
-    <dgm:txEffectClrLst/>
-  </dgm:styleLbl>
-  <dgm:styleLbl name="alignAccFollowNode1">
-    <dgm:fillClrLst>
-      <a:schemeClr val="accent2">
-        <a:tint val="40000"/>
-        <a:alpha val="90000"/>
-      </a:schemeClr>
-      <a:schemeClr val="accent3">
-        <a:tint val="40000"/>
-        <a:alpha val="90000"/>
-      </a:schemeClr>
-    </dgm:fillClrLst>
-    <dgm:linClrLst>
-      <a:schemeClr val="accent2">
-        <a:tint val="40000"/>
-        <a:alpha val="90000"/>
-      </a:schemeClr>
-      <a:schemeClr val="accent3">
-        <a:tint val="40000"/>
-        <a:alpha val="90000"/>
-      </a:schemeClr>
-    </dgm:linClrLst>
-    <dgm:effectClrLst/>
-    <dgm:txLinClrLst/>
-    <dgm:txFillClrLst meth="repeat">
-      <a:schemeClr val="dk1"/>
-    </dgm:txFillClrLst>
-    <dgm:txEffectClrLst/>
-  </dgm:styleLbl>
-  <dgm:styleLbl name="bgAccFollowNode1">
-    <dgm:fillClrLst>
-      <a:schemeClr val="accent2">
-        <a:tint val="40000"/>
-        <a:alpha val="90000"/>
-      </a:schemeClr>
-      <a:schemeClr val="accent3">
-        <a:tint val="40000"/>
-        <a:alpha val="90000"/>
-      </a:schemeClr>
-    </dgm:fillClrLst>
-    <dgm:linClrLst>
-      <a:schemeClr val="accent2">
-        <a:tint val="40000"/>
-        <a:alpha val="90000"/>
-      </a:schemeClr>
-      <a:schemeClr val="accent3">
-        <a:tint val="40000"/>
-        <a:alpha val="90000"/>
-      </a:schemeClr>
-    </dgm:linClrLst>
-    <dgm:effectClrLst/>
-    <dgm:txLinClrLst/>
-    <dgm:txFillClrLst meth="repeat">
-      <a:schemeClr val="dk1"/>
-    </dgm:txFillClrLst>
-    <dgm:txEffectClrLst/>
-  </dgm:styleLbl>
-  <dgm:styleLbl name="fgAcc0">
-    <dgm:fillClrLst meth="repeat">
-      <a:schemeClr val="lt1">
-        <a:alpha val="90000"/>
-      </a:schemeClr>
-    </dgm:fillClrLst>
-    <dgm:linClrLst>
-      <a:schemeClr val="accent1"/>
-    </dgm:linClrLst>
-    <dgm:effectClrLst/>
-    <dgm:txLinClrLst/>
-    <dgm:txFillClrLst meth="repeat">
-      <a:schemeClr val="dk1"/>
-    </dgm:txFillClrLst>
-    <dgm:txEffectClrLst/>
-  </dgm:styleLbl>
-  <dgm:styleLbl name="fgAcc2">
-    <dgm:fillClrLst meth="repeat">
-      <a:schemeClr val="lt1">
-        <a:alpha val="90000"/>
-      </a:schemeClr>
-    </dgm:fillClrLst>
-    <dgm:linClrLst>
-      <a:schemeClr val="accent3"/>
-    </dgm:linClrLst>
-    <dgm:effectClrLst/>
-    <dgm:txLinClrLst/>
-    <dgm:txFillClrLst meth="repeat">
-      <a:schemeClr val="dk1"/>
-    </dgm:txFillClrLst>
-    <dgm:txEffectClrLst/>
-  </dgm:styleLbl>
-  <dgm:styleLbl name="fgAcc3">
-    <dgm:fillClrLst meth="repeat">
-      <a:schemeClr val="lt1">
-        <a:alpha val="90000"/>
-      </a:schemeClr>
-    </dgm:fillClrLst>
-    <dgm:linClrLst>
-      <a:schemeClr val="accent4"/>
-    </dgm:linClrLst>
-    <dgm:effectClrLst/>
-    <dgm:txLinClrLst/>
-    <dgm:txFillClrLst meth="repeat">
-      <a:schemeClr val="dk1"/>
-    </dgm:txFillClrLst>
-    <dgm:txEffectClrLst/>
-  </dgm:styleLbl>
-  <dgm:styleLbl name="fgAcc4">
-    <dgm:fillClrLst meth="repeat">
-      <a:schemeClr val="lt1">
-        <a:alpha val="90000"/>
-      </a:schemeClr>
-    </dgm:fillClrLst>
-    <dgm:linClrLst>
-      <a:schemeClr val="accent5"/>
-    </dgm:linClrLst>
-    <dgm:effectClrLst/>
-    <dgm:txLinClrLst/>
-    <dgm:txFillClrLst meth="repeat">
-      <a:schemeClr val="dk1"/>
-    </dgm:txFillClrLst>
-    <dgm:txEffectClrLst/>
-  </dgm:styleLbl>
-  <dgm:styleLbl name="bgShp">
-    <dgm:fillClrLst meth="repeat">
-      <a:schemeClr val="accent2">
-        <a:tint val="40000"/>
-      </a:schemeClr>
-    </dgm:fillClrLst>
-    <dgm:linClrLst meth="repeat">
-      <a:schemeClr val="dk1"/>
-    </dgm:linClrLst>
-    <dgm:effectClrLst/>
-    <dgm:txLinClrLst/>
-    <dgm:txFillClrLst meth="repeat">
-      <a:schemeClr val="dk1"/>
-    </dgm:txFillClrLst>
-    <dgm:txEffectClrLst/>
-  </dgm:styleLbl>
-  <dgm:styleLbl name="dkBgShp">
-    <dgm:fillClrLst meth="repeat">
-      <a:schemeClr val="accent2">
-        <a:shade val="90000"/>
-      </a:schemeClr>
-    </dgm:fillClrLst>
-    <dgm:linClrLst meth="repeat">
-      <a:schemeClr val="dk1"/>
-    </dgm:linClrLst>
-    <dgm:effectClrLst/>
-    <dgm:txLinClrLst/>
-    <dgm:txFillClrLst meth="repeat">
-      <a:schemeClr val="lt1"/>
-    </dgm:txFillClrLst>
-    <dgm:txEffectClrLst/>
-  </dgm:styleLbl>
-  <dgm:styleLbl name="trBgShp">
-    <dgm:fillClrLst meth="repeat">
-      <a:schemeClr val="accent2">
-        <a:tint val="50000"/>
-        <a:alpha val="40000"/>
-      </a:schemeClr>
-    </dgm:fillClrLst>
-    <dgm:linClrLst meth="repeat">
-      <a:schemeClr val="accent2"/>
-    </dgm:linClrLst>
-    <dgm:effectClrLst/>
-    <dgm:txLinClrLst/>
-    <dgm:txFillClrLst meth="repeat">
-      <a:schemeClr val="lt1"/>
-    </dgm:txFillClrLst>
-    <dgm:txEffectClrLst/>
-  </dgm:styleLbl>
-  <dgm:styleLbl name="fgShp">
-    <dgm:fillClrLst meth="repeat">
-      <a:schemeClr val="accent2">
-        <a:tint val="40000"/>
-      </a:schemeClr>
-    </dgm:fillClrLst>
-    <dgm:linClrLst meth="repeat">
-      <a:schemeClr val="lt1"/>
-    </dgm:linClrLst>
-    <dgm:effectClrLst/>
-    <dgm:txLinClrLst/>
-    <dgm:txFillClrLst meth="repeat">
-      <a:schemeClr val="dk1"/>
-    </dgm:txFillClrLst>
-    <dgm:txEffectClrLst/>
-  </dgm:styleLbl>
-  <dgm:styleLbl name="revTx">
-    <dgm:fillClrLst meth="repeat">
-      <a:schemeClr val="lt1">
-        <a:alpha val="0"/>
-      </a:schemeClr>
-    </dgm:fillClrLst>
-    <dgm:linClrLst meth="repeat">
-      <a:schemeClr val="dk1">
-        <a:alpha val="0"/>
-      </a:schemeClr>
-    </dgm:linClrLst>
-    <dgm:effectClrLst/>
-    <dgm:txLinClrLst/>
-    <dgm:txFillClrLst meth="repeat">
-      <a:schemeClr val="tx1"/>
-    </dgm:txFillClrLst>
-    <dgm:txEffectClrLst/>
-  </dgm:styleLbl>
-</dgm:colorsDef>
+<file path=ppt/diagrams/data1.xml><?xml version="1.0" encoding="utf-8"?>
+<dgm:dataModel xmlns:dgm="http://schemas.openxmlformats.org/drawingml/2006/diagram" xmlns:a="http://schemas.openxmlformats.org/drawingml/2006/main">
+  <dgm:ptLst>
+    <dgm:pt modelId="{988A5EC8-289F-4411-84A2-6BEE68786BDB}" type="doc">
+      <dgm:prSet loTypeId="urn:microsoft.com/office/officeart/2005/8/layout/process4" loCatId="process" qsTypeId="urn:microsoft.com/office/officeart/2005/8/quickstyle/simple1" qsCatId="simple" csTypeId="urn:microsoft.com/office/officeart/2005/8/colors/colorful2" csCatId="colorful" phldr="1"/>
+      <dgm:spPr/>
+      <dgm:t>
+        <a:bodyPr/>
+        <a:lstStyle/>
+        <a:p>
+          <a:endParaRPr lang="en-US"/>
+        </a:p>
+      </dgm:t>
+    </dgm:pt>
+    <dgm:pt modelId="{349DBF16-A9A4-4435-9D02-E6253EB4B7D3}">
+      <dgm:prSet/>
+      <dgm:spPr/>
+      <dgm:t>
+        <a:bodyPr/>
+        <a:lstStyle/>
+        <a:p>
+          <a:r>
+            <a:rPr lang="en-US" dirty="0" err="1"/>
+            <a:t>Modelos</a:t>
+          </a:r>
+          <a:r>
+            <a:rPr lang="en-US" dirty="0"/>
+            <a:t> a </a:t>
+          </a:r>
+          <a:r>
+            <a:rPr lang="en-US" dirty="0" err="1"/>
+            <a:t>evaluar</a:t>
+          </a:r>
+          <a:r>
+            <a:rPr lang="en-US" dirty="0"/>
+            <a:t>: </a:t>
+          </a:r>
+          <a:r>
+            <a:rPr lang="en-US" dirty="0" err="1"/>
+            <a:t>Regresión</a:t>
+          </a:r>
+          <a:r>
+            <a:rPr lang="en-US" dirty="0"/>
+            <a:t> </a:t>
+          </a:r>
+          <a:r>
+            <a:rPr lang="en-US" dirty="0" err="1"/>
+            <a:t>Logística</a:t>
+          </a:r>
+          <a:r>
+            <a:rPr lang="en-US" dirty="0"/>
+            <a:t>, Random Forest, </a:t>
+          </a:r>
+          <a:r>
+            <a:rPr lang="en-US" dirty="0" err="1"/>
+            <a:t>XGBoost</a:t>
+          </a:r>
+          <a:r>
+            <a:rPr lang="en-US"/>
+            <a:t> lineal.</a:t>
+          </a:r>
+          <a:endParaRPr lang="en-US" dirty="0"/>
+        </a:p>
+      </dgm:t>
+    </dgm:pt>
+    <dgm:pt modelId="{95D5183D-AD36-49DD-92D9-DAE38204A435}" type="parTrans" cxnId="{0C8B31A6-459F-4225-A44C-86B32DD5509A}">
+      <dgm:prSet/>
+      <dgm:spPr/>
+      <dgm:t>
+        <a:bodyPr/>
+        <a:lstStyle/>
+        <a:p>
+          <a:endParaRPr lang="en-US"/>
+        </a:p>
+      </dgm:t>
+    </dgm:pt>
+    <dgm:pt modelId="{EA3A09CE-CF5B-4F83-9E49-18896084C6CB}" type="sibTrans" cxnId="{0C8B31A6-459F-4225-A44C-86B32DD5509A}">
+      <dgm:prSet/>
+      <dgm:spPr/>
+      <dgm:t>
+        <a:bodyPr/>
+        <a:lstStyle/>
+        <a:p>
+          <a:endParaRPr lang="en-US"/>
+        </a:p>
+      </dgm:t>
+    </dgm:pt>
+    <dgm:pt modelId="{F9186A14-607C-4CBC-810A-92B8B5841C1D}">
+      <dgm:prSet/>
+      <dgm:spPr/>
+      <dgm:t>
+        <a:bodyPr/>
+        <a:lstStyle/>
+        <a:p>
+          <a:r>
+            <a:rPr lang="en-US"/>
+            <a:t>Métricas: Matriz de confusión, Precisión, Recall, F1-score.</a:t>
+          </a:r>
+        </a:p>
+      </dgm:t>
+    </dgm:pt>
+    <dgm:pt modelId="{5FA9630B-EB9B-4094-92C3-4D84A87205FA}" type="parTrans" cxnId="{F03A797B-2DF7-4342-B5C4-016E0B371098}">
+      <dgm:prSet/>
+      <dgm:spPr/>
+      <dgm:t>
+        <a:bodyPr/>
+        <a:lstStyle/>
+        <a:p>
+          <a:endParaRPr lang="en-US"/>
+        </a:p>
+      </dgm:t>
+    </dgm:pt>
+    <dgm:pt modelId="{5218E1BD-7EF0-4011-BB90-B0593FC23611}" type="sibTrans" cxnId="{F03A797B-2DF7-4342-B5C4-016E0B371098}">
+      <dgm:prSet/>
+      <dgm:spPr/>
+      <dgm:t>
+        <a:bodyPr/>
+        <a:lstStyle/>
+        <a:p>
+          <a:endParaRPr lang="en-US"/>
+        </a:p>
+      </dgm:t>
+    </dgm:pt>
+    <dgm:pt modelId="{C288E225-C02B-4132-9997-2125F536681B}">
+      <dgm:prSet/>
+      <dgm:spPr/>
+      <dgm:t>
+        <a:bodyPr/>
+        <a:lstStyle/>
+        <a:p>
+          <a:r>
+            <a:rPr lang="en-US"/>
+            <a:t>Comparación para seleccionar el modelo con mayor precisión y menor error.</a:t>
+          </a:r>
+        </a:p>
+      </dgm:t>
+    </dgm:pt>
+    <dgm:pt modelId="{53EAA744-31F8-47A7-90BD-65F2261D932B}" type="parTrans" cxnId="{CC633AD5-8ED3-4643-9B45-4472844277D7}">
+      <dgm:prSet/>
+      <dgm:spPr/>
+      <dgm:t>
+        <a:bodyPr/>
+        <a:lstStyle/>
+        <a:p>
+          <a:endParaRPr lang="en-US"/>
+        </a:p>
+      </dgm:t>
+    </dgm:pt>
+    <dgm:pt modelId="{8BEF6AD1-0CCF-4E14-BC48-741CE9550E6A}" type="sibTrans" cxnId="{CC633AD5-8ED3-4643-9B45-4472844277D7}">
+      <dgm:prSet/>
+      <dgm:spPr/>
+      <dgm:t>
+        <a:bodyPr/>
+        <a:lstStyle/>
+        <a:p>
+          <a:endParaRPr lang="en-US"/>
+        </a:p>
+      </dgm:t>
+    </dgm:pt>
+    <dgm:pt modelId="{665DE241-13CF-48F8-9F13-FA543D1C6667}" type="pres">
+      <dgm:prSet presAssocID="{988A5EC8-289F-4411-84A2-6BEE68786BDB}" presName="Name0" presStyleCnt="0">
+        <dgm:presLayoutVars>
+          <dgm:dir/>
+          <dgm:animLvl val="lvl"/>
+          <dgm:resizeHandles val="exact"/>
+        </dgm:presLayoutVars>
+      </dgm:prSet>
+      <dgm:spPr/>
+    </dgm:pt>
+    <dgm:pt modelId="{2CBFCD6A-8AE2-4E3F-B2C4-851EC1DCA9B9}" type="pres">
+      <dgm:prSet presAssocID="{C288E225-C02B-4132-9997-2125F536681B}" presName="boxAndChildren" presStyleCnt="0"/>
+      <dgm:spPr/>
+    </dgm:pt>
+    <dgm:pt modelId="{89C7C10E-A41E-442A-9B48-D19D4AA766A5}" type="pres">
+      <dgm:prSet presAssocID="{C288E225-C02B-4132-9997-2125F536681B}" presName="parentTextBox" presStyleLbl="node1" presStyleIdx="0" presStyleCnt="3"/>
+      <dgm:spPr/>
+    </dgm:pt>
+    <dgm:pt modelId="{79526883-5EF7-41EB-8C4E-E448A451C833}" type="pres">
+      <dgm:prSet presAssocID="{5218E1BD-7EF0-4011-BB90-B0593FC23611}" presName="sp" presStyleCnt="0"/>
+      <dgm:spPr/>
+    </dgm:pt>
+    <dgm:pt modelId="{D5C2E7C4-9057-46F2-933E-224A0B719C6C}" type="pres">
+      <dgm:prSet presAssocID="{F9186A14-607C-4CBC-810A-92B8B5841C1D}" presName="arrowAndChildren" presStyleCnt="0"/>
+      <dgm:spPr/>
+    </dgm:pt>
+    <dgm:pt modelId="{2F2A2CA8-10A1-43D6-B241-42F65E9B8C91}" type="pres">
+      <dgm:prSet presAssocID="{F9186A14-607C-4CBC-810A-92B8B5841C1D}" presName="parentTextArrow" presStyleLbl="node1" presStyleIdx="1" presStyleCnt="3"/>
+      <dgm:spPr/>
+    </dgm:pt>
+    <dgm:pt modelId="{90BA2052-7BC0-489E-A940-13E954EDE69F}" type="pres">
+      <dgm:prSet presAssocID="{EA3A09CE-CF5B-4F83-9E49-18896084C6CB}" presName="sp" presStyleCnt="0"/>
+      <dgm:spPr/>
+    </dgm:pt>
+    <dgm:pt modelId="{0A056C08-4B36-417B-8873-B8EEA7392D98}" type="pres">
+      <dgm:prSet presAssocID="{349DBF16-A9A4-4435-9D02-E6253EB4B7D3}" presName="arrowAndChildren" presStyleCnt="0"/>
+      <dgm:spPr/>
+    </dgm:pt>
+    <dgm:pt modelId="{F8928F9D-B07D-4ECD-8B74-08CC4EBA4C80}" type="pres">
+      <dgm:prSet presAssocID="{349DBF16-A9A4-4435-9D02-E6253EB4B7D3}" presName="parentTextArrow" presStyleLbl="node1" presStyleIdx="2" presStyleCnt="3"/>
+      <dgm:spPr/>
+    </dgm:pt>
+  </dgm:ptLst>
+  <dgm:cxnLst>
+    <dgm:cxn modelId="{3C6DF776-F289-40EA-ABC4-DEABBA1070F3}" type="presOf" srcId="{C288E225-C02B-4132-9997-2125F536681B}" destId="{89C7C10E-A41E-442A-9B48-D19D4AA766A5}" srcOrd="0" destOrd="0" presId="urn:microsoft.com/office/officeart/2005/8/layout/process4"/>
+    <dgm:cxn modelId="{F03A797B-2DF7-4342-B5C4-016E0B371098}" srcId="{988A5EC8-289F-4411-84A2-6BEE68786BDB}" destId="{F9186A14-607C-4CBC-810A-92B8B5841C1D}" srcOrd="1" destOrd="0" parTransId="{5FA9630B-EB9B-4094-92C3-4D84A87205FA}" sibTransId="{5218E1BD-7EF0-4011-BB90-B0593FC23611}"/>
+    <dgm:cxn modelId="{03D4B69B-9260-4015-933E-AB395B1ACA3C}" type="presOf" srcId="{349DBF16-A9A4-4435-9D02-E6253EB4B7D3}" destId="{F8928F9D-B07D-4ECD-8B74-08CC4EBA4C80}" srcOrd="0" destOrd="0" presId="urn:microsoft.com/office/officeart/2005/8/layout/process4"/>
+    <dgm:cxn modelId="{0C8B31A6-459F-4225-A44C-86B32DD5509A}" srcId="{988A5EC8-289F-4411-84A2-6BEE68786BDB}" destId="{349DBF16-A9A4-4435-9D02-E6253EB4B7D3}" srcOrd="0" destOrd="0" parTransId="{95D5183D-AD36-49DD-92D9-DAE38204A435}" sibTransId="{EA3A09CE-CF5B-4F83-9E49-18896084C6CB}"/>
+    <dgm:cxn modelId="{CF363EC7-F4A6-42F2-881F-40B28A972FC3}" type="presOf" srcId="{988A5EC8-289F-4411-84A2-6BEE68786BDB}" destId="{665DE241-13CF-48F8-9F13-FA543D1C6667}" srcOrd="0" destOrd="0" presId="urn:microsoft.com/office/officeart/2005/8/layout/process4"/>
+    <dgm:cxn modelId="{CC633AD5-8ED3-4643-9B45-4472844277D7}" srcId="{988A5EC8-289F-4411-84A2-6BEE68786BDB}" destId="{C288E225-C02B-4132-9997-2125F536681B}" srcOrd="2" destOrd="0" parTransId="{53EAA744-31F8-47A7-90BD-65F2261D932B}" sibTransId="{8BEF6AD1-0CCF-4E14-BC48-741CE9550E6A}"/>
+    <dgm:cxn modelId="{4ED104EC-E310-4C7F-AAA9-1DAF7400B41E}" type="presOf" srcId="{F9186A14-607C-4CBC-810A-92B8B5841C1D}" destId="{2F2A2CA8-10A1-43D6-B241-42F65E9B8C91}" srcOrd="0" destOrd="0" presId="urn:microsoft.com/office/officeart/2005/8/layout/process4"/>
+    <dgm:cxn modelId="{AF2AD8D2-EB8D-4E56-AB9C-A391BF0FED73}" type="presParOf" srcId="{665DE241-13CF-48F8-9F13-FA543D1C6667}" destId="{2CBFCD6A-8AE2-4E3F-B2C4-851EC1DCA9B9}" srcOrd="0" destOrd="0" presId="urn:microsoft.com/office/officeart/2005/8/layout/process4"/>
+    <dgm:cxn modelId="{0069533C-F4C0-4E6F-A107-C2AF03151B93}" type="presParOf" srcId="{2CBFCD6A-8AE2-4E3F-B2C4-851EC1DCA9B9}" destId="{89C7C10E-A41E-442A-9B48-D19D4AA766A5}" srcOrd="0" destOrd="0" presId="urn:microsoft.com/office/officeart/2005/8/layout/process4"/>
+    <dgm:cxn modelId="{E3A68036-7206-4DC1-BFD6-9E711A8C91F1}" type="presParOf" srcId="{665DE241-13CF-48F8-9F13-FA543D1C6667}" destId="{79526883-5EF7-41EB-8C4E-E448A451C833}" srcOrd="1" destOrd="0" presId="urn:microsoft.com/office/officeart/2005/8/layout/process4"/>
+    <dgm:cxn modelId="{56CFA383-3B5D-4A60-9E23-0EA0E0C5C8C8}" type="presParOf" srcId="{665DE241-13CF-48F8-9F13-FA543D1C6667}" destId="{D5C2E7C4-9057-46F2-933E-224A0B719C6C}" srcOrd="2" destOrd="0" presId="urn:microsoft.com/office/officeart/2005/8/layout/process4"/>
+    <dgm:cxn modelId="{76784DBC-51AE-47F2-A343-0EF29A64763E}" type="presParOf" srcId="{D5C2E7C4-9057-46F2-933E-224A0B719C6C}" destId="{2F2A2CA8-10A1-43D6-B241-42F65E9B8C91}" srcOrd="0" destOrd="0" presId="urn:microsoft.com/office/officeart/2005/8/layout/process4"/>
+    <dgm:cxn modelId="{5CA2A703-99FE-4E54-9971-AF5ADFC2F263}" type="presParOf" srcId="{665DE241-13CF-48F8-9F13-FA543D1C6667}" destId="{90BA2052-7BC0-489E-A940-13E954EDE69F}" srcOrd="3" destOrd="0" presId="urn:microsoft.com/office/officeart/2005/8/layout/process4"/>
+    <dgm:cxn modelId="{AACF8F03-C4B2-4A7E-876F-6B9D65C25363}" type="presParOf" srcId="{665DE241-13CF-48F8-9F13-FA543D1C6667}" destId="{0A056C08-4B36-417B-8873-B8EEA7392D98}" srcOrd="4" destOrd="0" presId="urn:microsoft.com/office/officeart/2005/8/layout/process4"/>
+    <dgm:cxn modelId="{7E0923A1-CC88-4A30-B04D-FD22B388736A}" type="presParOf" srcId="{0A056C08-4B36-417B-8873-B8EEA7392D98}" destId="{F8928F9D-B07D-4ECD-8B74-08CC4EBA4C80}" srcOrd="0" destOrd="0" presId="urn:microsoft.com/office/officeart/2005/8/layout/process4"/>
+  </dgm:cxnLst>
+  <dgm:bg/>
+  <dgm:whole/>
+  <dgm:extLst>
+    <a:ext uri="http://schemas.microsoft.com/office/drawing/2008/diagram">
+      <dsp:dataModelExt xmlns:dsp="http://schemas.microsoft.com/office/drawing/2008/diagram" relId="rId6" minVer="http://schemas.openxmlformats.org/drawingml/2006/diagram"/>
+    </a:ext>
+  </dgm:extLst>
+</dgm:dataModel>
 </file>
 
-<file path=ppt/diagrams/colors4.xml><?xml version="1.0" encoding="utf-8"?>
-<dgm:colorsDef xmlns:dgm="http://schemas.openxmlformats.org/drawingml/2006/diagram" xmlns:a="http://schemas.openxmlformats.org/drawingml/2006/main" uniqueId="urn:microsoft.com/office/officeart/2018/5/colors/Iconchunking_neutralbg_colorful1">
-  <dgm:title val=""/>
-  <dgm:desc val=""/>
-  <dgm:catLst>
-    <dgm:cat type="colorful" pri="10100"/>
-  </dgm:catLst>
-  <dgm:styleLbl name="node0">
-    <dgm:fillClrLst meth="repeat">
-      <a:schemeClr val="accent1"/>
-    </dgm:fillClrLst>
-    <dgm:linClrLst meth="repeat">
-      <a:schemeClr val="lt1"/>
-    </dgm:linClrLst>
-    <dgm:effectClrLst/>
-    <dgm:txLinClrLst/>
-    <dgm:txFillClrLst/>
-    <dgm:txEffectClrLst/>
-  </dgm:styleLbl>
-  <dgm:styleLbl name="node1">
-    <dgm:fillClrLst meth="repeat">
-      <a:schemeClr val="accent2"/>
-      <a:schemeClr val="accent3"/>
-      <a:schemeClr val="accent4"/>
-      <a:schemeClr val="accent5"/>
-      <a:schemeClr val="accent6"/>
-    </dgm:fillClrLst>
-    <dgm:linClrLst meth="repeat">
-      <a:schemeClr val="lt1">
-        <a:alpha val="0"/>
-      </a:schemeClr>
-    </dgm:linClrLst>
-    <dgm:effectClrLst/>
-    <dgm:txLinClrLst/>
-    <dgm:txFillClrLst/>
-    <dgm:txEffectClrLst/>
-  </dgm:styleLbl>
-  <dgm:styleLbl name="alignNode1">
-    <dgm:fillClrLst meth="repeat">
-      <a:schemeClr val="accent2"/>
-      <a:schemeClr val="accent3"/>
-      <a:schemeClr val="accent4"/>
-      <a:schemeClr val="accent5"/>
-      <a:schemeClr val="accent6"/>
-    </dgm:fillClrLst>
-    <dgm:linClrLst meth="repeat">
-      <a:schemeClr val="accent2"/>
-      <a:schemeClr val="accent3"/>
-      <a:schemeClr val="accent4"/>
-      <a:schemeClr val="accent5"/>
-      <a:schemeClr val="accent6"/>
-    </dgm:linClrLst>
-    <dgm:effectClrLst/>
-    <dgm:txLinClrLst/>
-    <dgm:txFillClrLst/>
-    <dgm:txEffectClrLst/>
-  </dgm:styleLbl>
-  <dgm:styleLbl name="lnNode1">
-    <dgm:fillClrLst meth="repeat">
-      <a:schemeClr val="accent2"/>
-      <a:schemeClr val="accent3"/>
-      <a:schemeClr val="accent4"/>
-      <a:schemeClr val="accent5"/>
-      <a:schemeClr val="accent6"/>
-    </dgm:fillClrLst>
-    <dgm:linClrLst meth="repeat">
-      <a:schemeClr val="lt1"/>
-    </dgm:linClrLst>
-    <dgm:effectClrLst/>
-    <dgm:txLinClrLst/>
-    <dgm:txFillClrLst/>
-    <dgm:txEffectClrLst/>
-  </dgm:styleLbl>
-  <dgm:styleLbl name="vennNode1">
-    <dgm:fillClrLst meth="repeat">
-      <a:schemeClr val="accent2">
-        <a:alpha val="50000"/>
-      </a:schemeClr>
-      <a:schemeClr val="accent3">
-        <a:alpha val="50000"/>
-      </a:schemeClr>
-      <a:schemeClr val="accent4">
-        <a:alpha val="50000"/>
-      </a:schemeClr>
-      <a:schemeClr val="accent5">
-        <a:alpha val="50000"/>
-      </a:schemeClr>
-      <a:schemeClr val="accent6">
-        <a:alpha val="50000"/>
-      </a:schemeClr>
-    </dgm:fillClrLst>
-    <dgm:linClrLst meth="repeat">
-      <a:schemeClr val="lt1"/>
-    </dgm:linClrLst>
-    <dgm:effectClrLst/>
-    <dgm:txLinClrLst/>
-    <dgm:txFillClrLst/>
-    <dgm:txEffectClrLst/>
-  </dgm:styleLbl>
-  <dgm:styleLbl name="node2">
-    <dgm:fillClrLst>
-      <a:schemeClr val="accent2"/>
-    </dgm:fillClrLst>
-    <dgm:linClrLst meth="repeat">
-      <a:schemeClr val="lt1"/>
-    </dgm:linClrLst>
-    <dgm:effectClrLst/>
-    <dgm:txLinClrLst/>
-    <dgm:txFillClrLst/>
-    <dgm:txEffectClrLst/>
-  </dgm:styleLbl>
-  <dgm:styleLbl name="node3">
-    <dgm:fillClrLst>
-      <a:schemeClr val="accent3"/>
-    </dgm:fillClrLst>
-    <dgm:linClrLst meth="repeat">
-      <a:schemeClr val="lt1"/>
-    </dgm:linClrLst>
-    <dgm:effectClrLst/>
-    <dgm:txLinClrLst/>
-    <dgm:txFillClrLst/>
-    <dgm:txEffectClrLst/>
-  </dgm:styleLbl>
-  <dgm:styleLbl name="node4">
-    <dgm:fillClrLst>
-      <a:schemeClr val="accent4"/>
-    </dgm:fillClrLst>
-    <dgm:linClrLst meth="repeat">
-      <a:schemeClr val="lt1"/>
-    </dgm:linClrLst>
-    <dgm:effectClrLst/>
-    <dgm:txLinClrLst/>
-    <dgm:txFillClrLst/>
-    <dgm:txEffectClrLst/>
-  </dgm:styleLbl>
-  <dgm:styleLbl name="fgImgPlace1">
-    <dgm:fillClrLst meth="repeat">
-      <a:schemeClr val="accent2">
-        <a:tint val="50000"/>
-      </a:schemeClr>
-      <a:schemeClr val="accent3">
-        <a:tint val="50000"/>
-      </a:schemeClr>
-      <a:schemeClr val="accent4">
-        <a:tint val="50000"/>
-      </a:schemeClr>
-      <a:schemeClr val="accent5">
-        <a:tint val="50000"/>
-      </a:schemeClr>
-      <a:schemeClr val="accent6">
-        <a:tint val="50000"/>
-      </a:schemeClr>
-    </dgm:fillClrLst>
-    <dgm:linClrLst meth="repeat">
-      <a:schemeClr val="lt1"/>
-    </dgm:linClrLst>
-    <dgm:effectClrLst/>
-    <dgm:txLinClrLst/>
-    <dgm:txFillClrLst meth="repeat">
-      <a:schemeClr val="lt1"/>
-    </dgm:txFillClrLst>
-    <dgm:txEffectClrLst/>
-  </dgm:styleLbl>
-  <dgm:styleLbl name="alignImgPlace1">
-    <dgm:fillClrLst>
-      <a:schemeClr val="accent1">
-        <a:tint val="50000"/>
-      </a:schemeClr>
-      <a:schemeClr val="accent2">
-        <a:tint val="20000"/>
-      </a:schemeClr>
-    </dgm:fillClrLst>
-    <dgm:linClrLst meth="repeat">
-      <a:schemeClr val="lt1"/>
-    </dgm:linClrLst>
-    <dgm:effectClrLst/>
-    <dgm:txLinClrLst/>
-    <dgm:txFillClrLst meth="repeat">
-      <a:schemeClr val="lt1"/>
-    </dgm:txFillClrLst>
-    <dgm:txEffectClrLst/>
-  </dgm:styleLbl>
-  <dgm:styleLbl name="bgImgPlace1">
-    <dgm:fillClrLst>
-      <a:schemeClr val="accent1">
-        <a:tint val="50000"/>
-      </a:schemeClr>
-      <a:schemeClr val="accent2">
-        <a:tint val="20000"/>
-      </a:schemeClr>
-    </dgm:fillClrLst>
-    <dgm:linClrLst meth="repeat">
-      <a:schemeClr val="lt1"/>
-    </dgm:linClrLst>
-    <dgm:effectClrLst/>
-    <dgm:txLinClrLst/>
-    <dgm:txFillClrLst meth="repeat">
-      <a:schemeClr val="lt1"/>
-    </dgm:txFillClrLst>
-    <dgm:txEffectClrLst/>
-  </dgm:styleLbl>
-  <dgm:styleLbl name="sibTrans2D1">
-    <dgm:fillClrLst meth="repeat">
-      <a:schemeClr val="accent2"/>
-      <a:schemeClr val="accent3"/>
-      <a:schemeClr val="accent4"/>
-      <a:schemeClr val="accent5"/>
-      <a:schemeClr val="accent6"/>
-    </dgm:fillClrLst>
-    <dgm:linClrLst meth="cycle">
-      <a:schemeClr val="lt1"/>
-    </dgm:linClrLst>
-    <dgm:effectClrLst/>
-    <dgm:txLinClrLst/>
-    <dgm:txFillClrLst/>
-    <dgm:txEffectClrLst/>
-  </dgm:styleLbl>
-  <dgm:styleLbl name="fgSibTrans2D1">
-    <dgm:fillClrLst meth="repeat">
-      <a:schemeClr val="accent2"/>
-      <a:schemeClr val="accent3"/>
-      <a:schemeClr val="accent4"/>
-      <a:schemeClr val="accent5"/>
-      <a:schemeClr val="accent6"/>
-    </dgm:fillClrLst>
-    <dgm:linClrLst meth="cycle">
-      <a:schemeClr val="lt1"/>
-    </dgm:linClrLst>
-    <dgm:effectClrLst/>
-    <dgm:txLinClrLst/>
-    <dgm:txFillClrLst meth="repeat">
-      <a:schemeClr val="lt1"/>
-    </dgm:txFillClrLst>
-    <dgm:txEffectClrLst/>
-  </dgm:styleLbl>
-  <dgm:styleLbl name="bgSibTrans2D1">
-    <dgm:fillClrLst meth="repeat">
-      <a:schemeClr val="accent2"/>
-      <a:schemeClr val="accent3"/>
-      <a:schemeClr val="accent4"/>
-      <a:schemeClr val="accent5"/>
-      <a:schemeClr val="accent6"/>
-    </dgm:fillClrLst>
-    <dgm:linClrLst meth="cycle">
-      <a:schemeClr val="lt1"/>
-    </dgm:linClrLst>
-    <dgm:effectClrLst/>
-    <dgm:txLinClrLst/>
-    <dgm:txFillClrLst meth="repeat">
-      <a:schemeClr val="lt1"/>
-    </dgm:txFillClrLst>
-    <dgm:txEffectClrLst/>
-  </dgm:styleLbl>
-  <dgm:styleLbl name="sibTrans1D1">
-    <dgm:fillClrLst meth="repeat">
-      <a:schemeClr val="accent2"/>
-      <a:schemeClr val="accent3"/>
-      <a:schemeClr val="accent4"/>
-      <a:schemeClr val="accent5"/>
-      <a:schemeClr val="accent6"/>
-    </dgm:fillClrLst>
-    <dgm:linClrLst meth="repeat">
-      <a:schemeClr val="accent2"/>
-      <a:schemeClr val="accent3"/>
-      <a:schemeClr val="accent4"/>
-      <a:schemeClr val="accent5"/>
-      <a:schemeClr val="accent6"/>
-    </dgm:linClrLst>
-    <dgm:effectClrLst/>
-    <dgm:txLinClrLst/>
-    <dgm:txFillClrLst meth="repeat">
-      <a:schemeClr val="tx1"/>
-    </dgm:txFillClrLst>
-    <dgm:txEffectClrLst/>
-  </dgm:styleLbl>
-  <dgm:styleLbl name="callout">
-    <dgm:fillClrLst meth="repeat">
-      <a:schemeClr val="accent2"/>
-    </dgm:fillClrLst>
-    <dgm:linClrLst meth="repeat">
-      <a:schemeClr val="accent2">
-        <a:tint val="50000"/>
-      </a:schemeClr>
-    </dgm:linClrLst>
-    <dgm:effectClrLst/>
-    <dgm:txLinClrLst/>
-    <dgm:txFillClrLst meth="repeat">
-      <a:schemeClr val="tx1"/>
-    </dgm:txFillClrLst>
-    <dgm:txEffectClrLst/>
-  </dgm:styleLbl>
-  <dgm:styleLbl name="asst0">
-    <dgm:fillClrLst meth="repeat">
-      <a:schemeClr val="accent1"/>
-    </dgm:fillClrLst>
-    <dgm:linClrLst meth="repeat">
-      <a:schemeClr val="lt1"/>
-    </dgm:linClrLst>
-    <dgm:effectClrLst/>
-    <dgm:txLinClrLst/>
-    <dgm:txFillClrLst/>
-    <dgm:txEffectClrLst/>
-  </dgm:styleLbl>
-  <dgm:styleLbl name="asst1">
-    <dgm:fillClrLst meth="repeat">
-      <a:schemeClr val="accent2"/>
-    </dgm:fillClrLst>
-    <dgm:linClrLst meth="repeat">
-      <a:schemeClr val="lt1"/>
-    </dgm:linClrLst>
-    <dgm:effectClrLst/>
-    <dgm:txLinClrLst/>
-    <dgm:txFillClrLst/>
-    <dgm:txEffectClrLst/>
-  </dgm:styleLbl>
-  <dgm:styleLbl name="asst2">
-    <dgm:fillClrLst>
-      <a:schemeClr val="accent3"/>
-    </dgm:fillClrLst>
-    <dgm:linClrLst meth="repeat">
-      <a:schemeClr val="lt1"/>
-    </dgm:linClrLst>
-    <dgm:effectClrLst/>
-    <dgm:txLinClrLst/>
-    <dgm:txFillClrLst/>
-    <dgm:txEffectClrLst/>
-  </dgm:styleLbl>
-  <dgm:styleLbl name="asst3">
-    <dgm:fillClrLst>
-      <a:schemeClr val="accent4"/>
-    </dgm:fillClrLst>
-    <dgm:linClrLst meth="repeat">
-      <a:schemeClr val="lt1"/>
-    </dgm:linClrLst>
-    <dgm:effectClrLst/>
-    <dgm:txLinClrLst/>
-    <dgm:txFillClrLst/>
-    <dgm:txEffectClrLst/>
-  </dgm:styleLbl>
-  <dgm:styleLbl name="asst4">
-    <dgm:fillClrLst>
-      <a:schemeClr val="accent5"/>
-    </dgm:fillClrLst>
-    <dgm:linClrLst meth="repeat">
-      <a:schemeClr val="lt1"/>
-    </dgm:linClrLst>
-    <dgm:effectClrLst/>
-    <dgm:txLinClrLst/>
-    <dgm:txFillClrLst/>
-    <dgm:txEffectClrLst/>
-  </dgm:styleLbl>
-  <dgm:styleLbl name="parChTrans2D1">
-    <dgm:fillClrLst meth="repeat">
-      <a:schemeClr val="accent2"/>
-    </dgm:fillClrLst>
-    <dgm:linClrLst meth="repeat">
-      <a:schemeClr val="lt1"/>
-    </dgm:linClrLst>
-    <dgm:effectClrLst/>
-    <dgm:txLinClrLst/>
-    <dgm:txFillClrLst meth="repeat">
-      <a:schemeClr val="lt1"/>
-    </dgm:txFillClrLst>
-    <dgm:txEffectClrLst/>
-  </dgm:styleLbl>
-  <dgm:styleLbl name="parChTrans2D2">
-    <dgm:fillClrLst meth="repeat">
-      <a:schemeClr val="accent3"/>
-    </dgm:fillClrLst>
-    <dgm:linClrLst meth="repeat">
-      <a:schemeClr val="lt1"/>
-    </dgm:linClrLst>
-    <dgm:effectClrLst/>
-    <dgm:txLinClrLst/>
-    <dgm:txFillClrLst/>
-    <dgm:txEffectClrLst/>
-  </dgm:styleLbl>
-  <dgm:styleLbl name="parChTrans2D3">
-    <dgm:fillClrLst meth="repeat">
-      <a:schemeClr val="accent4"/>
-    </dgm:fillClrLst>
-    <dgm:linClrLst meth="repeat">
-      <a:schemeClr val="lt1"/>
-    </dgm:linClrLst>
-    <dgm:effectClrLst/>
-    <dgm:txLinClrLst/>
-    <dgm:txFillClrLst/>
-    <dgm:txEffectClrLst/>
-  </dgm:styleLbl>
-  <dgm:styleLbl name="parChTrans2D4">
-    <dgm:fillClrLst meth="repeat">
-      <a:schemeClr val="accent5"/>
-    </dgm:fillClrLst>
-    <dgm:linClrLst meth="repeat">
-      <a:schemeClr val="lt1"/>
-    </dgm:linClrLst>
-    <dgm:effectClrLst/>
-    <dgm:txLinClrLst/>
-    <dgm:txFillClrLst meth="repeat">
-      <a:schemeClr val="lt1"/>
-    </dgm:txFillClrLst>
-    <dgm:txEffectClrLst/>
-  </dgm:styleLbl>
-  <dgm:styleLbl name="parChTrans1D1">
-    <dgm:fillClrLst meth="repeat">
-      <a:schemeClr val="accent2"/>
-    </dgm:fillClrLst>
-    <dgm:linClrLst meth="repeat">
-      <a:schemeClr val="accent1"/>
-    </dgm:linClrLst>
-    <dgm:effectClrLst/>
-    <dgm:txLinClrLst/>
-    <dgm:txFillClrLst meth="repeat">
-      <a:schemeClr val="tx1"/>
-    </dgm:txFillClrLst>
-    <dgm:txEffectClrLst/>
-  </dgm:styleLbl>
-  <dgm:styleLbl name="parChTrans1D2">
-    <dgm:fillClrLst meth="repeat">
-      <a:schemeClr val="accent3">
-        <a:tint val="90000"/>
-      </a:schemeClr>
-    </dgm:fillClrLst>
-    <dgm:linClrLst meth="repeat">
-      <a:schemeClr val="accent2"/>
-    </dgm:linClrLst>
-    <dgm:effectClrLst/>
-    <dgm:txLinClrLst/>
-    <dgm:txFillClrLst meth="repeat">
-      <a:schemeClr val="tx1"/>
-    </dgm:txFillClrLst>
-    <dgm:txEffectClrLst/>
-  </dgm:styleLbl>
-  <dgm:styleLbl name="parChTrans1D3">
-    <dgm:fillClrLst meth="repeat">
-      <a:schemeClr val="accent4">
-        <a:tint val="70000"/>
-      </a:schemeClr>
-    </dgm:fillClrLst>
-    <dgm:linClrLst meth="repeat">
-      <a:schemeClr val="accent3"/>
-    </dgm:linClrLst>
-    <dgm:effectClrLst/>
-    <dgm:txLinClrLst/>
-    <dgm:txFillClrLst meth="repeat">
-      <a:schemeClr val="tx1"/>
-    </dgm:txFillClrLst>
-    <dgm:txEffectClrLst/>
-  </dgm:styleLbl>
-  <dgm:styleLbl name="parChTrans1D4">
-    <dgm:fillClrLst meth="repeat">
-      <a:schemeClr val="accent5">
-        <a:tint val="50000"/>
-      </a:schemeClr>
-    </dgm:fillClrLst>
-    <dgm:linClrLst meth="repeat">
-      <a:schemeClr val="accent4"/>
-    </dgm:linClrLst>
-    <dgm:effectClrLst/>
-    <dgm:txLinClrLst/>
-    <dgm:txFillClrLst meth="repeat">
-      <a:schemeClr val="tx1"/>
-    </dgm:txFillClrLst>
-    <dgm:txEffectClrLst/>
-  </dgm:styleLbl>
-  <dgm:styleLbl name="fgAcc1">
-    <dgm:fillClrLst meth="repeat">
-      <a:schemeClr val="lt1">
-        <a:alpha val="90000"/>
-      </a:schemeClr>
-    </dgm:fillClrLst>
-    <dgm:linClrLst meth="repeat">
-      <a:schemeClr val="accent2"/>
-      <a:schemeClr val="accent3"/>
-      <a:schemeClr val="accent4"/>
-      <a:schemeClr val="accent5"/>
-      <a:schemeClr val="accent6"/>
-    </dgm:linClrLst>
-    <dgm:effectClrLst/>
-    <dgm:txLinClrLst/>
-    <dgm:txFillClrLst meth="repeat">
-      <a:schemeClr val="dk1"/>
-    </dgm:txFillClrLst>
-    <dgm:txEffectClrLst/>
-  </dgm:styleLbl>
-  <dgm:styleLbl name="conFgAcc1">
-    <dgm:fillClrLst meth="repeat">
-      <a:schemeClr val="lt1">
-        <a:alpha val="90000"/>
-      </a:schemeClr>
-    </dgm:fillClrLst>
-    <dgm:linClrLst meth="repeat">
-      <a:schemeClr val="accent2"/>
-      <a:schemeClr val="accent3"/>
-      <a:schemeClr val="accent4"/>
-      <a:schemeClr val="accent5"/>
-      <a:schemeClr val="accent6"/>
-    </dgm:linClrLst>
-    <dgm:effectClrLst/>
-    <dgm:txLinClrLst/>
-    <dgm:txFillClrLst meth="repeat">
-      <a:schemeClr val="dk1"/>
-    </dgm:txFillClrLst>
-    <dgm:txEffectClrLst/>
-  </dgm:styleLbl>
-  <dgm:styleLbl name="alignAcc1">
-    <dgm:fillClrLst meth="repeat">
-      <a:schemeClr val="lt1">
-        <a:alpha val="90000"/>
-      </a:schemeClr>
-    </dgm:fillClrLst>
-    <dgm:linClrLst meth="repeat">
-      <a:schemeClr val="accent2"/>
-      <a:schemeClr val="accent3"/>
-      <a:schemeClr val="accent4"/>
-      <a:schemeClr val="accent5"/>
-      <a:schemeClr val="accent6"/>
-    </dgm:linClrLst>
-    <dgm:effectClrLst/>
-    <dgm:txLinClrLst/>
-    <dgm:txFillClrLst meth="repeat">
-      <a:schemeClr val="dk1"/>
-    </dgm:txFillClrLst>
-    <dgm:txEffectClrLst/>
-  </dgm:styleLbl>
-  <dgm:styleLbl name="trAlignAcc1">
-    <dgm:fillClrLst meth="repeat">
-      <a:schemeClr val="lt1">
-        <a:alpha val="40000"/>
-      </a:schemeClr>
-    </dgm:fillClrLst>
-    <dgm:linClrLst meth="repeat">
-      <a:schemeClr val="accent1"/>
-    </dgm:linClrLst>
-    <dgm:effectClrLst/>
-    <dgm:txLinClrLst/>
-    <dgm:txFillClrLst meth="repeat">
-      <a:schemeClr val="dk1"/>
-    </dgm:txFillClrLst>
-    <dgm:txEffectClrLst/>
-  </dgm:styleLbl>
-  <dgm:styleLbl name="bgAcc1">
-    <dgm:fillClrLst meth="repeat">
-      <a:schemeClr val="lt1">
-        <a:alpha val="90000"/>
-      </a:schemeClr>
-    </dgm:fillClrLst>
-    <dgm:linClrLst meth="repeat">
-      <a:schemeClr val="accent2"/>
-      <a:schemeClr val="accent3"/>
-      <a:schemeClr val="accent4"/>
-      <a:schemeClr val="accent5"/>
-      <a:schemeClr val="accent6"/>
-    </dgm:linClrLst>
-    <dgm:effectClrLst/>
-    <dgm:txLinClrLst/>
-    <dgm:txFillClrLst meth="repeat">
-      <a:schemeClr val="dk1"/>
-    </dgm:txFillClrLst>
-    <dgm:txEffectClrLst/>
-  </dgm:styleLbl>
-  <dgm:styleLbl name="solidFgAcc1">
-    <dgm:fillClrLst meth="repeat">
-      <a:schemeClr val="lt1"/>
-    </dgm:fillClrLst>
-    <dgm:linClrLst meth="repeat">
-      <a:schemeClr val="accent2"/>
-      <a:schemeClr val="accent3"/>
-      <a:schemeClr val="accent4"/>
-      <a:schemeClr val="accent5"/>
-      <a:schemeClr val="accent6"/>
-    </dgm:linClrLst>
-    <dgm:effectClrLst/>
-    <dgm:txLinClrLst/>
-    <dgm:txFillClrLst meth="repeat">
-      <a:schemeClr val="dk1"/>
-    </dgm:txFillClrLst>
-    <dgm:txEffectClrLst/>
-  </dgm:styleLbl>
-  <dgm:styleLbl name="solidAlignAcc1">
-    <dgm:fillClrLst meth="repeat">
-      <a:schemeClr val="lt1"/>
-    </dgm:fillClrLst>
-    <dgm:linClrLst meth="repeat">
-      <a:schemeClr val="accent2"/>
-      <a:schemeClr val="accent3"/>
-      <a:schemeClr val="accent4"/>
-      <a:schemeClr val="accent5"/>
-      <a:schemeClr val="accent6"/>
-    </dgm:linClrLst>
-    <dgm:effectClrLst/>
-    <dgm:txLinClrLst/>
-    <dgm:txFillClrLst meth="repeat">
-      <a:schemeClr val="dk1"/>
-    </dgm:txFillClrLst>
-    <dgm:txEffectClrLst/>
-  </dgm:styleLbl>
-  <dgm:styleLbl name="solidBgAcc1">
-    <dgm:fillClrLst meth="repeat">
-      <a:schemeClr val="lt1"/>
-    </dgm:fillClrLst>
-    <dgm:linClrLst meth="repeat">
-      <a:schemeClr val="accent2"/>
-      <a:schemeClr val="accent3"/>
-      <a:schemeClr val="accent4"/>
-      <a:schemeClr val="accent5"/>
-      <a:schemeClr val="accent6"/>
-    </dgm:linClrLst>
-    <dgm:effectClrLst/>
-    <dgm:txLinClrLst/>
-    <dgm:txFillClrLst meth="repeat">
-      <a:schemeClr val="dk1"/>
-    </dgm:txFillClrLst>
-    <dgm:txEffectClrLst/>
-  </dgm:styleLbl>
-  <dgm:styleLbl name="fgAccFollowNode1">
-    <dgm:fillClrLst meth="repeat">
-      <a:schemeClr val="accent2">
-        <a:tint val="40000"/>
-        <a:alpha val="90000"/>
-      </a:schemeClr>
-      <a:schemeClr val="accent3">
-        <a:tint val="40000"/>
-        <a:alpha val="90000"/>
-      </a:schemeClr>
-      <a:schemeClr val="accent4">
-        <a:tint val="40000"/>
-        <a:alpha val="90000"/>
-      </a:schemeClr>
-      <a:schemeClr val="accent5">
-        <a:tint val="40000"/>
-        <a:alpha val="90000"/>
-      </a:schemeClr>
-      <a:schemeClr val="accent6">
-        <a:tint val="40000"/>
-        <a:alpha val="90000"/>
-      </a:schemeClr>
-    </dgm:fillClrLst>
-    <dgm:linClrLst meth="repeat">
-      <a:schemeClr val="accent2">
-        <a:tint val="40000"/>
-        <a:alpha val="90000"/>
-      </a:schemeClr>
-      <a:schemeClr val="accent3">
-        <a:tint val="40000"/>
-        <a:alpha val="90000"/>
-      </a:schemeClr>
-      <a:schemeClr val="accent4">
-        <a:tint val="40000"/>
-        <a:alpha val="90000"/>
-      </a:schemeClr>
-      <a:schemeClr val="accent5">
-        <a:tint val="40000"/>
-        <a:alpha val="90000"/>
-      </a:schemeClr>
-      <a:schemeClr val="accent6">
-        <a:tint val="40000"/>
-        <a:alpha val="90000"/>
-      </a:schemeClr>
-    </dgm:linClrLst>
-    <dgm:effectClrLst/>
-    <dgm:txLinClrLst/>
-    <dgm:txFillClrLst meth="repeat">
-      <a:schemeClr val="dk1"/>
-    </dgm:txFillClrLst>
-    <dgm:txEffectClrLst/>
-  </dgm:styleLbl>
-  <dgm:styleLbl name="alignAccFollowNode1">
-    <dgm:fillClrLst meth="repeat">
-      <a:schemeClr val="accent2">
-        <a:tint val="40000"/>
-        <a:alpha val="90000"/>
-      </a:schemeClr>
-      <a:schemeClr val="accent3">
-        <a:tint val="40000"/>
-        <a:alpha val="90000"/>
-      </a:schemeClr>
-      <a:schemeClr val="accent4">
-        <a:tint val="40000"/>
-        <a:alpha val="90000"/>
-      </a:schemeClr>
-      <a:schemeClr val="accent5">
-        <a:tint val="40000"/>
-        <a:alpha val="90000"/>
-      </a:schemeClr>
-      <a:schemeClr val="accent6">
-        <a:tint val="40000"/>
-        <a:alpha val="90000"/>
-      </a:schemeClr>
-    </dgm:fillClrLst>
-    <dgm:linClrLst meth="repeat">
-      <a:schemeClr val="accent2">
-        <a:tint val="40000"/>
-        <a:alpha val="90000"/>
-      </a:schemeClr>
-      <a:schemeClr val="accent3">
-        <a:tint val="40000"/>
-        <a:alpha val="90000"/>
-      </a:schemeClr>
-      <a:schemeClr val="accent4">
-        <a:tint val="40000"/>
-        <a:alpha val="90000"/>
-      </a:schemeClr>
-      <a:schemeClr val="accent5">
-        <a:tint val="40000"/>
-        <a:alpha val="90000"/>
-      </a:schemeClr>
-      <a:schemeClr val="accent6">
-        <a:tint val="40000"/>
-        <a:alpha val="90000"/>
-      </a:schemeClr>
-    </dgm:linClrLst>
-    <dgm:effectClrLst/>
-    <dgm:txLinClrLst/>
-    <dgm:txFillClrLst meth="repeat">
-      <a:schemeClr val="dk1"/>
-    </dgm:txFillClrLst>
-    <dgm:txEffectClrLst/>
-  </dgm:styleLbl>
-  <dgm:styleLbl name="bgAccFollowNode1">
-    <dgm:fillClrLst meth="repeat">
-      <a:schemeClr val="accent2">
-        <a:tint val="40000"/>
-        <a:alpha val="90000"/>
-      </a:schemeClr>
-      <a:schemeClr val="accent3">
-        <a:tint val="40000"/>
-        <a:alpha val="90000"/>
-      </a:schemeClr>
-      <a:schemeClr val="accent4">
-        <a:tint val="40000"/>
-        <a:alpha val="90000"/>
-      </a:schemeClr>
-      <a:schemeClr val="accent5">
-        <a:tint val="40000"/>
-        <a:alpha val="90000"/>
-      </a:schemeClr>
-      <a:schemeClr val="accent6">
-        <a:tint val="40000"/>
-        <a:alpha val="90000"/>
-      </a:schemeClr>
-    </dgm:fillClrLst>
-    <dgm:linClrLst meth="repeat">
-      <a:schemeClr val="accent2">
-        <a:tint val="40000"/>
-        <a:alpha val="90000"/>
-      </a:schemeClr>
-      <a:schemeClr val="accent3">
-        <a:tint val="40000"/>
-        <a:alpha val="90000"/>
-      </a:schemeClr>
-      <a:schemeClr val="accent4">
-        <a:tint val="40000"/>
-        <a:alpha val="90000"/>
-      </a:schemeClr>
-      <a:schemeClr val="accent5">
-        <a:tint val="40000"/>
-        <a:alpha val="90000"/>
-      </a:schemeClr>
-      <a:schemeClr val="accent6">
-        <a:tint val="40000"/>
-        <a:alpha val="90000"/>
-      </a:schemeClr>
-    </dgm:linClrLst>
-    <dgm:effectClrLst/>
-    <dgm:txLinClrLst/>
-    <dgm:txFillClrLst meth="repeat">
-      <a:schemeClr val="dk1"/>
-    </dgm:txFillClrLst>
-    <dgm:txEffectClrLst/>
-  </dgm:styleLbl>
-  <dgm:styleLbl name="fgAcc0">
-    <dgm:fillClrLst meth="repeat">
-      <a:schemeClr val="lt1">
-        <a:alpha val="90000"/>
-      </a:schemeClr>
-    </dgm:fillClrLst>
-    <dgm:linClrLst>
-      <a:schemeClr val="accent1"/>
-    </dgm:linClrLst>
-    <dgm:effectClrLst/>
-    <dgm:txLinClrLst/>
-    <dgm:txFillClrLst meth="repeat">
-      <a:schemeClr val="dk1"/>
-    </dgm:txFillClrLst>
-    <dgm:txEffectClrLst/>
-  </dgm:styleLbl>
-  <dgm:styleLbl name="fgAcc2">
-    <dgm:fillClrLst meth="repeat">
-      <a:schemeClr val="lt1">
-        <a:alpha val="90000"/>
-      </a:schemeClr>
-    </dgm:fillClrLst>
-    <dgm:linClrLst>
-      <a:schemeClr val="accent2"/>
-    </dgm:linClrLst>
-    <dgm:effectClrLst/>
-    <dgm:txLinClrLst/>
-    <dgm:txFillClrLst meth="repeat">
-      <a:schemeClr val="dk1"/>
-    </dgm:txFillClrLst>
-    <dgm:txEffectClrLst/>
-  </dgm:styleLbl>
-  <dgm:styleLbl name="fgAcc3">
-    <dgm:fillClrLst meth="repeat">
-      <a:schemeClr val="lt1">
-        <a:alpha val="90000"/>
-      </a:schemeClr>
-    </dgm:fillClrLst>
-    <dgm:linClrLst>
-      <a:schemeClr val="accent3"/>
-    </dgm:linClrLst>
-    <dgm:effectClrLst/>
-    <dgm:txLinClrLst/>
-    <dgm:txFillClrLst meth="repeat">
-      <a:schemeClr val="dk1"/>
-    </dgm:txFillClrLst>
-    <dgm:txEffectClrLst/>
-  </dgm:styleLbl>
-  <dgm:styleLbl name="fgAcc4">
-    <dgm:fillClrLst meth="repeat">
-      <a:schemeClr val="lt1">
-        <a:alpha val="90000"/>
-      </a:schemeClr>
-    </dgm:fillClrLst>
-    <dgm:linClrLst>
-      <a:schemeClr val="accent4"/>
-    </dgm:linClrLst>
-    <dgm:effectClrLst/>
-    <dgm:txLinClrLst/>
-    <dgm:txFillClrLst meth="repeat">
-      <a:schemeClr val="dk1"/>
-    </dgm:txFillClrLst>
-    <dgm:txEffectClrLst/>
-  </dgm:styleLbl>
-  <dgm:styleLbl name="bgShp">
-    <dgm:fillClrLst meth="repeat">
-      <a:schemeClr val="bg1">
-        <a:lumMod val="95000"/>
-      </a:schemeClr>
-    </dgm:fillClrLst>
-    <dgm:linClrLst meth="repeat">
-      <a:schemeClr val="dk1"/>
-    </dgm:linClrLst>
-    <dgm:effectClrLst/>
-    <dgm:txLinClrLst/>
-    <dgm:txFillClrLst meth="repeat">
-      <a:schemeClr val="dk1"/>
-    </dgm:txFillClrLst>
-    <dgm:txEffectClrLst/>
-  </dgm:styleLbl>
-  <dgm:styleLbl name="dkBgShp">
-    <dgm:fillClrLst meth="repeat">
-      <a:schemeClr val="accent2">
-        <a:shade val="90000"/>
-      </a:schemeClr>
-    </dgm:fillClrLst>
-    <dgm:linClrLst meth="repeat">
-      <a:schemeClr val="dk1"/>
-    </dgm:linClrLst>
-    <dgm:effectClrLst/>
-    <dgm:txLinClrLst/>
-    <dgm:txFillClrLst meth="repeat">
-      <a:schemeClr val="lt1"/>
-    </dgm:txFillClrLst>
-    <dgm:txEffectClrLst/>
-  </dgm:styleLbl>
-  <dgm:styleLbl name="trBgShp">
-    <dgm:fillClrLst meth="repeat">
-      <a:schemeClr val="accent1">
-        <a:tint val="50000"/>
-        <a:alpha val="40000"/>
-      </a:schemeClr>
-    </dgm:fillClrLst>
-    <dgm:linClrLst meth="repeat">
-      <a:schemeClr val="accent2"/>
-    </dgm:linClrLst>
-    <dgm:effectClrLst/>
-    <dgm:txLinClrLst/>
-    <dgm:txFillClrLst meth="repeat">
-      <a:schemeClr val="lt1"/>
-    </dgm:txFillClrLst>
-    <dgm:txEffectClrLst/>
-  </dgm:styleLbl>
-  <dgm:styleLbl name="fgShp">
-    <dgm:fillClrLst meth="repeat">
-      <a:schemeClr val="accent2">
-        <a:tint val="40000"/>
-      </a:schemeClr>
-    </dgm:fillClrLst>
-    <dgm:linClrLst meth="repeat">
-      <a:schemeClr val="lt1"/>
-    </dgm:linClrLst>
-    <dgm:effectClrLst/>
-    <dgm:txLinClrLst/>
-    <dgm:txFillClrLst meth="repeat">
-      <a:schemeClr val="dk1"/>
-    </dgm:txFillClrLst>
-    <dgm:txEffectClrLst/>
-  </dgm:styleLbl>
-  <dgm:styleLbl name="revTx">
-    <dgm:fillClrLst meth="repeat">
-      <a:schemeClr val="lt1">
-        <a:alpha val="0"/>
-      </a:schemeClr>
-    </dgm:fillClrLst>
-    <dgm:linClrLst meth="repeat">
-      <a:schemeClr val="dk1">
-        <a:alpha val="0"/>
-      </a:schemeClr>
-    </dgm:linClrLst>
-    <dgm:effectClrLst/>
-    <dgm:txLinClrLst/>
-    <dgm:txFillClrLst meth="repeat">
-      <a:schemeClr val="tx1"/>
-    </dgm:txFillClrLst>
-    <dgm:txEffectClrLst/>
-  </dgm:styleLbl>
-</dgm:colorsDef>
-</file>
-
-<file path=ppt/diagrams/data1.xml><?xml version="1.0" encoding="utf-8"?>
+<file path=ppt/diagrams/data2.xml><?xml version="1.0" encoding="utf-8"?>
 <dgm:dataModel xmlns:dgm="http://schemas.openxmlformats.org/drawingml/2006/diagram" xmlns:a="http://schemas.openxmlformats.org/drawingml/2006/main">
   <dgm:ptLst>
     <dgm:pt modelId="{B6B9E3BC-CAAA-4402-9852-3E608660DA30}" type="doc">
@@ -4266,11 +3578,11 @@
 </dgm:dataModel>
 </file>
 
-<file path=ppt/diagrams/data2.xml><?xml version="1.0" encoding="utf-8"?>
+<file path=ppt/diagrams/data3.xml><?xml version="1.0" encoding="utf-8"?>
 <dgm:dataModel xmlns:dgm="http://schemas.openxmlformats.org/drawingml/2006/diagram" xmlns:a="http://schemas.openxmlformats.org/drawingml/2006/main">
   <dgm:ptLst>
     <dgm:pt modelId="{B892AB19-5122-47C7-862B-2AEB07647F2F}" type="doc">
-      <dgm:prSet loTypeId="urn:microsoft.com/office/officeart/2005/8/layout/default" loCatId="list" qsTypeId="urn:microsoft.com/office/officeart/2005/8/quickstyle/simple1" qsCatId="simple" csTypeId="urn:microsoft.com/office/officeart/2005/8/colors/accent4_2" csCatId="accent4"/>
+      <dgm:prSet loTypeId="urn:microsoft.com/office/officeart/2005/8/layout/default" loCatId="list" qsTypeId="urn:microsoft.com/office/officeart/2005/8/quickstyle/simple1" qsCatId="simple" csTypeId="urn:microsoft.com/office/officeart/2005/8/colors/accent4_2" csCatId="accent4" phldr="1"/>
       <dgm:spPr/>
       <dgm:t>
         <a:bodyPr/>
@@ -4288,8 +3600,90 @@
         <a:lstStyle/>
         <a:p>
           <a:r>
-            <a:rPr lang="en-US"/>
-            <a:t>Datos analizados: Órdenes cerradas por analistas.</a:t>
+            <a:rPr lang="en-US" dirty="0"/>
+            <a:t>Datos </a:t>
+          </a:r>
+          <a:r>
+            <a:rPr lang="en-US" dirty="0" err="1"/>
+            <a:t>analiz</a:t>
+          </a:r>
+          <a:r>
+            <a:rPr lang="es-ES" dirty="0"/>
+            <a:t>4.1. porqué se eliminó la variable nivel de tensión</a:t>
+          </a:r>
+          <a:br>
+            <a:rPr lang="es-ES" dirty="0"/>
+          </a:br>
+          <a:r>
+            <a:rPr lang="es-ES" dirty="0"/>
+            <a:t>4.2. bajamos la cardinalidad del tipo de servicio dejando solo agua, energía y gas</a:t>
+          </a:r>
+          <a:br>
+            <a:rPr lang="es-ES" dirty="0"/>
+          </a:br>
+          <a:r>
+            <a:rPr lang="es-ES" dirty="0"/>
+            <a:t>4.3. como la data ya contaba con unos </a:t>
+          </a:r>
+          <a:r>
+            <a:rPr lang="es-ES" dirty="0" err="1"/>
+            <a:t>codigos</a:t>
+          </a:r>
+          <a:r>
+            <a:rPr lang="es-ES" dirty="0"/>
+            <a:t>, esos se conservan y para las que no tenían se hizo el proceso de </a:t>
+          </a:r>
+          <a:r>
+            <a:rPr lang="es-ES" dirty="0" err="1"/>
+            <a:t>Label</a:t>
+          </a:r>
+          <a:r>
+            <a:rPr lang="es-ES" dirty="0"/>
+            <a:t> </a:t>
+          </a:r>
+          <a:r>
+            <a:rPr lang="es-ES" dirty="0" err="1"/>
+            <a:t>encoding</a:t>
+          </a:r>
+          <a:r>
+            <a:rPr lang="en-US" dirty="0" err="1"/>
+            <a:t>ados</a:t>
+          </a:r>
+          <a:r>
+            <a:rPr lang="en-US" dirty="0"/>
+            <a:t>: </a:t>
+          </a:r>
+          <a:r>
+            <a:rPr lang="en-US" dirty="0" err="1"/>
+            <a:t>Órdenes</a:t>
+          </a:r>
+          <a:r>
+            <a:rPr lang="en-US" dirty="0"/>
+            <a:t> </a:t>
+          </a:r>
+          <a:r>
+            <a:rPr lang="en-US" dirty="0" err="1"/>
+            <a:t>cerradas</a:t>
+          </a:r>
+          <a:r>
+            <a:rPr lang="en-US" dirty="0"/>
+            <a:t> </a:t>
+          </a:r>
+          <a:r>
+            <a:rPr lang="en-US" dirty="0" err="1"/>
+            <a:t>por</a:t>
+          </a:r>
+          <a:r>
+            <a:rPr lang="en-US" dirty="0"/>
+            <a:t> </a:t>
+          </a:r>
+          <a:r>
+            <a:rPr lang="en-US" dirty="0" err="1"/>
+            <a:t>analistas</a:t>
+          </a:r>
+          <a:r>
+            <a:rPr lang="en-US" dirty="0"/>
+            <a:t>.</a:t>
           </a:r>
         </a:p>
       </dgm:t>
@@ -4402,672 +3796,287 @@
 </dgm:dataModel>
 </file>
 
-<file path=ppt/diagrams/data3.xml><?xml version="1.0" encoding="utf-8"?>
-<dgm:dataModel xmlns:dgm="http://schemas.openxmlformats.org/drawingml/2006/diagram" xmlns:a="http://schemas.openxmlformats.org/drawingml/2006/main">
-  <dgm:ptLst>
-    <dgm:pt modelId="{988A5EC8-289F-4411-84A2-6BEE68786BDB}" type="doc">
-      <dgm:prSet loTypeId="urn:microsoft.com/office/officeart/2005/8/layout/process4" loCatId="process" qsTypeId="urn:microsoft.com/office/officeart/2005/8/quickstyle/simple1" qsCatId="simple" csTypeId="urn:microsoft.com/office/officeart/2005/8/colors/colorful2" csCatId="colorful" phldr="1"/>
-      <dgm:spPr/>
-      <dgm:t>
-        <a:bodyPr/>
+<file path=ppt/diagrams/drawing1.xml><?xml version="1.0" encoding="utf-8"?>
+<dsp:drawing xmlns:dgm="http://schemas.openxmlformats.org/drawingml/2006/diagram" xmlns:dsp="http://schemas.microsoft.com/office/drawing/2008/diagram" xmlns:a="http://schemas.openxmlformats.org/drawingml/2006/main">
+  <dsp:spTree>
+    <dsp:nvGrpSpPr>
+      <dsp:cNvPr id="0" name=""/>
+      <dsp:cNvGrpSpPr/>
+    </dsp:nvGrpSpPr>
+    <dsp:grpSpPr/>
+    <dsp:sp modelId="{89C7C10E-A41E-442A-9B48-D19D4AA766A5}">
+      <dsp:nvSpPr>
+        <dsp:cNvPr id="0" name=""/>
+        <dsp:cNvSpPr/>
+      </dsp:nvSpPr>
+      <dsp:spPr>
+        <a:xfrm>
+          <a:off x="0" y="4274295"/>
+          <a:ext cx="4358346" cy="1402919"/>
+        </a:xfrm>
+        <a:prstGeom prst="rect">
+          <a:avLst/>
+        </a:prstGeom>
+        <a:solidFill>
+          <a:schemeClr val="accent2">
+            <a:hueOff val="0"/>
+            <a:satOff val="0"/>
+            <a:lumOff val="0"/>
+            <a:alphaOff val="0"/>
+          </a:schemeClr>
+        </a:solidFill>
+        <a:ln w="25400" cap="flat" cmpd="sng" algn="ctr">
+          <a:solidFill>
+            <a:schemeClr val="lt1">
+              <a:hueOff val="0"/>
+              <a:satOff val="0"/>
+              <a:lumOff val="0"/>
+              <a:alphaOff val="0"/>
+            </a:schemeClr>
+          </a:solidFill>
+          <a:prstDash val="solid"/>
+        </a:ln>
+        <a:effectLst/>
+      </dsp:spPr>
+      <dsp:style>
+        <a:lnRef idx="2">
+          <a:scrgbClr r="0" g="0" b="0"/>
+        </a:lnRef>
+        <a:fillRef idx="1">
+          <a:scrgbClr r="0" g="0" b="0"/>
+        </a:fillRef>
+        <a:effectRef idx="0">
+          <a:scrgbClr r="0" g="0" b="0"/>
+        </a:effectRef>
+        <a:fontRef idx="minor">
+          <a:schemeClr val="lt1"/>
+        </a:fontRef>
+      </dsp:style>
+      <dsp:txBody>
+        <a:bodyPr spcFirstLastPara="0" vert="horz" wrap="square" lIns="170688" tIns="170688" rIns="170688" bIns="170688" numCol="1" spcCol="1270" anchor="ctr" anchorCtr="0">
+          <a:noAutofit/>
+        </a:bodyPr>
         <a:lstStyle/>
         <a:p>
-          <a:endParaRPr lang="en-US"/>
+          <a:pPr marL="0" lvl="0" indent="0" algn="ctr" defTabSz="1066800">
+            <a:lnSpc>
+              <a:spcPct val="90000"/>
+            </a:lnSpc>
+            <a:spcBef>
+              <a:spcPct val="0"/>
+            </a:spcBef>
+            <a:spcAft>
+              <a:spcPct val="35000"/>
+            </a:spcAft>
+            <a:buNone/>
+          </a:pPr>
+          <a:r>
+            <a:rPr lang="en-US" sz="2400" kern="1200"/>
+            <a:t>Comparación para seleccionar el modelo con mayor precisión y menor error.</a:t>
+          </a:r>
         </a:p>
-      </dgm:t>
-    </dgm:pt>
-    <dgm:pt modelId="{349DBF16-A9A4-4435-9D02-E6253EB4B7D3}">
-      <dgm:prSet/>
-      <dgm:spPr/>
-      <dgm:t>
-        <a:bodyPr/>
+      </dsp:txBody>
+      <dsp:txXfrm>
+        <a:off x="0" y="4274295"/>
+        <a:ext cx="4358346" cy="1402919"/>
+      </dsp:txXfrm>
+    </dsp:sp>
+    <dsp:sp modelId="{2F2A2CA8-10A1-43D6-B241-42F65E9B8C91}">
+      <dsp:nvSpPr>
+        <dsp:cNvPr id="0" name=""/>
+        <dsp:cNvSpPr/>
+      </dsp:nvSpPr>
+      <dsp:spPr>
+        <a:xfrm rot="10800000">
+          <a:off x="0" y="2137649"/>
+          <a:ext cx="4358346" cy="2157689"/>
+        </a:xfrm>
+        <a:prstGeom prst="upArrowCallout">
+          <a:avLst/>
+        </a:prstGeom>
+        <a:solidFill>
+          <a:schemeClr val="accent2">
+            <a:hueOff val="2340759"/>
+            <a:satOff val="-2919"/>
+            <a:lumOff val="686"/>
+            <a:alphaOff val="0"/>
+          </a:schemeClr>
+        </a:solidFill>
+        <a:ln w="25400" cap="flat" cmpd="sng" algn="ctr">
+          <a:solidFill>
+            <a:schemeClr val="lt1">
+              <a:hueOff val="0"/>
+              <a:satOff val="0"/>
+              <a:lumOff val="0"/>
+              <a:alphaOff val="0"/>
+            </a:schemeClr>
+          </a:solidFill>
+          <a:prstDash val="solid"/>
+        </a:ln>
+        <a:effectLst/>
+      </dsp:spPr>
+      <dsp:style>
+        <a:lnRef idx="2">
+          <a:scrgbClr r="0" g="0" b="0"/>
+        </a:lnRef>
+        <a:fillRef idx="1">
+          <a:scrgbClr r="0" g="0" b="0"/>
+        </a:fillRef>
+        <a:effectRef idx="0">
+          <a:scrgbClr r="0" g="0" b="0"/>
+        </a:effectRef>
+        <a:fontRef idx="minor">
+          <a:schemeClr val="lt1"/>
+        </a:fontRef>
+      </dsp:style>
+      <dsp:txBody>
+        <a:bodyPr spcFirstLastPara="0" vert="horz" wrap="square" lIns="170688" tIns="170688" rIns="170688" bIns="170688" numCol="1" spcCol="1270" anchor="ctr" anchorCtr="0">
+          <a:noAutofit/>
+        </a:bodyPr>
         <a:lstStyle/>
         <a:p>
-          <a:r>
-            <a:rPr lang="en-US" dirty="0" err="1"/>
-            <a:t>Modelos</a:t>
-          </a:r>
-          <a:r>
-            <a:rPr lang="en-US" dirty="0"/>
-            <a:t> a </a:t>
-          </a:r>
-          <a:r>
-            <a:rPr lang="en-US" dirty="0" err="1"/>
-            <a:t>evaluar</a:t>
-          </a:r>
-          <a:r>
-            <a:rPr lang="en-US" dirty="0"/>
-            <a:t>: </a:t>
-          </a:r>
-          <a:r>
-            <a:rPr lang="en-US" dirty="0" err="1"/>
-            <a:t>Regresión</a:t>
-          </a:r>
-          <a:r>
-            <a:rPr lang="en-US" dirty="0"/>
-            <a:t> </a:t>
-          </a:r>
-          <a:r>
-            <a:rPr lang="en-US" dirty="0" err="1"/>
-            <a:t>Logística</a:t>
-          </a:r>
-          <a:r>
-            <a:rPr lang="en-US" dirty="0"/>
-            <a:t>, Random Forest, </a:t>
-          </a:r>
-          <a:r>
-            <a:rPr lang="en-US" dirty="0" err="1"/>
-            <a:t>XGBoost</a:t>
-          </a:r>
-          <a:r>
-            <a:rPr lang="en-US"/>
-            <a:t> lineal.</a:t>
-          </a:r>
-          <a:endParaRPr lang="en-US" dirty="0"/>
+          <a:pPr marL="0" lvl="0" indent="0" algn="ctr" defTabSz="1066800">
+            <a:lnSpc>
+              <a:spcPct val="90000"/>
+            </a:lnSpc>
+            <a:spcBef>
+              <a:spcPct val="0"/>
+            </a:spcBef>
+            <a:spcAft>
+              <a:spcPct val="35000"/>
+            </a:spcAft>
+            <a:buNone/>
+          </a:pPr>
+          <a:r>
+            <a:rPr lang="en-US" sz="2400" kern="1200"/>
+            <a:t>Métricas: Matriz de confusión, Precisión, Recall, F1-score.</a:t>
+          </a:r>
         </a:p>
-      </dgm:t>
-    </dgm:pt>
-    <dgm:pt modelId="{95D5183D-AD36-49DD-92D9-DAE38204A435}" type="parTrans" cxnId="{0C8B31A6-459F-4225-A44C-86B32DD5509A}">
-      <dgm:prSet/>
-      <dgm:spPr/>
-      <dgm:t>
-        <a:bodyPr/>
+      </dsp:txBody>
+      <dsp:txXfrm rot="10800000">
+        <a:off x="0" y="2137649"/>
+        <a:ext cx="4358346" cy="1402002"/>
+      </dsp:txXfrm>
+    </dsp:sp>
+    <dsp:sp modelId="{F8928F9D-B07D-4ECD-8B74-08CC4EBA4C80}">
+      <dsp:nvSpPr>
+        <dsp:cNvPr id="0" name=""/>
+        <dsp:cNvSpPr/>
+      </dsp:nvSpPr>
+      <dsp:spPr>
+        <a:xfrm rot="10800000">
+          <a:off x="0" y="1003"/>
+          <a:ext cx="4358346" cy="2157689"/>
+        </a:xfrm>
+        <a:prstGeom prst="upArrowCallout">
+          <a:avLst/>
+        </a:prstGeom>
+        <a:solidFill>
+          <a:schemeClr val="accent2">
+            <a:hueOff val="4681519"/>
+            <a:satOff val="-5839"/>
+            <a:lumOff val="1373"/>
+            <a:alphaOff val="0"/>
+          </a:schemeClr>
+        </a:solidFill>
+        <a:ln w="25400" cap="flat" cmpd="sng" algn="ctr">
+          <a:solidFill>
+            <a:schemeClr val="lt1">
+              <a:hueOff val="0"/>
+              <a:satOff val="0"/>
+              <a:lumOff val="0"/>
+              <a:alphaOff val="0"/>
+            </a:schemeClr>
+          </a:solidFill>
+          <a:prstDash val="solid"/>
+        </a:ln>
+        <a:effectLst/>
+      </dsp:spPr>
+      <dsp:style>
+        <a:lnRef idx="2">
+          <a:scrgbClr r="0" g="0" b="0"/>
+        </a:lnRef>
+        <a:fillRef idx="1">
+          <a:scrgbClr r="0" g="0" b="0"/>
+        </a:fillRef>
+        <a:effectRef idx="0">
+          <a:scrgbClr r="0" g="0" b="0"/>
+        </a:effectRef>
+        <a:fontRef idx="minor">
+          <a:schemeClr val="lt1"/>
+        </a:fontRef>
+      </dsp:style>
+      <dsp:txBody>
+        <a:bodyPr spcFirstLastPara="0" vert="horz" wrap="square" lIns="170688" tIns="170688" rIns="170688" bIns="170688" numCol="1" spcCol="1270" anchor="ctr" anchorCtr="0">
+          <a:noAutofit/>
+        </a:bodyPr>
         <a:lstStyle/>
         <a:p>
-          <a:endParaRPr lang="en-US"/>
+          <a:pPr marL="0" lvl="0" indent="0" algn="ctr" defTabSz="1066800">
+            <a:lnSpc>
+              <a:spcPct val="90000"/>
+            </a:lnSpc>
+            <a:spcBef>
+              <a:spcPct val="0"/>
+            </a:spcBef>
+            <a:spcAft>
+              <a:spcPct val="35000"/>
+            </a:spcAft>
+            <a:buNone/>
+          </a:pPr>
+          <a:r>
+            <a:rPr lang="en-US" sz="2400" kern="1200" dirty="0" err="1"/>
+            <a:t>Modelos</a:t>
+          </a:r>
+          <a:r>
+            <a:rPr lang="en-US" sz="2400" kern="1200" dirty="0"/>
+            <a:t> a </a:t>
+          </a:r>
+          <a:r>
+            <a:rPr lang="en-US" sz="2400" kern="1200" dirty="0" err="1"/>
+            <a:t>evaluar</a:t>
+          </a:r>
+          <a:r>
+            <a:rPr lang="en-US" sz="2400" kern="1200" dirty="0"/>
+            <a:t>: </a:t>
+          </a:r>
+          <a:r>
+            <a:rPr lang="en-US" sz="2400" kern="1200" dirty="0" err="1"/>
+            <a:t>Regresión</a:t>
+          </a:r>
+          <a:r>
+            <a:rPr lang="en-US" sz="2400" kern="1200" dirty="0"/>
+            <a:t> </a:t>
+          </a:r>
+          <a:r>
+            <a:rPr lang="en-US" sz="2400" kern="1200" dirty="0" err="1"/>
+            <a:t>Logística</a:t>
+          </a:r>
+          <a:r>
+            <a:rPr lang="en-US" sz="2400" kern="1200" dirty="0"/>
+            <a:t>, Random Forest, </a:t>
+          </a:r>
+          <a:r>
+            <a:rPr lang="en-US" sz="2400" kern="1200" dirty="0" err="1"/>
+            <a:t>XGBoost</a:t>
+          </a:r>
+          <a:r>
+            <a:rPr lang="en-US" sz="2400" kern="1200"/>
+            <a:t> lineal.</a:t>
+          </a:r>
+          <a:endParaRPr lang="en-US" sz="2400" kern="1200" dirty="0"/>
         </a:p>
-      </dgm:t>
-    </dgm:pt>
-    <dgm:pt modelId="{EA3A09CE-CF5B-4F83-9E49-18896084C6CB}" type="sibTrans" cxnId="{0C8B31A6-459F-4225-A44C-86B32DD5509A}">
-      <dgm:prSet/>
-      <dgm:spPr/>
-      <dgm:t>
-        <a:bodyPr/>
-        <a:lstStyle/>
-        <a:p>
-          <a:endParaRPr lang="en-US"/>
-        </a:p>
-      </dgm:t>
-    </dgm:pt>
-    <dgm:pt modelId="{F9186A14-607C-4CBC-810A-92B8B5841C1D}">
-      <dgm:prSet/>
-      <dgm:spPr/>
-      <dgm:t>
-        <a:bodyPr/>
-        <a:lstStyle/>
-        <a:p>
-          <a:r>
-            <a:rPr lang="en-US"/>
-            <a:t>Métricas: Matriz de confusión, Precisión, Recall, F1-score.</a:t>
-          </a:r>
-        </a:p>
-      </dgm:t>
-    </dgm:pt>
-    <dgm:pt modelId="{5FA9630B-EB9B-4094-92C3-4D84A87205FA}" type="parTrans" cxnId="{F03A797B-2DF7-4342-B5C4-016E0B371098}">
-      <dgm:prSet/>
-      <dgm:spPr/>
-      <dgm:t>
-        <a:bodyPr/>
-        <a:lstStyle/>
-        <a:p>
-          <a:endParaRPr lang="en-US"/>
-        </a:p>
-      </dgm:t>
-    </dgm:pt>
-    <dgm:pt modelId="{5218E1BD-7EF0-4011-BB90-B0593FC23611}" type="sibTrans" cxnId="{F03A797B-2DF7-4342-B5C4-016E0B371098}">
-      <dgm:prSet/>
-      <dgm:spPr/>
-      <dgm:t>
-        <a:bodyPr/>
-        <a:lstStyle/>
-        <a:p>
-          <a:endParaRPr lang="en-US"/>
-        </a:p>
-      </dgm:t>
-    </dgm:pt>
-    <dgm:pt modelId="{C288E225-C02B-4132-9997-2125F536681B}">
-      <dgm:prSet/>
-      <dgm:spPr/>
-      <dgm:t>
-        <a:bodyPr/>
-        <a:lstStyle/>
-        <a:p>
-          <a:r>
-            <a:rPr lang="en-US"/>
-            <a:t>Comparación para seleccionar el modelo con mayor precisión y menor error.</a:t>
-          </a:r>
-        </a:p>
-      </dgm:t>
-    </dgm:pt>
-    <dgm:pt modelId="{53EAA744-31F8-47A7-90BD-65F2261D932B}" type="parTrans" cxnId="{CC633AD5-8ED3-4643-9B45-4472844277D7}">
-      <dgm:prSet/>
-      <dgm:spPr/>
-      <dgm:t>
-        <a:bodyPr/>
-        <a:lstStyle/>
-        <a:p>
-          <a:endParaRPr lang="en-US"/>
-        </a:p>
-      </dgm:t>
-    </dgm:pt>
-    <dgm:pt modelId="{8BEF6AD1-0CCF-4E14-BC48-741CE9550E6A}" type="sibTrans" cxnId="{CC633AD5-8ED3-4643-9B45-4472844277D7}">
-      <dgm:prSet/>
-      <dgm:spPr/>
-      <dgm:t>
-        <a:bodyPr/>
-        <a:lstStyle/>
-        <a:p>
-          <a:endParaRPr lang="en-US"/>
-        </a:p>
-      </dgm:t>
-    </dgm:pt>
-    <dgm:pt modelId="{665DE241-13CF-48F8-9F13-FA543D1C6667}" type="pres">
-      <dgm:prSet presAssocID="{988A5EC8-289F-4411-84A2-6BEE68786BDB}" presName="Name0" presStyleCnt="0">
-        <dgm:presLayoutVars>
-          <dgm:dir/>
-          <dgm:animLvl val="lvl"/>
-          <dgm:resizeHandles val="exact"/>
-        </dgm:presLayoutVars>
-      </dgm:prSet>
-      <dgm:spPr/>
-    </dgm:pt>
-    <dgm:pt modelId="{2CBFCD6A-8AE2-4E3F-B2C4-851EC1DCA9B9}" type="pres">
-      <dgm:prSet presAssocID="{C288E225-C02B-4132-9997-2125F536681B}" presName="boxAndChildren" presStyleCnt="0"/>
-      <dgm:spPr/>
-    </dgm:pt>
-    <dgm:pt modelId="{89C7C10E-A41E-442A-9B48-D19D4AA766A5}" type="pres">
-      <dgm:prSet presAssocID="{C288E225-C02B-4132-9997-2125F536681B}" presName="parentTextBox" presStyleLbl="node1" presStyleIdx="0" presStyleCnt="3"/>
-      <dgm:spPr/>
-    </dgm:pt>
-    <dgm:pt modelId="{79526883-5EF7-41EB-8C4E-E448A451C833}" type="pres">
-      <dgm:prSet presAssocID="{5218E1BD-7EF0-4011-BB90-B0593FC23611}" presName="sp" presStyleCnt="0"/>
-      <dgm:spPr/>
-    </dgm:pt>
-    <dgm:pt modelId="{D5C2E7C4-9057-46F2-933E-224A0B719C6C}" type="pres">
-      <dgm:prSet presAssocID="{F9186A14-607C-4CBC-810A-92B8B5841C1D}" presName="arrowAndChildren" presStyleCnt="0"/>
-      <dgm:spPr/>
-    </dgm:pt>
-    <dgm:pt modelId="{2F2A2CA8-10A1-43D6-B241-42F65E9B8C91}" type="pres">
-      <dgm:prSet presAssocID="{F9186A14-607C-4CBC-810A-92B8B5841C1D}" presName="parentTextArrow" presStyleLbl="node1" presStyleIdx="1" presStyleCnt="3"/>
-      <dgm:spPr/>
-    </dgm:pt>
-    <dgm:pt modelId="{90BA2052-7BC0-489E-A940-13E954EDE69F}" type="pres">
-      <dgm:prSet presAssocID="{EA3A09CE-CF5B-4F83-9E49-18896084C6CB}" presName="sp" presStyleCnt="0"/>
-      <dgm:spPr/>
-    </dgm:pt>
-    <dgm:pt modelId="{0A056C08-4B36-417B-8873-B8EEA7392D98}" type="pres">
-      <dgm:prSet presAssocID="{349DBF16-A9A4-4435-9D02-E6253EB4B7D3}" presName="arrowAndChildren" presStyleCnt="0"/>
-      <dgm:spPr/>
-    </dgm:pt>
-    <dgm:pt modelId="{F8928F9D-B07D-4ECD-8B74-08CC4EBA4C80}" type="pres">
-      <dgm:prSet presAssocID="{349DBF16-A9A4-4435-9D02-E6253EB4B7D3}" presName="parentTextArrow" presStyleLbl="node1" presStyleIdx="2" presStyleCnt="3"/>
-      <dgm:spPr/>
-    </dgm:pt>
-  </dgm:ptLst>
-  <dgm:cxnLst>
-    <dgm:cxn modelId="{3C6DF776-F289-40EA-ABC4-DEABBA1070F3}" type="presOf" srcId="{C288E225-C02B-4132-9997-2125F536681B}" destId="{89C7C10E-A41E-442A-9B48-D19D4AA766A5}" srcOrd="0" destOrd="0" presId="urn:microsoft.com/office/officeart/2005/8/layout/process4"/>
-    <dgm:cxn modelId="{F03A797B-2DF7-4342-B5C4-016E0B371098}" srcId="{988A5EC8-289F-4411-84A2-6BEE68786BDB}" destId="{F9186A14-607C-4CBC-810A-92B8B5841C1D}" srcOrd="1" destOrd="0" parTransId="{5FA9630B-EB9B-4094-92C3-4D84A87205FA}" sibTransId="{5218E1BD-7EF0-4011-BB90-B0593FC23611}"/>
-    <dgm:cxn modelId="{03D4B69B-9260-4015-933E-AB395B1ACA3C}" type="presOf" srcId="{349DBF16-A9A4-4435-9D02-E6253EB4B7D3}" destId="{F8928F9D-B07D-4ECD-8B74-08CC4EBA4C80}" srcOrd="0" destOrd="0" presId="urn:microsoft.com/office/officeart/2005/8/layout/process4"/>
-    <dgm:cxn modelId="{0C8B31A6-459F-4225-A44C-86B32DD5509A}" srcId="{988A5EC8-289F-4411-84A2-6BEE68786BDB}" destId="{349DBF16-A9A4-4435-9D02-E6253EB4B7D3}" srcOrd="0" destOrd="0" parTransId="{95D5183D-AD36-49DD-92D9-DAE38204A435}" sibTransId="{EA3A09CE-CF5B-4F83-9E49-18896084C6CB}"/>
-    <dgm:cxn modelId="{CF363EC7-F4A6-42F2-881F-40B28A972FC3}" type="presOf" srcId="{988A5EC8-289F-4411-84A2-6BEE68786BDB}" destId="{665DE241-13CF-48F8-9F13-FA543D1C6667}" srcOrd="0" destOrd="0" presId="urn:microsoft.com/office/officeart/2005/8/layout/process4"/>
-    <dgm:cxn modelId="{CC633AD5-8ED3-4643-9B45-4472844277D7}" srcId="{988A5EC8-289F-4411-84A2-6BEE68786BDB}" destId="{C288E225-C02B-4132-9997-2125F536681B}" srcOrd="2" destOrd="0" parTransId="{53EAA744-31F8-47A7-90BD-65F2261D932B}" sibTransId="{8BEF6AD1-0CCF-4E14-BC48-741CE9550E6A}"/>
-    <dgm:cxn modelId="{4ED104EC-E310-4C7F-AAA9-1DAF7400B41E}" type="presOf" srcId="{F9186A14-607C-4CBC-810A-92B8B5841C1D}" destId="{2F2A2CA8-10A1-43D6-B241-42F65E9B8C91}" srcOrd="0" destOrd="0" presId="urn:microsoft.com/office/officeart/2005/8/layout/process4"/>
-    <dgm:cxn modelId="{AF2AD8D2-EB8D-4E56-AB9C-A391BF0FED73}" type="presParOf" srcId="{665DE241-13CF-48F8-9F13-FA543D1C6667}" destId="{2CBFCD6A-8AE2-4E3F-B2C4-851EC1DCA9B9}" srcOrd="0" destOrd="0" presId="urn:microsoft.com/office/officeart/2005/8/layout/process4"/>
-    <dgm:cxn modelId="{0069533C-F4C0-4E6F-A107-C2AF03151B93}" type="presParOf" srcId="{2CBFCD6A-8AE2-4E3F-B2C4-851EC1DCA9B9}" destId="{89C7C10E-A41E-442A-9B48-D19D4AA766A5}" srcOrd="0" destOrd="0" presId="urn:microsoft.com/office/officeart/2005/8/layout/process4"/>
-    <dgm:cxn modelId="{E3A68036-7206-4DC1-BFD6-9E711A8C91F1}" type="presParOf" srcId="{665DE241-13CF-48F8-9F13-FA543D1C6667}" destId="{79526883-5EF7-41EB-8C4E-E448A451C833}" srcOrd="1" destOrd="0" presId="urn:microsoft.com/office/officeart/2005/8/layout/process4"/>
-    <dgm:cxn modelId="{56CFA383-3B5D-4A60-9E23-0EA0E0C5C8C8}" type="presParOf" srcId="{665DE241-13CF-48F8-9F13-FA543D1C6667}" destId="{D5C2E7C4-9057-46F2-933E-224A0B719C6C}" srcOrd="2" destOrd="0" presId="urn:microsoft.com/office/officeart/2005/8/layout/process4"/>
-    <dgm:cxn modelId="{76784DBC-51AE-47F2-A343-0EF29A64763E}" type="presParOf" srcId="{D5C2E7C4-9057-46F2-933E-224A0B719C6C}" destId="{2F2A2CA8-10A1-43D6-B241-42F65E9B8C91}" srcOrd="0" destOrd="0" presId="urn:microsoft.com/office/officeart/2005/8/layout/process4"/>
-    <dgm:cxn modelId="{5CA2A703-99FE-4E54-9971-AF5ADFC2F263}" type="presParOf" srcId="{665DE241-13CF-48F8-9F13-FA543D1C6667}" destId="{90BA2052-7BC0-489E-A940-13E954EDE69F}" srcOrd="3" destOrd="0" presId="urn:microsoft.com/office/officeart/2005/8/layout/process4"/>
-    <dgm:cxn modelId="{AACF8F03-C4B2-4A7E-876F-6B9D65C25363}" type="presParOf" srcId="{665DE241-13CF-48F8-9F13-FA543D1C6667}" destId="{0A056C08-4B36-417B-8873-B8EEA7392D98}" srcOrd="4" destOrd="0" presId="urn:microsoft.com/office/officeart/2005/8/layout/process4"/>
-    <dgm:cxn modelId="{7E0923A1-CC88-4A30-B04D-FD22B388736A}" type="presParOf" srcId="{0A056C08-4B36-417B-8873-B8EEA7392D98}" destId="{F8928F9D-B07D-4ECD-8B74-08CC4EBA4C80}" srcOrd="0" destOrd="0" presId="urn:microsoft.com/office/officeart/2005/8/layout/process4"/>
-  </dgm:cxnLst>
-  <dgm:bg/>
-  <dgm:whole/>
-  <dgm:extLst>
-    <a:ext uri="http://schemas.microsoft.com/office/drawing/2008/diagram">
-      <dsp:dataModelExt xmlns:dsp="http://schemas.microsoft.com/office/drawing/2008/diagram" relId="rId6" minVer="http://schemas.openxmlformats.org/drawingml/2006/diagram"/>
-    </a:ext>
-  </dgm:extLst>
-</dgm:dataModel>
+      </dsp:txBody>
+      <dsp:txXfrm rot="10800000">
+        <a:off x="0" y="1003"/>
+        <a:ext cx="4358346" cy="1402002"/>
+      </dsp:txXfrm>
+    </dsp:sp>
+  </dsp:spTree>
+</dsp:drawing>
 </file>
 
-<file path=ppt/diagrams/data4.xml><?xml version="1.0" encoding="utf-8"?>
-<dgm:dataModel xmlns:dgm="http://schemas.openxmlformats.org/drawingml/2006/diagram" xmlns:a="http://schemas.openxmlformats.org/drawingml/2006/main">
-  <dgm:ptLst>
-    <dgm:pt modelId="{D1E4C27D-EAA3-4DC5-868F-B3C7A076B868}" type="doc">
-      <dgm:prSet loTypeId="urn:microsoft.com/office/officeart/2018/2/layout/IconLabelList" loCatId="icon" qsTypeId="urn:microsoft.com/office/officeart/2005/8/quickstyle/simple1" qsCatId="simple" csTypeId="urn:microsoft.com/office/officeart/2018/5/colors/Iconchunking_neutralbg_colorful1" csCatId="colorful" phldr="1"/>
-      <dgm:spPr/>
-      <dgm:t>
-        <a:bodyPr/>
-        <a:lstStyle/>
-        <a:p>
-          <a:endParaRPr lang="en-US"/>
-        </a:p>
-      </dgm:t>
-    </dgm:pt>
-    <dgm:pt modelId="{7B4AC687-38EE-4DF4-A3E1-1B4143CBC723}">
-      <dgm:prSet/>
-      <dgm:spPr/>
-      <dgm:t>
-        <a:bodyPr/>
-        <a:lstStyle/>
-        <a:p>
-          <a:r>
-            <a:rPr lang="en-US" dirty="0"/>
-            <a:t>Umbral de </a:t>
-          </a:r>
-          <a:r>
-            <a:rPr lang="en-US" dirty="0" err="1"/>
-            <a:t>decisión</a:t>
-          </a:r>
-          <a:r>
-            <a:rPr lang="en-US" dirty="0"/>
-            <a:t>: </a:t>
-          </a:r>
-          <a:r>
-            <a:rPr lang="en-US" dirty="0" err="1"/>
-            <a:t>Probabilidad</a:t>
-          </a:r>
-          <a:r>
-            <a:rPr lang="en-US" dirty="0"/>
-            <a:t> ≥ 80% → </a:t>
-          </a:r>
-          <a:r>
-            <a:rPr lang="en-US" dirty="0" err="1"/>
-            <a:t>Legalización</a:t>
-          </a:r>
-          <a:r>
-            <a:rPr lang="en-US" dirty="0"/>
-            <a:t> </a:t>
-          </a:r>
-          <a:r>
-            <a:rPr lang="en-US" dirty="0" err="1"/>
-            <a:t>automática</a:t>
-          </a:r>
-          <a:r>
-            <a:rPr lang="en-US" dirty="0"/>
-            <a:t>.</a:t>
-          </a:r>
-        </a:p>
-      </dgm:t>
-    </dgm:pt>
-    <dgm:pt modelId="{40134237-AD8F-48A4-857E-3109E3120D97}" type="parTrans" cxnId="{FCAD9444-9C06-4614-9641-0544A7700404}">
-      <dgm:prSet/>
-      <dgm:spPr/>
-      <dgm:t>
-        <a:bodyPr/>
-        <a:lstStyle/>
-        <a:p>
-          <a:endParaRPr lang="en-US"/>
-        </a:p>
-      </dgm:t>
-    </dgm:pt>
-    <dgm:pt modelId="{083BFCDC-A874-4647-8681-0C666B159E52}" type="sibTrans" cxnId="{FCAD9444-9C06-4614-9641-0544A7700404}">
-      <dgm:prSet/>
-      <dgm:spPr/>
-      <dgm:t>
-        <a:bodyPr/>
-        <a:lstStyle/>
-        <a:p>
-          <a:endParaRPr lang="en-US"/>
-        </a:p>
-      </dgm:t>
-    </dgm:pt>
-    <dgm:pt modelId="{9498C093-D3E5-4C81-95C9-E260D275D623}">
-      <dgm:prSet/>
-      <dgm:spPr/>
-      <dgm:t>
-        <a:bodyPr/>
-        <a:lstStyle/>
-        <a:p>
-          <a:r>
-            <a:rPr lang="en-US" dirty="0" err="1"/>
-            <a:t>Órdenes</a:t>
-          </a:r>
-          <a:r>
-            <a:rPr lang="en-US" dirty="0"/>
-            <a:t> con </a:t>
-          </a:r>
-          <a:r>
-            <a:rPr lang="en-US" dirty="0" err="1"/>
-            <a:t>menor</a:t>
-          </a:r>
-          <a:r>
-            <a:rPr lang="en-US" dirty="0"/>
-            <a:t> </a:t>
-          </a:r>
-          <a:r>
-            <a:rPr lang="en-US" dirty="0" err="1"/>
-            <a:t>probabilidad</a:t>
-          </a:r>
-          <a:r>
-            <a:rPr lang="en-US" dirty="0"/>
-            <a:t> son </a:t>
-          </a:r>
-          <a:r>
-            <a:rPr lang="en-US" dirty="0" err="1"/>
-            <a:t>revisadas</a:t>
-          </a:r>
-          <a:r>
-            <a:rPr lang="en-US" dirty="0"/>
-            <a:t> </a:t>
-          </a:r>
-          <a:r>
-            <a:rPr lang="en-US" dirty="0" err="1"/>
-            <a:t>manualmente</a:t>
-          </a:r>
-          <a:r>
-            <a:rPr lang="en-US" dirty="0"/>
-            <a:t>.</a:t>
-          </a:r>
-        </a:p>
-      </dgm:t>
-    </dgm:pt>
-    <dgm:pt modelId="{11C826E8-3646-44FF-83C4-20359659AA5F}" type="parTrans" cxnId="{8A4FA7D3-CD6C-4BFB-A6BB-D6DF65E8BCCD}">
-      <dgm:prSet/>
-      <dgm:spPr/>
-      <dgm:t>
-        <a:bodyPr/>
-        <a:lstStyle/>
-        <a:p>
-          <a:endParaRPr lang="en-US"/>
-        </a:p>
-      </dgm:t>
-    </dgm:pt>
-    <dgm:pt modelId="{73A8D4DF-DF75-49AA-B7A0-BB96188BE234}" type="sibTrans" cxnId="{8A4FA7D3-CD6C-4BFB-A6BB-D6DF65E8BCCD}">
-      <dgm:prSet/>
-      <dgm:spPr/>
-      <dgm:t>
-        <a:bodyPr/>
-        <a:lstStyle/>
-        <a:p>
-          <a:endParaRPr lang="en-US"/>
-        </a:p>
-      </dgm:t>
-    </dgm:pt>
-    <dgm:pt modelId="{2EA67864-FAA1-4BB1-BD89-FCDA811EED4B}">
-      <dgm:prSet/>
-      <dgm:spPr/>
-      <dgm:t>
-        <a:bodyPr/>
-        <a:lstStyle/>
-        <a:p>
-          <a:r>
-            <a:rPr lang="en-US" dirty="0" err="1"/>
-            <a:t>Beneficios</a:t>
-          </a:r>
-          <a:r>
-            <a:rPr lang="en-US" dirty="0"/>
-            <a:t>: </a:t>
-          </a:r>
-          <a:r>
-            <a:rPr lang="en-US" dirty="0" err="1"/>
-            <a:t>Reducción</a:t>
-          </a:r>
-          <a:r>
-            <a:rPr lang="en-US" dirty="0"/>
-            <a:t> de </a:t>
-          </a:r>
-          <a:r>
-            <a:rPr lang="en-US" dirty="0" err="1"/>
-            <a:t>revisiones</a:t>
-          </a:r>
-          <a:r>
-            <a:rPr lang="en-US" dirty="0"/>
-            <a:t> </a:t>
-          </a:r>
-          <a:r>
-            <a:rPr lang="en-US" dirty="0" err="1"/>
-            <a:t>en</a:t>
-          </a:r>
-          <a:r>
-            <a:rPr lang="en-US" dirty="0"/>
-            <a:t> </a:t>
-          </a:r>
-          <a:r>
-            <a:rPr lang="en-US" dirty="0" err="1"/>
-            <a:t>terreno</a:t>
-          </a:r>
-          <a:r>
-            <a:rPr lang="en-US" dirty="0"/>
-            <a:t>, </a:t>
-          </a:r>
-          <a:r>
-            <a:rPr lang="en-US" dirty="0" err="1"/>
-            <a:t>ahorro</a:t>
-          </a:r>
-          <a:r>
-            <a:rPr lang="en-US" dirty="0"/>
-            <a:t> </a:t>
-          </a:r>
-          <a:r>
-            <a:rPr lang="en-US" dirty="0" err="1"/>
-            <a:t>operativo</a:t>
-          </a:r>
-          <a:r>
-            <a:rPr lang="en-US" dirty="0"/>
-            <a:t>, mayor </a:t>
-          </a:r>
-          <a:r>
-            <a:rPr lang="en-US" dirty="0" err="1"/>
-            <a:t>eficiencia</a:t>
-          </a:r>
-          <a:r>
-            <a:rPr lang="en-US" dirty="0"/>
-            <a:t>.</a:t>
-          </a:r>
-        </a:p>
-      </dgm:t>
-    </dgm:pt>
-    <dgm:pt modelId="{F23C3921-B619-40F8-B41C-9AB13C81F70E}" type="parTrans" cxnId="{D8BE0105-2CAC-45D9-BC68-564FB0A1793C}">
-      <dgm:prSet/>
-      <dgm:spPr/>
-      <dgm:t>
-        <a:bodyPr/>
-        <a:lstStyle/>
-        <a:p>
-          <a:endParaRPr lang="en-US"/>
-        </a:p>
-      </dgm:t>
-    </dgm:pt>
-    <dgm:pt modelId="{D328A382-CD66-459C-903E-E2A2A0F449B8}" type="sibTrans" cxnId="{D8BE0105-2CAC-45D9-BC68-564FB0A1793C}">
-      <dgm:prSet/>
-      <dgm:spPr/>
-      <dgm:t>
-        <a:bodyPr/>
-        <a:lstStyle/>
-        <a:p>
-          <a:endParaRPr lang="en-US"/>
-        </a:p>
-      </dgm:t>
-    </dgm:pt>
-    <dgm:pt modelId="{2C36C946-EF91-4864-A940-B4EA66122080}" type="pres">
-      <dgm:prSet presAssocID="{D1E4C27D-EAA3-4DC5-868F-B3C7A076B868}" presName="root" presStyleCnt="0">
-        <dgm:presLayoutVars>
-          <dgm:dir/>
-          <dgm:resizeHandles val="exact"/>
-        </dgm:presLayoutVars>
-      </dgm:prSet>
-      <dgm:spPr/>
-    </dgm:pt>
-    <dgm:pt modelId="{C8E5FC82-9D27-49A4-ACA8-239C9DD396AE}" type="pres">
-      <dgm:prSet presAssocID="{7B4AC687-38EE-4DF4-A3E1-1B4143CBC723}" presName="compNode" presStyleCnt="0"/>
-      <dgm:spPr/>
-    </dgm:pt>
-    <dgm:pt modelId="{E6BDB58D-CEF2-4A83-850D-45C98852C66A}" type="pres">
-      <dgm:prSet presAssocID="{7B4AC687-38EE-4DF4-A3E1-1B4143CBC723}" presName="iconRect" presStyleLbl="node1" presStyleIdx="0" presStyleCnt="3"/>
-      <dgm:spPr>
-        <a:blipFill>
-          <a:blip xmlns:r="http://schemas.openxmlformats.org/officeDocument/2006/relationships" r:embed="rId1">
-            <a:extLst>
-              <a:ext uri="{28A0092B-C50C-407E-A947-70E740481C1C}">
-                <a14:useLocalDpi xmlns:a14="http://schemas.microsoft.com/office/drawing/2010/main" val="0"/>
-              </a:ext>
-              <a:ext uri="{96DAC541-7B7A-43D3-8B79-37D633B846F1}">
-                <asvg:svgBlip xmlns:asvg="http://schemas.microsoft.com/office/drawing/2016/SVG/main" r:embed="rId2"/>
-              </a:ext>
-            </a:extLst>
-          </a:blip>
-          <a:stretch>
-            <a:fillRect/>
-          </a:stretch>
-        </a:blipFill>
-        <a:ln>
-          <a:noFill/>
-        </a:ln>
-      </dgm:spPr>
-      <dgm:extLst>
-        <a:ext uri="{E40237B7-FDA0-4F09-8148-C483321AD2D9}">
-          <dgm14:cNvPr xmlns:dgm14="http://schemas.microsoft.com/office/drawing/2010/diagram" id="0" name="" descr="Scales of Justice"/>
-        </a:ext>
-      </dgm:extLst>
-    </dgm:pt>
-    <dgm:pt modelId="{83996885-AD84-4C73-8E4F-2B1E546F5BBE}" type="pres">
-      <dgm:prSet presAssocID="{7B4AC687-38EE-4DF4-A3E1-1B4143CBC723}" presName="spaceRect" presStyleCnt="0"/>
-      <dgm:spPr/>
-    </dgm:pt>
-    <dgm:pt modelId="{508BF80E-AA54-4B49-849E-670ED75F3563}" type="pres">
-      <dgm:prSet presAssocID="{7B4AC687-38EE-4DF4-A3E1-1B4143CBC723}" presName="textRect" presStyleLbl="revTx" presStyleIdx="0" presStyleCnt="3">
-        <dgm:presLayoutVars>
-          <dgm:chMax val="1"/>
-          <dgm:chPref val="1"/>
-        </dgm:presLayoutVars>
-      </dgm:prSet>
-      <dgm:spPr/>
-    </dgm:pt>
-    <dgm:pt modelId="{7A6039E5-84F6-4529-BE23-69140E5B34A5}" type="pres">
-      <dgm:prSet presAssocID="{083BFCDC-A874-4647-8681-0C666B159E52}" presName="sibTrans" presStyleCnt="0"/>
-      <dgm:spPr/>
-    </dgm:pt>
-    <dgm:pt modelId="{339C09C0-6230-4D3D-83C0-9A1F8DE71FCE}" type="pres">
-      <dgm:prSet presAssocID="{9498C093-D3E5-4C81-95C9-E260D275D623}" presName="compNode" presStyleCnt="0"/>
-      <dgm:spPr/>
-    </dgm:pt>
-    <dgm:pt modelId="{AB1F3AA7-8440-4F86-B097-5EE8BDC137C4}" type="pres">
-      <dgm:prSet presAssocID="{9498C093-D3E5-4C81-95C9-E260D275D623}" presName="iconRect" presStyleLbl="node1" presStyleIdx="1" presStyleCnt="3"/>
-      <dgm:spPr>
-        <a:blipFill>
-          <a:blip xmlns:r="http://schemas.openxmlformats.org/officeDocument/2006/relationships" r:embed="rId3">
-            <a:extLst>
-              <a:ext uri="{28A0092B-C50C-407E-A947-70E740481C1C}">
-                <a14:useLocalDpi xmlns:a14="http://schemas.microsoft.com/office/drawing/2010/main" val="0"/>
-              </a:ext>
-              <a:ext uri="{96DAC541-7B7A-43D3-8B79-37D633B846F1}">
-                <asvg:svgBlip xmlns:asvg="http://schemas.microsoft.com/office/drawing/2016/SVG/main" r:embed="rId4"/>
-              </a:ext>
-            </a:extLst>
-          </a:blip>
-          <a:stretch>
-            <a:fillRect/>
-          </a:stretch>
-        </a:blipFill>
-        <a:ln>
-          <a:noFill/>
-        </a:ln>
-      </dgm:spPr>
-      <dgm:extLst>
-        <a:ext uri="{E40237B7-FDA0-4F09-8148-C483321AD2D9}">
-          <dgm14:cNvPr xmlns:dgm14="http://schemas.microsoft.com/office/drawing/2010/diagram" id="0" name="" descr="Expulsar"/>
-        </a:ext>
-      </dgm:extLst>
-    </dgm:pt>
-    <dgm:pt modelId="{047F3978-6DF2-468B-8F31-7C9B40AA3A30}" type="pres">
-      <dgm:prSet presAssocID="{9498C093-D3E5-4C81-95C9-E260D275D623}" presName="spaceRect" presStyleCnt="0"/>
-      <dgm:spPr/>
-    </dgm:pt>
-    <dgm:pt modelId="{BFC99414-262E-4950-91BB-88D0AAF37D81}" type="pres">
-      <dgm:prSet presAssocID="{9498C093-D3E5-4C81-95C9-E260D275D623}" presName="textRect" presStyleLbl="revTx" presStyleIdx="1" presStyleCnt="3">
-        <dgm:presLayoutVars>
-          <dgm:chMax val="1"/>
-          <dgm:chPref val="1"/>
-        </dgm:presLayoutVars>
-      </dgm:prSet>
-      <dgm:spPr/>
-    </dgm:pt>
-    <dgm:pt modelId="{AFACAC84-151C-4581-9EDE-7CFFFAE98886}" type="pres">
-      <dgm:prSet presAssocID="{73A8D4DF-DF75-49AA-B7A0-BB96188BE234}" presName="sibTrans" presStyleCnt="0"/>
-      <dgm:spPr/>
-    </dgm:pt>
-    <dgm:pt modelId="{6D4F327D-6FA4-41B0-92FE-526A4E388EED}" type="pres">
-      <dgm:prSet presAssocID="{2EA67864-FAA1-4BB1-BD89-FCDA811EED4B}" presName="compNode" presStyleCnt="0"/>
-      <dgm:spPr/>
-    </dgm:pt>
-    <dgm:pt modelId="{49471EC7-A1EC-42DC-9E87-641BE13C2838}" type="pres">
-      <dgm:prSet presAssocID="{2EA67864-FAA1-4BB1-BD89-FCDA811EED4B}" presName="iconRect" presStyleLbl="node1" presStyleIdx="2" presStyleCnt="3"/>
-      <dgm:spPr>
-        <a:blipFill>
-          <a:blip xmlns:r="http://schemas.openxmlformats.org/officeDocument/2006/relationships" r:embed="rId5">
-            <a:extLst>
-              <a:ext uri="{28A0092B-C50C-407E-A947-70E740481C1C}">
-                <a14:useLocalDpi xmlns:a14="http://schemas.microsoft.com/office/drawing/2010/main" val="0"/>
-              </a:ext>
-              <a:ext uri="{96DAC541-7B7A-43D3-8B79-37D633B846F1}">
-                <asvg:svgBlip xmlns:asvg="http://schemas.microsoft.com/office/drawing/2016/SVG/main" r:embed="rId6"/>
-              </a:ext>
-            </a:extLst>
-          </a:blip>
-          <a:stretch>
-            <a:fillRect/>
-          </a:stretch>
-        </a:blipFill>
-        <a:ln>
-          <a:noFill/>
-        </a:ln>
-      </dgm:spPr>
-      <dgm:extLst>
-        <a:ext uri="{E40237B7-FDA0-4F09-8148-C483321AD2D9}">
-          <dgm14:cNvPr xmlns:dgm14="http://schemas.microsoft.com/office/drawing/2010/diagram" id="0" name="" descr="Upward trend"/>
-        </a:ext>
-      </dgm:extLst>
-    </dgm:pt>
-    <dgm:pt modelId="{ED0DEC2C-249C-483F-A60D-C0EC8CC36A88}" type="pres">
-      <dgm:prSet presAssocID="{2EA67864-FAA1-4BB1-BD89-FCDA811EED4B}" presName="spaceRect" presStyleCnt="0"/>
-      <dgm:spPr/>
-    </dgm:pt>
-    <dgm:pt modelId="{15EA4396-90FD-4BC9-850E-C893F1EF003B}" type="pres">
-      <dgm:prSet presAssocID="{2EA67864-FAA1-4BB1-BD89-FCDA811EED4B}" presName="textRect" presStyleLbl="revTx" presStyleIdx="2" presStyleCnt="3">
-        <dgm:presLayoutVars>
-          <dgm:chMax val="1"/>
-          <dgm:chPref val="1"/>
-        </dgm:presLayoutVars>
-      </dgm:prSet>
-      <dgm:spPr/>
-    </dgm:pt>
-  </dgm:ptLst>
-  <dgm:cxnLst>
-    <dgm:cxn modelId="{D8BE0105-2CAC-45D9-BC68-564FB0A1793C}" srcId="{D1E4C27D-EAA3-4DC5-868F-B3C7A076B868}" destId="{2EA67864-FAA1-4BB1-BD89-FCDA811EED4B}" srcOrd="2" destOrd="0" parTransId="{F23C3921-B619-40F8-B41C-9AB13C81F70E}" sibTransId="{D328A382-CD66-459C-903E-E2A2A0F449B8}"/>
-    <dgm:cxn modelId="{9349CE18-BDB6-4C1E-8D21-6D5A14F29828}" type="presOf" srcId="{2EA67864-FAA1-4BB1-BD89-FCDA811EED4B}" destId="{15EA4396-90FD-4BC9-850E-C893F1EF003B}" srcOrd="0" destOrd="0" presId="urn:microsoft.com/office/officeart/2018/2/layout/IconLabelList"/>
-    <dgm:cxn modelId="{FCAD9444-9C06-4614-9641-0544A7700404}" srcId="{D1E4C27D-EAA3-4DC5-868F-B3C7A076B868}" destId="{7B4AC687-38EE-4DF4-A3E1-1B4143CBC723}" srcOrd="0" destOrd="0" parTransId="{40134237-AD8F-48A4-857E-3109E3120D97}" sibTransId="{083BFCDC-A874-4647-8681-0C666B159E52}"/>
-    <dgm:cxn modelId="{E38FBA86-BA28-4D13-9473-AA7E319E7452}" type="presOf" srcId="{9498C093-D3E5-4C81-95C9-E260D275D623}" destId="{BFC99414-262E-4950-91BB-88D0AAF37D81}" srcOrd="0" destOrd="0" presId="urn:microsoft.com/office/officeart/2018/2/layout/IconLabelList"/>
-    <dgm:cxn modelId="{1941128C-3D20-4AE0-8DDF-5F24DB410929}" type="presOf" srcId="{D1E4C27D-EAA3-4DC5-868F-B3C7A076B868}" destId="{2C36C946-EF91-4864-A940-B4EA66122080}" srcOrd="0" destOrd="0" presId="urn:microsoft.com/office/officeart/2018/2/layout/IconLabelList"/>
-    <dgm:cxn modelId="{8A4FA7D3-CD6C-4BFB-A6BB-D6DF65E8BCCD}" srcId="{D1E4C27D-EAA3-4DC5-868F-B3C7A076B868}" destId="{9498C093-D3E5-4C81-95C9-E260D275D623}" srcOrd="1" destOrd="0" parTransId="{11C826E8-3646-44FF-83C4-20359659AA5F}" sibTransId="{73A8D4DF-DF75-49AA-B7A0-BB96188BE234}"/>
-    <dgm:cxn modelId="{9CBB0DDB-94AD-4EA1-87DD-A7CA4AFCE001}" type="presOf" srcId="{7B4AC687-38EE-4DF4-A3E1-1B4143CBC723}" destId="{508BF80E-AA54-4B49-849E-670ED75F3563}" srcOrd="0" destOrd="0" presId="urn:microsoft.com/office/officeart/2018/2/layout/IconLabelList"/>
-    <dgm:cxn modelId="{7A7A74CE-9106-4D03-B2E9-7CB5E98F0647}" type="presParOf" srcId="{2C36C946-EF91-4864-A940-B4EA66122080}" destId="{C8E5FC82-9D27-49A4-ACA8-239C9DD396AE}" srcOrd="0" destOrd="0" presId="urn:microsoft.com/office/officeart/2018/2/layout/IconLabelList"/>
-    <dgm:cxn modelId="{D4EEABA8-99A1-49DF-B51E-1CC5B9074BD7}" type="presParOf" srcId="{C8E5FC82-9D27-49A4-ACA8-239C9DD396AE}" destId="{E6BDB58D-CEF2-4A83-850D-45C98852C66A}" srcOrd="0" destOrd="0" presId="urn:microsoft.com/office/officeart/2018/2/layout/IconLabelList"/>
-    <dgm:cxn modelId="{94184E61-2069-4FDF-A8F5-F84B38468B8D}" type="presParOf" srcId="{C8E5FC82-9D27-49A4-ACA8-239C9DD396AE}" destId="{83996885-AD84-4C73-8E4F-2B1E546F5BBE}" srcOrd="1" destOrd="0" presId="urn:microsoft.com/office/officeart/2018/2/layout/IconLabelList"/>
-    <dgm:cxn modelId="{0382A9FA-D634-4819-B2B8-CB56F2975943}" type="presParOf" srcId="{C8E5FC82-9D27-49A4-ACA8-239C9DD396AE}" destId="{508BF80E-AA54-4B49-849E-670ED75F3563}" srcOrd="2" destOrd="0" presId="urn:microsoft.com/office/officeart/2018/2/layout/IconLabelList"/>
-    <dgm:cxn modelId="{C8A1B2EF-6074-4147-8DEE-02C344DFE259}" type="presParOf" srcId="{2C36C946-EF91-4864-A940-B4EA66122080}" destId="{7A6039E5-84F6-4529-BE23-69140E5B34A5}" srcOrd="1" destOrd="0" presId="urn:microsoft.com/office/officeart/2018/2/layout/IconLabelList"/>
-    <dgm:cxn modelId="{638A98E6-27AD-43CF-A52F-6A0D587E32E7}" type="presParOf" srcId="{2C36C946-EF91-4864-A940-B4EA66122080}" destId="{339C09C0-6230-4D3D-83C0-9A1F8DE71FCE}" srcOrd="2" destOrd="0" presId="urn:microsoft.com/office/officeart/2018/2/layout/IconLabelList"/>
-    <dgm:cxn modelId="{E8A6D3E1-651C-497A-94C6-36DF3E04B5EB}" type="presParOf" srcId="{339C09C0-6230-4D3D-83C0-9A1F8DE71FCE}" destId="{AB1F3AA7-8440-4F86-B097-5EE8BDC137C4}" srcOrd="0" destOrd="0" presId="urn:microsoft.com/office/officeart/2018/2/layout/IconLabelList"/>
-    <dgm:cxn modelId="{8301CC78-E020-4B74-816B-019762D622D4}" type="presParOf" srcId="{339C09C0-6230-4D3D-83C0-9A1F8DE71FCE}" destId="{047F3978-6DF2-468B-8F31-7C9B40AA3A30}" srcOrd="1" destOrd="0" presId="urn:microsoft.com/office/officeart/2018/2/layout/IconLabelList"/>
-    <dgm:cxn modelId="{D33B10E7-0203-4CE5-B254-41F70EA86E00}" type="presParOf" srcId="{339C09C0-6230-4D3D-83C0-9A1F8DE71FCE}" destId="{BFC99414-262E-4950-91BB-88D0AAF37D81}" srcOrd="2" destOrd="0" presId="urn:microsoft.com/office/officeart/2018/2/layout/IconLabelList"/>
-    <dgm:cxn modelId="{28BB80FA-1BB6-4C17-9BAB-F2E5182BB199}" type="presParOf" srcId="{2C36C946-EF91-4864-A940-B4EA66122080}" destId="{AFACAC84-151C-4581-9EDE-7CFFFAE98886}" srcOrd="3" destOrd="0" presId="urn:microsoft.com/office/officeart/2018/2/layout/IconLabelList"/>
-    <dgm:cxn modelId="{57A74992-DC72-4060-A0F3-2DED97FD80E5}" type="presParOf" srcId="{2C36C946-EF91-4864-A940-B4EA66122080}" destId="{6D4F327D-6FA4-41B0-92FE-526A4E388EED}" srcOrd="4" destOrd="0" presId="urn:microsoft.com/office/officeart/2018/2/layout/IconLabelList"/>
-    <dgm:cxn modelId="{C90B9D94-D502-41BA-A5F9-E6A9AAD59C98}" type="presParOf" srcId="{6D4F327D-6FA4-41B0-92FE-526A4E388EED}" destId="{49471EC7-A1EC-42DC-9E87-641BE13C2838}" srcOrd="0" destOrd="0" presId="urn:microsoft.com/office/officeart/2018/2/layout/IconLabelList"/>
-    <dgm:cxn modelId="{B0F99775-A2AC-46E4-BB2C-30794D1E3CDC}" type="presParOf" srcId="{6D4F327D-6FA4-41B0-92FE-526A4E388EED}" destId="{ED0DEC2C-249C-483F-A60D-C0EC8CC36A88}" srcOrd="1" destOrd="0" presId="urn:microsoft.com/office/officeart/2018/2/layout/IconLabelList"/>
-    <dgm:cxn modelId="{9C91CC64-BEB1-4ADD-A09B-053B2EEB482F}" type="presParOf" srcId="{6D4F327D-6FA4-41B0-92FE-526A4E388EED}" destId="{15EA4396-90FD-4BC9-850E-C893F1EF003B}" srcOrd="2" destOrd="0" presId="urn:microsoft.com/office/officeart/2018/2/layout/IconLabelList"/>
-  </dgm:cxnLst>
-  <dgm:bg/>
-  <dgm:whole/>
-  <dgm:extLst>
-    <a:ext uri="http://schemas.microsoft.com/office/drawing/2008/diagram">
-      <dsp:dataModelExt xmlns:dsp="http://schemas.microsoft.com/office/drawing/2008/diagram" relId="rId6" minVer="http://schemas.openxmlformats.org/drawingml/2006/diagram"/>
-    </a:ext>
-  </dgm:extLst>
-</dgm:dataModel>
-</file>
-
-<file path=ppt/diagrams/drawing1.xml><?xml version="1.0" encoding="utf-8"?>
+<file path=ppt/diagrams/drawing2.xml><?xml version="1.0" encoding="utf-8"?>
 <dsp:drawing xmlns:dgm="http://schemas.openxmlformats.org/drawingml/2006/diagram" xmlns:dsp="http://schemas.microsoft.com/office/drawing/2008/diagram" xmlns:a="http://schemas.openxmlformats.org/drawingml/2006/main">
   <dsp:spTree>
     <dsp:nvGrpSpPr>
@@ -5741,7 +4750,7 @@
 </dsp:drawing>
 </file>
 
-<file path=ppt/diagrams/drawing2.xml><?xml version="1.0" encoding="utf-8"?>
+<file path=ppt/diagrams/drawing3.xml><?xml version="1.0" encoding="utf-8"?>
 <dsp:drawing xmlns:dgm="http://schemas.openxmlformats.org/drawingml/2006/diagram" xmlns:dsp="http://schemas.microsoft.com/office/drawing/2008/diagram" xmlns:a="http://schemas.openxmlformats.org/drawingml/2006/main">
   <dsp:spTree>
     <dsp:nvGrpSpPr>
@@ -5798,12 +4807,12 @@
         </a:fontRef>
       </dsp:style>
       <dsp:txBody>
-        <a:bodyPr spcFirstLastPara="0" vert="horz" wrap="square" lIns="137160" tIns="137160" rIns="137160" bIns="137160" numCol="1" spcCol="1270" anchor="ctr" anchorCtr="0">
+        <a:bodyPr spcFirstLastPara="0" vert="horz" wrap="square" lIns="60960" tIns="60960" rIns="60960" bIns="60960" numCol="1" spcCol="1270" anchor="ctr" anchorCtr="0">
           <a:noAutofit/>
         </a:bodyPr>
         <a:lstStyle/>
         <a:p>
-          <a:pPr marL="0" lvl="0" indent="0" algn="ctr" defTabSz="1600200">
+          <a:pPr marL="0" lvl="0" indent="0" algn="ctr" defTabSz="711200">
             <a:lnSpc>
               <a:spcPct val="90000"/>
             </a:lnSpc>
@@ -5816,8 +4825,90 @@
             <a:buNone/>
           </a:pPr>
           <a:r>
-            <a:rPr lang="en-US" sz="3600" kern="1200"/>
-            <a:t>Datos analizados: Órdenes cerradas por analistas.</a:t>
+            <a:rPr lang="en-US" sz="1600" kern="1200" dirty="0"/>
+            <a:t>Datos </a:t>
+          </a:r>
+          <a:r>
+            <a:rPr lang="en-US" sz="1600" kern="1200" dirty="0" err="1"/>
+            <a:t>analiz</a:t>
+          </a:r>
+          <a:r>
+            <a:rPr lang="es-ES" sz="1600" kern="1200" dirty="0"/>
+            <a:t>4.1. porqué se eliminó la variable nivel de tensión</a:t>
+          </a:r>
+          <a:br>
+            <a:rPr lang="es-ES" sz="1600" kern="1200" dirty="0"/>
+          </a:br>
+          <a:r>
+            <a:rPr lang="es-ES" sz="1600" kern="1200" dirty="0"/>
+            <a:t>4.2. bajamos la cardinalidad del tipo de servicio dejando solo agua, energía y gas</a:t>
+          </a:r>
+          <a:br>
+            <a:rPr lang="es-ES" sz="1600" kern="1200" dirty="0"/>
+          </a:br>
+          <a:r>
+            <a:rPr lang="es-ES" sz="1600" kern="1200" dirty="0"/>
+            <a:t>4.3. como la data ya contaba con unos </a:t>
+          </a:r>
+          <a:r>
+            <a:rPr lang="es-ES" sz="1600" kern="1200" dirty="0" err="1"/>
+            <a:t>codigos</a:t>
+          </a:r>
+          <a:r>
+            <a:rPr lang="es-ES" sz="1600" kern="1200" dirty="0"/>
+            <a:t>, esos se conservan y para las que no tenían se hizo el proceso de </a:t>
+          </a:r>
+          <a:r>
+            <a:rPr lang="es-ES" sz="1600" kern="1200" dirty="0" err="1"/>
+            <a:t>Label</a:t>
+          </a:r>
+          <a:r>
+            <a:rPr lang="es-ES" sz="1600" kern="1200" dirty="0"/>
+            <a:t> </a:t>
+          </a:r>
+          <a:r>
+            <a:rPr lang="es-ES" sz="1600" kern="1200" dirty="0" err="1"/>
+            <a:t>encoding</a:t>
+          </a:r>
+          <a:r>
+            <a:rPr lang="en-US" sz="1600" kern="1200" dirty="0" err="1"/>
+            <a:t>ados</a:t>
+          </a:r>
+          <a:r>
+            <a:rPr lang="en-US" sz="1600" kern="1200" dirty="0"/>
+            <a:t>: </a:t>
+          </a:r>
+          <a:r>
+            <a:rPr lang="en-US" sz="1600" kern="1200" dirty="0" err="1"/>
+            <a:t>Órdenes</a:t>
+          </a:r>
+          <a:r>
+            <a:rPr lang="en-US" sz="1600" kern="1200" dirty="0"/>
+            <a:t> </a:t>
+          </a:r>
+          <a:r>
+            <a:rPr lang="en-US" sz="1600" kern="1200" dirty="0" err="1"/>
+            <a:t>cerradas</a:t>
+          </a:r>
+          <a:r>
+            <a:rPr lang="en-US" sz="1600" kern="1200" dirty="0"/>
+            <a:t> </a:t>
+          </a:r>
+          <a:r>
+            <a:rPr lang="en-US" sz="1600" kern="1200" dirty="0" err="1"/>
+            <a:t>por</a:t>
+          </a:r>
+          <a:r>
+            <a:rPr lang="en-US" sz="1600" kern="1200" dirty="0"/>
+            <a:t> </a:t>
+          </a:r>
+          <a:r>
+            <a:rPr lang="en-US" sz="1600" kern="1200" dirty="0" err="1"/>
+            <a:t>analistas</a:t>
+          </a:r>
+          <a:r>
+            <a:rPr lang="en-US" sz="1600" kern="1200" dirty="0"/>
+            <a:t>.</a:t>
           </a:r>
         </a:p>
       </dsp:txBody>
@@ -5875,408 +4966,7 @@
         </a:fontRef>
       </dsp:style>
       <dsp:txBody>
-        <a:bodyPr spcFirstLastPara="0" vert="horz" wrap="square" lIns="137160" tIns="137160" rIns="137160" bIns="137160" numCol="1" spcCol="1270" anchor="ctr" anchorCtr="0">
-          <a:noAutofit/>
-        </a:bodyPr>
-        <a:lstStyle/>
-        <a:p>
-          <a:pPr marL="0" lvl="0" indent="0" algn="ctr" defTabSz="1600200">
-            <a:lnSpc>
-              <a:spcPct val="90000"/>
-            </a:lnSpc>
-            <a:spcBef>
-              <a:spcPct val="0"/>
-            </a:spcBef>
-            <a:spcAft>
-              <a:spcPct val="35000"/>
-            </a:spcAft>
-            <a:buNone/>
-          </a:pPr>
-          <a:r>
-            <a:rPr lang="en-US" sz="3600" kern="1200"/>
-            <a:t>División: 80% para entrenamiento, 20% para prueba.</a:t>
-          </a:r>
-        </a:p>
-      </dsp:txBody>
-      <dsp:txXfrm>
-        <a:off x="4131082" y="1052365"/>
-        <a:ext cx="3754654" cy="2252792"/>
-      </dsp:txXfrm>
-    </dsp:sp>
-  </dsp:spTree>
-</dsp:drawing>
-</file>
-
-<file path=ppt/diagrams/drawing3.xml><?xml version="1.0" encoding="utf-8"?>
-<dsp:drawing xmlns:dgm="http://schemas.openxmlformats.org/drawingml/2006/diagram" xmlns:dsp="http://schemas.microsoft.com/office/drawing/2008/diagram" xmlns:a="http://schemas.openxmlformats.org/drawingml/2006/main">
-  <dsp:spTree>
-    <dsp:nvGrpSpPr>
-      <dsp:cNvPr id="0" name=""/>
-      <dsp:cNvGrpSpPr/>
-    </dsp:nvGrpSpPr>
-    <dsp:grpSpPr/>
-    <dsp:sp modelId="{89C7C10E-A41E-442A-9B48-D19D4AA766A5}">
-      <dsp:nvSpPr>
-        <dsp:cNvPr id="0" name=""/>
-        <dsp:cNvSpPr/>
-      </dsp:nvSpPr>
-      <dsp:spPr>
-        <a:xfrm>
-          <a:off x="0" y="4274295"/>
-          <a:ext cx="4358346" cy="1402919"/>
-        </a:xfrm>
-        <a:prstGeom prst="rect">
-          <a:avLst/>
-        </a:prstGeom>
-        <a:solidFill>
-          <a:schemeClr val="accent2">
-            <a:hueOff val="0"/>
-            <a:satOff val="0"/>
-            <a:lumOff val="0"/>
-            <a:alphaOff val="0"/>
-          </a:schemeClr>
-        </a:solidFill>
-        <a:ln w="25400" cap="flat" cmpd="sng" algn="ctr">
-          <a:solidFill>
-            <a:schemeClr val="lt1">
-              <a:hueOff val="0"/>
-              <a:satOff val="0"/>
-              <a:lumOff val="0"/>
-              <a:alphaOff val="0"/>
-            </a:schemeClr>
-          </a:solidFill>
-          <a:prstDash val="solid"/>
-        </a:ln>
-        <a:effectLst/>
-      </dsp:spPr>
-      <dsp:style>
-        <a:lnRef idx="2">
-          <a:scrgbClr r="0" g="0" b="0"/>
-        </a:lnRef>
-        <a:fillRef idx="1">
-          <a:scrgbClr r="0" g="0" b="0"/>
-        </a:fillRef>
-        <a:effectRef idx="0">
-          <a:scrgbClr r="0" g="0" b="0"/>
-        </a:effectRef>
-        <a:fontRef idx="minor">
-          <a:schemeClr val="lt1"/>
-        </a:fontRef>
-      </dsp:style>
-      <dsp:txBody>
-        <a:bodyPr spcFirstLastPara="0" vert="horz" wrap="square" lIns="170688" tIns="170688" rIns="170688" bIns="170688" numCol="1" spcCol="1270" anchor="ctr" anchorCtr="0">
-          <a:noAutofit/>
-        </a:bodyPr>
-        <a:lstStyle/>
-        <a:p>
-          <a:pPr marL="0" lvl="0" indent="0" algn="ctr" defTabSz="1066800">
-            <a:lnSpc>
-              <a:spcPct val="90000"/>
-            </a:lnSpc>
-            <a:spcBef>
-              <a:spcPct val="0"/>
-            </a:spcBef>
-            <a:spcAft>
-              <a:spcPct val="35000"/>
-            </a:spcAft>
-            <a:buNone/>
-          </a:pPr>
-          <a:r>
-            <a:rPr lang="en-US" sz="2400" kern="1200"/>
-            <a:t>Comparación para seleccionar el modelo con mayor precisión y menor error.</a:t>
-          </a:r>
-        </a:p>
-      </dsp:txBody>
-      <dsp:txXfrm>
-        <a:off x="0" y="4274295"/>
-        <a:ext cx="4358346" cy="1402919"/>
-      </dsp:txXfrm>
-    </dsp:sp>
-    <dsp:sp modelId="{2F2A2CA8-10A1-43D6-B241-42F65E9B8C91}">
-      <dsp:nvSpPr>
-        <dsp:cNvPr id="0" name=""/>
-        <dsp:cNvSpPr/>
-      </dsp:nvSpPr>
-      <dsp:spPr>
-        <a:xfrm rot="10800000">
-          <a:off x="0" y="2137649"/>
-          <a:ext cx="4358346" cy="2157689"/>
-        </a:xfrm>
-        <a:prstGeom prst="upArrowCallout">
-          <a:avLst/>
-        </a:prstGeom>
-        <a:solidFill>
-          <a:schemeClr val="accent2">
-            <a:hueOff val="2340759"/>
-            <a:satOff val="-2919"/>
-            <a:lumOff val="686"/>
-            <a:alphaOff val="0"/>
-          </a:schemeClr>
-        </a:solidFill>
-        <a:ln w="25400" cap="flat" cmpd="sng" algn="ctr">
-          <a:solidFill>
-            <a:schemeClr val="lt1">
-              <a:hueOff val="0"/>
-              <a:satOff val="0"/>
-              <a:lumOff val="0"/>
-              <a:alphaOff val="0"/>
-            </a:schemeClr>
-          </a:solidFill>
-          <a:prstDash val="solid"/>
-        </a:ln>
-        <a:effectLst/>
-      </dsp:spPr>
-      <dsp:style>
-        <a:lnRef idx="2">
-          <a:scrgbClr r="0" g="0" b="0"/>
-        </a:lnRef>
-        <a:fillRef idx="1">
-          <a:scrgbClr r="0" g="0" b="0"/>
-        </a:fillRef>
-        <a:effectRef idx="0">
-          <a:scrgbClr r="0" g="0" b="0"/>
-        </a:effectRef>
-        <a:fontRef idx="minor">
-          <a:schemeClr val="lt1"/>
-        </a:fontRef>
-      </dsp:style>
-      <dsp:txBody>
-        <a:bodyPr spcFirstLastPara="0" vert="horz" wrap="square" lIns="170688" tIns="170688" rIns="170688" bIns="170688" numCol="1" spcCol="1270" anchor="ctr" anchorCtr="0">
-          <a:noAutofit/>
-        </a:bodyPr>
-        <a:lstStyle/>
-        <a:p>
-          <a:pPr marL="0" lvl="0" indent="0" algn="ctr" defTabSz="1066800">
-            <a:lnSpc>
-              <a:spcPct val="90000"/>
-            </a:lnSpc>
-            <a:spcBef>
-              <a:spcPct val="0"/>
-            </a:spcBef>
-            <a:spcAft>
-              <a:spcPct val="35000"/>
-            </a:spcAft>
-            <a:buNone/>
-          </a:pPr>
-          <a:r>
-            <a:rPr lang="en-US" sz="2400" kern="1200"/>
-            <a:t>Métricas: Matriz de confusión, Precisión, Recall, F1-score.</a:t>
-          </a:r>
-        </a:p>
-      </dsp:txBody>
-      <dsp:txXfrm rot="10800000">
-        <a:off x="0" y="2137649"/>
-        <a:ext cx="4358346" cy="1402002"/>
-      </dsp:txXfrm>
-    </dsp:sp>
-    <dsp:sp modelId="{F8928F9D-B07D-4ECD-8B74-08CC4EBA4C80}">
-      <dsp:nvSpPr>
-        <dsp:cNvPr id="0" name=""/>
-        <dsp:cNvSpPr/>
-      </dsp:nvSpPr>
-      <dsp:spPr>
-        <a:xfrm rot="10800000">
-          <a:off x="0" y="1003"/>
-          <a:ext cx="4358346" cy="2157689"/>
-        </a:xfrm>
-        <a:prstGeom prst="upArrowCallout">
-          <a:avLst/>
-        </a:prstGeom>
-        <a:solidFill>
-          <a:schemeClr val="accent2">
-            <a:hueOff val="4681519"/>
-            <a:satOff val="-5839"/>
-            <a:lumOff val="1373"/>
-            <a:alphaOff val="0"/>
-          </a:schemeClr>
-        </a:solidFill>
-        <a:ln w="25400" cap="flat" cmpd="sng" algn="ctr">
-          <a:solidFill>
-            <a:schemeClr val="lt1">
-              <a:hueOff val="0"/>
-              <a:satOff val="0"/>
-              <a:lumOff val="0"/>
-              <a:alphaOff val="0"/>
-            </a:schemeClr>
-          </a:solidFill>
-          <a:prstDash val="solid"/>
-        </a:ln>
-        <a:effectLst/>
-      </dsp:spPr>
-      <dsp:style>
-        <a:lnRef idx="2">
-          <a:scrgbClr r="0" g="0" b="0"/>
-        </a:lnRef>
-        <a:fillRef idx="1">
-          <a:scrgbClr r="0" g="0" b="0"/>
-        </a:fillRef>
-        <a:effectRef idx="0">
-          <a:scrgbClr r="0" g="0" b="0"/>
-        </a:effectRef>
-        <a:fontRef idx="minor">
-          <a:schemeClr val="lt1"/>
-        </a:fontRef>
-      </dsp:style>
-      <dsp:txBody>
-        <a:bodyPr spcFirstLastPara="0" vert="horz" wrap="square" lIns="170688" tIns="170688" rIns="170688" bIns="170688" numCol="1" spcCol="1270" anchor="ctr" anchorCtr="0">
-          <a:noAutofit/>
-        </a:bodyPr>
-        <a:lstStyle/>
-        <a:p>
-          <a:pPr marL="0" lvl="0" indent="0" algn="ctr" defTabSz="1066800">
-            <a:lnSpc>
-              <a:spcPct val="90000"/>
-            </a:lnSpc>
-            <a:spcBef>
-              <a:spcPct val="0"/>
-            </a:spcBef>
-            <a:spcAft>
-              <a:spcPct val="35000"/>
-            </a:spcAft>
-            <a:buNone/>
-          </a:pPr>
-          <a:r>
-            <a:rPr lang="en-US" sz="2400" kern="1200" dirty="0" err="1"/>
-            <a:t>Modelos</a:t>
-          </a:r>
-          <a:r>
-            <a:rPr lang="en-US" sz="2400" kern="1200" dirty="0"/>
-            <a:t> a </a:t>
-          </a:r>
-          <a:r>
-            <a:rPr lang="en-US" sz="2400" kern="1200" dirty="0" err="1"/>
-            <a:t>evaluar</a:t>
-          </a:r>
-          <a:r>
-            <a:rPr lang="en-US" sz="2400" kern="1200" dirty="0"/>
-            <a:t>: </a:t>
-          </a:r>
-          <a:r>
-            <a:rPr lang="en-US" sz="2400" kern="1200" dirty="0" err="1"/>
-            <a:t>Regresión</a:t>
-          </a:r>
-          <a:r>
-            <a:rPr lang="en-US" sz="2400" kern="1200" dirty="0"/>
-            <a:t> </a:t>
-          </a:r>
-          <a:r>
-            <a:rPr lang="en-US" sz="2400" kern="1200" dirty="0" err="1"/>
-            <a:t>Logística</a:t>
-          </a:r>
-          <a:r>
-            <a:rPr lang="en-US" sz="2400" kern="1200" dirty="0"/>
-            <a:t>, Random Forest, </a:t>
-          </a:r>
-          <a:r>
-            <a:rPr lang="en-US" sz="2400" kern="1200" dirty="0" err="1"/>
-            <a:t>XGBoost</a:t>
-          </a:r>
-          <a:r>
-            <a:rPr lang="en-US" sz="2400" kern="1200"/>
-            <a:t> lineal.</a:t>
-          </a:r>
-          <a:endParaRPr lang="en-US" sz="2400" kern="1200" dirty="0"/>
-        </a:p>
-      </dsp:txBody>
-      <dsp:txXfrm rot="10800000">
-        <a:off x="0" y="1003"/>
-        <a:ext cx="4358346" cy="1402002"/>
-      </dsp:txXfrm>
-    </dsp:sp>
-  </dsp:spTree>
-</dsp:drawing>
-</file>
-
-<file path=ppt/diagrams/drawing4.xml><?xml version="1.0" encoding="utf-8"?>
-<dsp:drawing xmlns:dgm="http://schemas.openxmlformats.org/drawingml/2006/diagram" xmlns:dsp="http://schemas.microsoft.com/office/drawing/2008/diagram" xmlns:a="http://schemas.openxmlformats.org/drawingml/2006/main">
-  <dsp:spTree>
-    <dsp:nvGrpSpPr>
-      <dsp:cNvPr id="0" name=""/>
-      <dsp:cNvGrpSpPr/>
-    </dsp:nvGrpSpPr>
-    <dsp:grpSpPr/>
-    <dsp:sp modelId="{E6BDB58D-CEF2-4A83-850D-45C98852C66A}">
-      <dsp:nvSpPr>
-        <dsp:cNvPr id="0" name=""/>
-        <dsp:cNvSpPr/>
-      </dsp:nvSpPr>
-      <dsp:spPr>
-        <a:xfrm>
-          <a:off x="738477" y="1037662"/>
-          <a:ext cx="1079825" cy="1079825"/>
-        </a:xfrm>
-        <a:prstGeom prst="rect">
-          <a:avLst/>
-        </a:prstGeom>
-        <a:blipFill>
-          <a:blip xmlns:r="http://schemas.openxmlformats.org/officeDocument/2006/relationships" r:embed="rId1">
-            <a:extLst>
-              <a:ext uri="{28A0092B-C50C-407E-A947-70E740481C1C}">
-                <a14:useLocalDpi xmlns:a14="http://schemas.microsoft.com/office/drawing/2010/main" val="0"/>
-              </a:ext>
-              <a:ext uri="{96DAC541-7B7A-43D3-8B79-37D633B846F1}">
-                <asvg:svgBlip xmlns:asvg="http://schemas.microsoft.com/office/drawing/2016/SVG/main" r:embed="rId2"/>
-              </a:ext>
-            </a:extLst>
-          </a:blip>
-          <a:stretch>
-            <a:fillRect/>
-          </a:stretch>
-        </a:blipFill>
-        <a:ln w="25400" cap="flat" cmpd="sng" algn="ctr">
-          <a:noFill/>
-          <a:prstDash val="solid"/>
-        </a:ln>
-        <a:effectLst/>
-      </dsp:spPr>
-      <dsp:style>
-        <a:lnRef idx="2">
-          <a:scrgbClr r="0" g="0" b="0"/>
-        </a:lnRef>
-        <a:fillRef idx="1">
-          <a:scrgbClr r="0" g="0" b="0"/>
-        </a:fillRef>
-        <a:effectRef idx="0">
-          <a:scrgbClr r="0" g="0" b="0"/>
-        </a:effectRef>
-        <a:fontRef idx="minor">
-          <a:schemeClr val="lt1"/>
-        </a:fontRef>
-      </dsp:style>
-    </dsp:sp>
-    <dsp:sp modelId="{508BF80E-AA54-4B49-849E-670ED75F3563}">
-      <dsp:nvSpPr>
-        <dsp:cNvPr id="0" name=""/>
-        <dsp:cNvSpPr/>
-      </dsp:nvSpPr>
-      <dsp:spPr>
-        <a:xfrm>
-          <a:off x="78583" y="2435142"/>
-          <a:ext cx="2399612" cy="720000"/>
-        </a:xfrm>
-        <a:prstGeom prst="rect">
-          <a:avLst/>
-        </a:prstGeom>
-        <a:noFill/>
-        <a:ln>
-          <a:noFill/>
-        </a:ln>
-        <a:effectLst/>
-      </dsp:spPr>
-      <dsp:style>
-        <a:lnRef idx="0">
-          <a:scrgbClr r="0" g="0" b="0"/>
-        </a:lnRef>
-        <a:fillRef idx="0">
-          <a:scrgbClr r="0" g="0" b="0"/>
-        </a:fillRef>
-        <a:effectRef idx="0">
-          <a:scrgbClr r="0" g="0" b="0"/>
-        </a:effectRef>
-        <a:fontRef idx="minor"/>
-      </dsp:style>
-      <dsp:txBody>
-        <a:bodyPr spcFirstLastPara="0" vert="horz" wrap="square" lIns="0" tIns="0" rIns="0" bIns="0" numCol="1" spcCol="1270" anchor="t" anchorCtr="0">
+        <a:bodyPr spcFirstLastPara="0" vert="horz" wrap="square" lIns="60960" tIns="60960" rIns="60960" bIns="60960" numCol="1" spcCol="1270" anchor="ctr" anchorCtr="0">
           <a:noAutofit/>
         </a:bodyPr>
         <a:lstStyle/>
@@ -6294,360 +4984,14 @@
             <a:buNone/>
           </a:pPr>
           <a:r>
-            <a:rPr lang="en-US" sz="1600" kern="1200" dirty="0"/>
-            <a:t>Umbral de </a:t>
-          </a:r>
-          <a:r>
-            <a:rPr lang="en-US" sz="1600" kern="1200" dirty="0" err="1"/>
-            <a:t>decisión</a:t>
-          </a:r>
-          <a:r>
-            <a:rPr lang="en-US" sz="1600" kern="1200" dirty="0"/>
-            <a:t>: </a:t>
-          </a:r>
-          <a:r>
-            <a:rPr lang="en-US" sz="1600" kern="1200" dirty="0" err="1"/>
-            <a:t>Probabilidad</a:t>
-          </a:r>
-          <a:r>
-            <a:rPr lang="en-US" sz="1600" kern="1200" dirty="0"/>
-            <a:t> ≥ 80% → </a:t>
-          </a:r>
-          <a:r>
-            <a:rPr lang="en-US" sz="1600" kern="1200" dirty="0" err="1"/>
-            <a:t>Legalización</a:t>
-          </a:r>
-          <a:r>
-            <a:rPr lang="en-US" sz="1600" kern="1200" dirty="0"/>
-            <a:t> </a:t>
-          </a:r>
-          <a:r>
-            <a:rPr lang="en-US" sz="1600" kern="1200" dirty="0" err="1"/>
-            <a:t>automática</a:t>
-          </a:r>
-          <a:r>
-            <a:rPr lang="en-US" sz="1600" kern="1200" dirty="0"/>
-            <a:t>.</a:t>
+            <a:rPr lang="en-US" sz="1600" kern="1200"/>
+            <a:t>División: 80% para entrenamiento, 20% para prueba.</a:t>
           </a:r>
         </a:p>
       </dsp:txBody>
       <dsp:txXfrm>
-        <a:off x="78583" y="2435142"/>
-        <a:ext cx="2399612" cy="720000"/>
-      </dsp:txXfrm>
-    </dsp:sp>
-    <dsp:sp modelId="{AB1F3AA7-8440-4F86-B097-5EE8BDC137C4}">
-      <dsp:nvSpPr>
-        <dsp:cNvPr id="0" name=""/>
-        <dsp:cNvSpPr/>
-      </dsp:nvSpPr>
-      <dsp:spPr>
-        <a:xfrm>
-          <a:off x="3558022" y="1037662"/>
-          <a:ext cx="1079825" cy="1079825"/>
-        </a:xfrm>
-        <a:prstGeom prst="rect">
-          <a:avLst/>
-        </a:prstGeom>
-        <a:blipFill>
-          <a:blip xmlns:r="http://schemas.openxmlformats.org/officeDocument/2006/relationships" r:embed="rId3">
-            <a:extLst>
-              <a:ext uri="{28A0092B-C50C-407E-A947-70E740481C1C}">
-                <a14:useLocalDpi xmlns:a14="http://schemas.microsoft.com/office/drawing/2010/main" val="0"/>
-              </a:ext>
-              <a:ext uri="{96DAC541-7B7A-43D3-8B79-37D633B846F1}">
-                <asvg:svgBlip xmlns:asvg="http://schemas.microsoft.com/office/drawing/2016/SVG/main" r:embed="rId4"/>
-              </a:ext>
-            </a:extLst>
-          </a:blip>
-          <a:stretch>
-            <a:fillRect/>
-          </a:stretch>
-        </a:blipFill>
-        <a:ln w="25400" cap="flat" cmpd="sng" algn="ctr">
-          <a:noFill/>
-          <a:prstDash val="solid"/>
-        </a:ln>
-        <a:effectLst/>
-      </dsp:spPr>
-      <dsp:style>
-        <a:lnRef idx="2">
-          <a:scrgbClr r="0" g="0" b="0"/>
-        </a:lnRef>
-        <a:fillRef idx="1">
-          <a:scrgbClr r="0" g="0" b="0"/>
-        </a:fillRef>
-        <a:effectRef idx="0">
-          <a:scrgbClr r="0" g="0" b="0"/>
-        </a:effectRef>
-        <a:fontRef idx="minor">
-          <a:schemeClr val="lt1"/>
-        </a:fontRef>
-      </dsp:style>
-    </dsp:sp>
-    <dsp:sp modelId="{BFC99414-262E-4950-91BB-88D0AAF37D81}">
-      <dsp:nvSpPr>
-        <dsp:cNvPr id="0" name=""/>
-        <dsp:cNvSpPr/>
-      </dsp:nvSpPr>
-      <dsp:spPr>
-        <a:xfrm>
-          <a:off x="2898129" y="2435142"/>
-          <a:ext cx="2399612" cy="720000"/>
-        </a:xfrm>
-        <a:prstGeom prst="rect">
-          <a:avLst/>
-        </a:prstGeom>
-        <a:noFill/>
-        <a:ln>
-          <a:noFill/>
-        </a:ln>
-        <a:effectLst/>
-      </dsp:spPr>
-      <dsp:style>
-        <a:lnRef idx="0">
-          <a:scrgbClr r="0" g="0" b="0"/>
-        </a:lnRef>
-        <a:fillRef idx="0">
-          <a:scrgbClr r="0" g="0" b="0"/>
-        </a:fillRef>
-        <a:effectRef idx="0">
-          <a:scrgbClr r="0" g="0" b="0"/>
-        </a:effectRef>
-        <a:fontRef idx="minor"/>
-      </dsp:style>
-      <dsp:txBody>
-        <a:bodyPr spcFirstLastPara="0" vert="horz" wrap="square" lIns="0" tIns="0" rIns="0" bIns="0" numCol="1" spcCol="1270" anchor="t" anchorCtr="0">
-          <a:noAutofit/>
-        </a:bodyPr>
-        <a:lstStyle/>
-        <a:p>
-          <a:pPr marL="0" lvl="0" indent="0" algn="ctr" defTabSz="711200">
-            <a:lnSpc>
-              <a:spcPct val="90000"/>
-            </a:lnSpc>
-            <a:spcBef>
-              <a:spcPct val="0"/>
-            </a:spcBef>
-            <a:spcAft>
-              <a:spcPct val="35000"/>
-            </a:spcAft>
-            <a:buNone/>
-          </a:pPr>
-          <a:r>
-            <a:rPr lang="en-US" sz="1600" kern="1200" dirty="0" err="1"/>
-            <a:t>Órdenes</a:t>
-          </a:r>
-          <a:r>
-            <a:rPr lang="en-US" sz="1600" kern="1200" dirty="0"/>
-            <a:t> con </a:t>
-          </a:r>
-          <a:r>
-            <a:rPr lang="en-US" sz="1600" kern="1200" dirty="0" err="1"/>
-            <a:t>menor</a:t>
-          </a:r>
-          <a:r>
-            <a:rPr lang="en-US" sz="1600" kern="1200" dirty="0"/>
-            <a:t> </a:t>
-          </a:r>
-          <a:r>
-            <a:rPr lang="en-US" sz="1600" kern="1200" dirty="0" err="1"/>
-            <a:t>probabilidad</a:t>
-          </a:r>
-          <a:r>
-            <a:rPr lang="en-US" sz="1600" kern="1200" dirty="0"/>
-            <a:t> son </a:t>
-          </a:r>
-          <a:r>
-            <a:rPr lang="en-US" sz="1600" kern="1200" dirty="0" err="1"/>
-            <a:t>revisadas</a:t>
-          </a:r>
-          <a:r>
-            <a:rPr lang="en-US" sz="1600" kern="1200" dirty="0"/>
-            <a:t> </a:t>
-          </a:r>
-          <a:r>
-            <a:rPr lang="en-US" sz="1600" kern="1200" dirty="0" err="1"/>
-            <a:t>manualmente</a:t>
-          </a:r>
-          <a:r>
-            <a:rPr lang="en-US" sz="1600" kern="1200" dirty="0"/>
-            <a:t>.</a:t>
-          </a:r>
-        </a:p>
-      </dsp:txBody>
-      <dsp:txXfrm>
-        <a:off x="2898129" y="2435142"/>
-        <a:ext cx="2399612" cy="720000"/>
-      </dsp:txXfrm>
-    </dsp:sp>
-    <dsp:sp modelId="{49471EC7-A1EC-42DC-9E87-641BE13C2838}">
-      <dsp:nvSpPr>
-        <dsp:cNvPr id="0" name=""/>
-        <dsp:cNvSpPr/>
-      </dsp:nvSpPr>
-      <dsp:spPr>
-        <a:xfrm>
-          <a:off x="6377567" y="1037662"/>
-          <a:ext cx="1079825" cy="1079825"/>
-        </a:xfrm>
-        <a:prstGeom prst="rect">
-          <a:avLst/>
-        </a:prstGeom>
-        <a:blipFill>
-          <a:blip xmlns:r="http://schemas.openxmlformats.org/officeDocument/2006/relationships" r:embed="rId5">
-            <a:extLst>
-              <a:ext uri="{28A0092B-C50C-407E-A947-70E740481C1C}">
-                <a14:useLocalDpi xmlns:a14="http://schemas.microsoft.com/office/drawing/2010/main" val="0"/>
-              </a:ext>
-              <a:ext uri="{96DAC541-7B7A-43D3-8B79-37D633B846F1}">
-                <asvg:svgBlip xmlns:asvg="http://schemas.microsoft.com/office/drawing/2016/SVG/main" r:embed="rId6"/>
-              </a:ext>
-            </a:extLst>
-          </a:blip>
-          <a:stretch>
-            <a:fillRect/>
-          </a:stretch>
-        </a:blipFill>
-        <a:ln w="25400" cap="flat" cmpd="sng" algn="ctr">
-          <a:noFill/>
-          <a:prstDash val="solid"/>
-        </a:ln>
-        <a:effectLst/>
-      </dsp:spPr>
-      <dsp:style>
-        <a:lnRef idx="2">
-          <a:scrgbClr r="0" g="0" b="0"/>
-        </a:lnRef>
-        <a:fillRef idx="1">
-          <a:scrgbClr r="0" g="0" b="0"/>
-        </a:fillRef>
-        <a:effectRef idx="0">
-          <a:scrgbClr r="0" g="0" b="0"/>
-        </a:effectRef>
-        <a:fontRef idx="minor">
-          <a:schemeClr val="lt1"/>
-        </a:fontRef>
-      </dsp:style>
-    </dsp:sp>
-    <dsp:sp modelId="{15EA4396-90FD-4BC9-850E-C893F1EF003B}">
-      <dsp:nvSpPr>
-        <dsp:cNvPr id="0" name=""/>
-        <dsp:cNvSpPr/>
-      </dsp:nvSpPr>
-      <dsp:spPr>
-        <a:xfrm>
-          <a:off x="5717674" y="2435142"/>
-          <a:ext cx="2399612" cy="720000"/>
-        </a:xfrm>
-        <a:prstGeom prst="rect">
-          <a:avLst/>
-        </a:prstGeom>
-        <a:noFill/>
-        <a:ln>
-          <a:noFill/>
-        </a:ln>
-        <a:effectLst/>
-      </dsp:spPr>
-      <dsp:style>
-        <a:lnRef idx="0">
-          <a:scrgbClr r="0" g="0" b="0"/>
-        </a:lnRef>
-        <a:fillRef idx="0">
-          <a:scrgbClr r="0" g="0" b="0"/>
-        </a:fillRef>
-        <a:effectRef idx="0">
-          <a:scrgbClr r="0" g="0" b="0"/>
-        </a:effectRef>
-        <a:fontRef idx="minor"/>
-      </dsp:style>
-      <dsp:txBody>
-        <a:bodyPr spcFirstLastPara="0" vert="horz" wrap="square" lIns="0" tIns="0" rIns="0" bIns="0" numCol="1" spcCol="1270" anchor="t" anchorCtr="0">
-          <a:noAutofit/>
-        </a:bodyPr>
-        <a:lstStyle/>
-        <a:p>
-          <a:pPr marL="0" lvl="0" indent="0" algn="ctr" defTabSz="711200">
-            <a:lnSpc>
-              <a:spcPct val="90000"/>
-            </a:lnSpc>
-            <a:spcBef>
-              <a:spcPct val="0"/>
-            </a:spcBef>
-            <a:spcAft>
-              <a:spcPct val="35000"/>
-            </a:spcAft>
-            <a:buNone/>
-          </a:pPr>
-          <a:r>
-            <a:rPr lang="en-US" sz="1600" kern="1200" dirty="0" err="1"/>
-            <a:t>Beneficios</a:t>
-          </a:r>
-          <a:r>
-            <a:rPr lang="en-US" sz="1600" kern="1200" dirty="0"/>
-            <a:t>: </a:t>
-          </a:r>
-          <a:r>
-            <a:rPr lang="en-US" sz="1600" kern="1200" dirty="0" err="1"/>
-            <a:t>Reducción</a:t>
-          </a:r>
-          <a:r>
-            <a:rPr lang="en-US" sz="1600" kern="1200" dirty="0"/>
-            <a:t> de </a:t>
-          </a:r>
-          <a:r>
-            <a:rPr lang="en-US" sz="1600" kern="1200" dirty="0" err="1"/>
-            <a:t>revisiones</a:t>
-          </a:r>
-          <a:r>
-            <a:rPr lang="en-US" sz="1600" kern="1200" dirty="0"/>
-            <a:t> </a:t>
-          </a:r>
-          <a:r>
-            <a:rPr lang="en-US" sz="1600" kern="1200" dirty="0" err="1"/>
-            <a:t>en</a:t>
-          </a:r>
-          <a:r>
-            <a:rPr lang="en-US" sz="1600" kern="1200" dirty="0"/>
-            <a:t> </a:t>
-          </a:r>
-          <a:r>
-            <a:rPr lang="en-US" sz="1600" kern="1200" dirty="0" err="1"/>
-            <a:t>terreno</a:t>
-          </a:r>
-          <a:r>
-            <a:rPr lang="en-US" sz="1600" kern="1200" dirty="0"/>
-            <a:t>, </a:t>
-          </a:r>
-          <a:r>
-            <a:rPr lang="en-US" sz="1600" kern="1200" dirty="0" err="1"/>
-            <a:t>ahorro</a:t>
-          </a:r>
-          <a:r>
-            <a:rPr lang="en-US" sz="1600" kern="1200" dirty="0"/>
-            <a:t> </a:t>
-          </a:r>
-          <a:r>
-            <a:rPr lang="en-US" sz="1600" kern="1200" dirty="0" err="1"/>
-            <a:t>operativo</a:t>
-          </a:r>
-          <a:r>
-            <a:rPr lang="en-US" sz="1600" kern="1200" dirty="0"/>
-            <a:t>, mayor </a:t>
-          </a:r>
-          <a:r>
-            <a:rPr lang="en-US" sz="1600" kern="1200" dirty="0" err="1"/>
-            <a:t>eficiencia</a:t>
-          </a:r>
-          <a:r>
-            <a:rPr lang="en-US" sz="1600" kern="1200" dirty="0"/>
-            <a:t>.</a:t>
-          </a:r>
-        </a:p>
-      </dsp:txBody>
-      <dsp:txXfrm>
-        <a:off x="5717674" y="2435142"/>
-        <a:ext cx="2399612" cy="720000"/>
+        <a:off x="4131082" y="1052365"/>
+        <a:ext cx="3754654" cy="2252792"/>
       </dsp:txXfrm>
     </dsp:sp>
   </dsp:spTree>
@@ -6655,447 +4999,6 @@
 </file>
 
 <file path=ppt/diagrams/layout1.xml><?xml version="1.0" encoding="utf-8"?>
-<dgm:layoutDef xmlns:dgm="http://schemas.openxmlformats.org/drawingml/2006/diagram" xmlns:a="http://schemas.openxmlformats.org/drawingml/2006/main" uniqueId="urn:microsoft.com/office/officeart/2018/2/layout/IconVerticalSolidList">
-  <dgm:title val="Icon Vertical Solid List"/>
-  <dgm:desc val="Use to show a series of visuals from top to bottom with Level 1 or Level 1 and Level 2 text grouped in a shape. Works best with icons or small pictures with lengthier descriptions."/>
-  <dgm:catLst>
-    <dgm:cat type="icon" pri="500"/>
-  </dgm:catLst>
-  <dgm:sampData useDef="1">
-    <dgm:dataModel>
-      <dgm:ptLst/>
-      <dgm:bg/>
-      <dgm:whole/>
-    </dgm:dataModel>
-  </dgm:sampData>
-  <dgm:styleData useDef="1">
-    <dgm:dataModel>
-      <dgm:ptLst/>
-      <dgm:bg/>
-      <dgm:whole/>
-    </dgm:dataModel>
-  </dgm:styleData>
-  <dgm:clrData useDef="1">
-    <dgm:dataModel>
-      <dgm:ptLst/>
-      <dgm:bg/>
-      <dgm:whole/>
-    </dgm:dataModel>
-  </dgm:clrData>
-  <dgm:layoutNode name="root">
-    <dgm:varLst>
-      <dgm:dir/>
-      <dgm:resizeHandles val="exact"/>
-    </dgm:varLst>
-    <dgm:choose name="Name0">
-      <dgm:if name="Name1" axis="self" func="var" arg="dir" op="equ" val="norm">
-        <dgm:alg type="lin">
-          <dgm:param type="linDir" val="fromT"/>
-          <dgm:param type="nodeHorzAlign" val="l"/>
-        </dgm:alg>
-      </dgm:if>
-      <dgm:else name="Name2">
-        <dgm:alg type="lin">
-          <dgm:param type="linDir" val="fromT"/>
-          <dgm:param type="nodeHorzAlign" val="r"/>
-        </dgm:alg>
-      </dgm:else>
-    </dgm:choose>
-    <dgm:shape xmlns:r="http://schemas.openxmlformats.org/officeDocument/2006/relationships" r:blip="">
-      <dgm:adjLst/>
-    </dgm:shape>
-    <dgm:presOf/>
-    <dgm:choose name="Name3">
-      <dgm:if name="Name4" axis="ch" ptType="node" func="cnt" op="lte" val="3">
-        <dgm:constrLst>
-          <dgm:constr type="h" for="ch" forName="compNode" refType="h" fact="0.3"/>
-          <dgm:constr type="w" for="ch" forName="compNode" refType="w"/>
-          <dgm:constr type="h" for="ch" forName="sibTrans" refType="h" refFor="ch" refForName="compNode" fact="0.25"/>
-          <dgm:constr type="primFontSz" for="des" forName="parTx" val="25"/>
-          <dgm:constr type="primFontSz" for="des" forName="desTx" refType="primFontSz" refFor="des" refForName="parTx" op="lte" fact="0.75"/>
-          <dgm:constr type="h" for="des" forName="compNode" op="equ"/>
-          <dgm:constr type="h" for="des" forName="bgRect" op="equ"/>
-          <dgm:constr type="h" for="des" forName="iconRect" op="equ"/>
-          <dgm:constr type="w" for="des" forName="iconRect" op="equ"/>
-          <dgm:constr type="h" for="des" forName="spaceRect" op="equ"/>
-          <dgm:constr type="h" for="des" forName="parTx" op="equ"/>
-          <dgm:constr type="h" for="des" forName="desTx" op="equ"/>
-        </dgm:constrLst>
-      </dgm:if>
-      <dgm:if name="Name5" axis="ch" ptType="node" func="cnt" op="lte" val="4">
-        <dgm:constrLst>
-          <dgm:constr type="h" for="ch" forName="compNode" refType="h" fact="0.3"/>
-          <dgm:constr type="w" for="ch" forName="compNode" refType="w"/>
-          <dgm:constr type="h" for="ch" forName="sibTrans" refType="h" refFor="ch" refForName="compNode" fact="0.25"/>
-          <dgm:constr type="primFontSz" for="des" forName="parTx" val="22"/>
-          <dgm:constr type="primFontSz" for="des" forName="desTx" refType="primFontSz" refFor="des" refForName="parTx" op="lte" fact="0.75"/>
-          <dgm:constr type="h" for="des" forName="compNode" op="equ"/>
-          <dgm:constr type="h" for="des" forName="bgRect" op="equ"/>
-          <dgm:constr type="h" for="des" forName="iconRect" op="equ"/>
-          <dgm:constr type="w" for="des" forName="iconRect" op="equ"/>
-          <dgm:constr type="h" for="des" forName="spaceRect" op="equ"/>
-          <dgm:constr type="h" for="des" forName="parTx" op="equ"/>
-          <dgm:constr type="h" for="des" forName="desTx" op="equ"/>
-        </dgm:constrLst>
-      </dgm:if>
-      <dgm:if name="Name6" axis="ch" ptType="node" func="cnt" op="lte" val="6">
-        <dgm:constrLst>
-          <dgm:constr type="h" for="ch" forName="compNode" refType="h" fact="0.3"/>
-          <dgm:constr type="w" for="ch" forName="compNode" refType="w"/>
-          <dgm:constr type="h" for="ch" forName="sibTrans" refType="h" refFor="ch" refForName="compNode" fact="0.25"/>
-          <dgm:constr type="primFontSz" for="des" forName="parTx" val="19"/>
-          <dgm:constr type="primFontSz" for="des" forName="desTx" refType="primFontSz" refFor="des" refForName="parTx" op="lte" fact="0.75"/>
-          <dgm:constr type="h" for="des" forName="compNode" op="equ"/>
-          <dgm:constr type="h" for="des" forName="bgRect" op="equ"/>
-          <dgm:constr type="h" for="des" forName="iconRect" op="equ"/>
-          <dgm:constr type="w" for="des" forName="iconRect" op="equ"/>
-          <dgm:constr type="h" for="des" forName="spaceRect" op="equ"/>
-          <dgm:constr type="h" for="des" forName="parTx" op="equ"/>
-          <dgm:constr type="h" for="des" forName="desTx" op="equ"/>
-        </dgm:constrLst>
-      </dgm:if>
-      <dgm:else name="Name7">
-        <dgm:constrLst>
-          <dgm:constr type="h" for="ch" forName="compNode" refType="h" fact="0.3"/>
-          <dgm:constr type="w" for="ch" forName="compNode" refType="w"/>
-          <dgm:constr type="h" for="ch" forName="sibTrans" refType="h" refFor="ch" refForName="compNode" fact="0.25"/>
-          <dgm:constr type="primFontSz" for="des" forName="parTx" val="16"/>
-          <dgm:constr type="primFontSz" for="des" forName="desTx" refType="primFontSz" refFor="des" refForName="parTx" op="lte" fact="0.75"/>
-          <dgm:constr type="h" for="des" forName="compNode" op="equ"/>
-          <dgm:constr type="h" for="des" forName="bgRect" op="equ"/>
-          <dgm:constr type="h" for="des" forName="iconRect" op="equ"/>
-          <dgm:constr type="w" for="des" forName="iconRect" op="equ"/>
-          <dgm:constr type="h" for="des" forName="spaceRect" op="equ"/>
-          <dgm:constr type="h" for="des" forName="parTx" op="equ"/>
-          <dgm:constr type="h" for="des" forName="desTx" op="equ"/>
-        </dgm:constrLst>
-      </dgm:else>
-    </dgm:choose>
-    <dgm:ruleLst>
-      <dgm:rule type="h" for="ch" forName="compNode" val="0" fact="NaN" max="NaN"/>
-    </dgm:ruleLst>
-    <dgm:forEach name="Name8" axis="ch" ptType="node">
-      <dgm:layoutNode name="compNode">
-        <dgm:alg type="composite"/>
-        <dgm:shape xmlns:r="http://schemas.openxmlformats.org/officeDocument/2006/relationships" r:blip="">
-          <dgm:adjLst/>
-        </dgm:shape>
-        <dgm:presOf axis="self"/>
-        <dgm:choose name="Name9">
-          <dgm:if name="Name10" axis="ch" ptType="node" func="cnt" op="gte" val="1">
-            <dgm:constrLst>
-              <dgm:constr type="w" for="ch" forName="bgRect" refType="w"/>
-              <dgm:constr type="h" for="ch" forName="bgRect" refType="h"/>
-              <dgm:constr type="l" for="ch" forName="bgRect"/>
-              <dgm:constr type="t" for="ch" forName="bgRect"/>
-              <dgm:constr type="h" for="ch" forName="iconRect" refType="h" fact="0.55"/>
-              <dgm:constr type="w" for="ch" forName="iconRect" refType="h" refFor="ch" refForName="iconRect"/>
-              <dgm:constr type="l" for="ch" forName="iconRect" refType="h" refFor="ch" refForName="iconRect" fact="0.55"/>
-              <dgm:constr type="ctrY" for="ch" forName="iconRect" refType="ctrY" refFor="ch" refForName="bgRect"/>
-              <dgm:constr type="w" for="ch" forName="spaceRect" refType="l" refFor="ch" refForName="iconRect"/>
-              <dgm:constr type="h" for="ch" forName="spaceRect" refType="h"/>
-              <dgm:constr type="l" for="ch" forName="spaceRect" refType="r" refFor="ch" refForName="iconRect"/>
-              <dgm:constr type="t" for="ch" forName="spaceRect"/>
-              <dgm:constr type="w" for="ch" forName="parTx" refType="w" fact="0.45"/>
-              <dgm:constr type="h" for="ch" forName="parTx" refType="h"/>
-              <dgm:constr type="l" for="ch" forName="parTx" refType="r" refFor="ch" refForName="spaceRect"/>
-              <dgm:constr type="t" for="ch" forName="parTx"/>
-              <dgm:constr type="h" for="ch" forName="desTx" refType="h"/>
-              <dgm:constr type="l" for="ch" forName="desTx" refType="r" refFor="ch" refForName="parTx"/>
-              <dgm:constr type="t" for="ch" forName="desTx"/>
-            </dgm:constrLst>
-          </dgm:if>
-          <dgm:else name="Name11">
-            <dgm:constrLst>
-              <dgm:constr type="w" for="ch" forName="bgRect" refType="w"/>
-              <dgm:constr type="h" for="ch" forName="bgRect" refType="h"/>
-              <dgm:constr type="l" for="ch" forName="bgRect"/>
-              <dgm:constr type="t" for="ch" forName="bgRect"/>
-              <dgm:constr type="h" for="ch" forName="iconRect" refType="h" fact="0.55"/>
-              <dgm:constr type="w" for="ch" forName="iconRect" refType="h" refFor="ch" refForName="iconRect"/>
-              <dgm:constr type="l" for="ch" forName="iconRect" refType="h" refFor="ch" refForName="iconRect" fact="0.55"/>
-              <dgm:constr type="ctrY" for="ch" forName="iconRect" refType="ctrY" refFor="ch" refForName="bgRect"/>
-              <dgm:constr type="w" for="ch" forName="spaceRect" refType="l" refFor="ch" refForName="iconRect"/>
-              <dgm:constr type="h" for="ch" forName="spaceRect" refType="h"/>
-              <dgm:constr type="l" for="ch" forName="spaceRect" refType="r" refFor="ch" refForName="iconRect"/>
-              <dgm:constr type="t" for="ch" forName="spaceRect"/>
-              <dgm:constr type="h" for="ch" forName="parTx" refType="h"/>
-              <dgm:constr type="l" for="ch" forName="parTx" refType="r" refFor="ch" refForName="spaceRect"/>
-              <dgm:constr type="t" for="ch" forName="parTx"/>
-            </dgm:constrLst>
-          </dgm:else>
-        </dgm:choose>
-        <dgm:ruleLst>
-          <dgm:rule type="h" val="INF" fact="NaN" max="NaN"/>
-        </dgm:ruleLst>
-        <dgm:layoutNode name="bgRect" styleLbl="bgShp">
-          <dgm:alg type="sp"/>
-          <dgm:shape xmlns:r="http://schemas.openxmlformats.org/officeDocument/2006/relationships" type="roundRect" r:blip="">
-            <dgm:adjLst>
-              <dgm:adj idx="1" val="0.1"/>
-            </dgm:adjLst>
-          </dgm:shape>
-          <dgm:presOf/>
-          <dgm:constrLst/>
-          <dgm:ruleLst/>
-        </dgm:layoutNode>
-        <dgm:layoutNode name="iconRect" styleLbl="node1">
-          <dgm:alg type="sp"/>
-          <dgm:shape xmlns:r="http://schemas.openxmlformats.org/officeDocument/2006/relationships" type="rect" r:blip="" blipPhldr="1">
-            <dgm:adjLst/>
-          </dgm:shape>
-          <dgm:presOf/>
-          <dgm:constrLst/>
-          <dgm:ruleLst/>
-        </dgm:layoutNode>
-        <dgm:layoutNode name="spaceRect">
-          <dgm:alg type="sp"/>
-          <dgm:shape xmlns:r="http://schemas.openxmlformats.org/officeDocument/2006/relationships" r:blip="">
-            <dgm:adjLst/>
-          </dgm:shape>
-          <dgm:presOf/>
-          <dgm:constrLst/>
-          <dgm:ruleLst/>
-        </dgm:layoutNode>
-        <dgm:layoutNode name="parTx" styleLbl="revTx">
-          <dgm:varLst>
-            <dgm:chMax val="0"/>
-            <dgm:chPref val="0"/>
-          </dgm:varLst>
-          <dgm:alg type="tx">
-            <dgm:param type="txAnchorVert" val="mid"/>
-            <dgm:param type="parTxLTRAlign" val="l"/>
-            <dgm:param type="shpTxLTRAlignCh" val="l"/>
-            <dgm:param type="parTxRTLAlign" val="r"/>
-            <dgm:param type="shpTxRTLAlignCh" val="r"/>
-          </dgm:alg>
-          <dgm:shape xmlns:r="http://schemas.openxmlformats.org/officeDocument/2006/relationships" type="rect" r:blip="">
-            <dgm:adjLst/>
-          </dgm:shape>
-          <dgm:presOf axis="self" ptType="node"/>
-          <dgm:constrLst>
-            <dgm:constr type="lMarg" refType="h" fact="0.3"/>
-            <dgm:constr type="rMarg" refType="h" fact="0.3"/>
-            <dgm:constr type="tMarg" refType="h" fact="0.3"/>
-            <dgm:constr type="bMarg" refType="h" fact="0.3"/>
-          </dgm:constrLst>
-          <dgm:ruleLst>
-            <dgm:rule type="primFontSz" val="14" fact="NaN" max="NaN"/>
-            <dgm:rule type="h" val="INF" fact="NaN" max="NaN"/>
-          </dgm:ruleLst>
-        </dgm:layoutNode>
-        <dgm:choose name="Name12">
-          <dgm:if name="Name13" axis="ch" ptType="node" func="cnt" op="gte" val="1">
-            <dgm:layoutNode name="desTx" styleLbl="revTx">
-              <dgm:varLst/>
-              <dgm:alg type="tx">
-                <dgm:param type="txAnchorVertCh" val="mid"/>
-                <dgm:param type="parTxLTRAlign" val="l"/>
-                <dgm:param type="shpTxLTRAlignCh" val="l"/>
-                <dgm:param type="parTxRTLAlign" val="r"/>
-                <dgm:param type="shpTxRTLAlignCh" val="r"/>
-                <dgm:param type="stBulletLvl" val="0"/>
-              </dgm:alg>
-              <dgm:shape xmlns:r="http://schemas.openxmlformats.org/officeDocument/2006/relationships" type="rect" r:blip="">
-                <dgm:adjLst/>
-              </dgm:shape>
-              <dgm:presOf axis="des" ptType="node"/>
-              <dgm:constrLst>
-                <dgm:constr type="primFontSz" val="18"/>
-                <dgm:constr type="secFontSz" refType="primFontSz"/>
-                <dgm:constr type="lMarg" refType="h" fact="0.3"/>
-                <dgm:constr type="rMarg" refType="h" fact="0.3"/>
-                <dgm:constr type="tMarg" refType="h" fact="0.3"/>
-                <dgm:constr type="bMarg" refType="h" fact="0.3"/>
-              </dgm:constrLst>
-              <dgm:ruleLst>
-                <dgm:rule type="primFontSz" val="11" fact="NaN" max="NaN"/>
-              </dgm:ruleLst>
-            </dgm:layoutNode>
-          </dgm:if>
-          <dgm:else name="Name14"/>
-        </dgm:choose>
-      </dgm:layoutNode>
-      <dgm:forEach name="Name15" axis="followSib" ptType="sibTrans" cnt="1">
-        <dgm:layoutNode name="sibTrans">
-          <dgm:alg type="sp"/>
-          <dgm:shape xmlns:r="http://schemas.openxmlformats.org/officeDocument/2006/relationships" r:blip="">
-            <dgm:adjLst/>
-          </dgm:shape>
-          <dgm:presOf axis="self"/>
-          <dgm:constrLst/>
-          <dgm:ruleLst/>
-        </dgm:layoutNode>
-      </dgm:forEach>
-    </dgm:forEach>
-  </dgm:layoutNode>
-  <dgm:extLst>
-    <a:ext uri="{68A01E43-0DF5-4B5B-8FA6-DAF915123BFB}">
-      <dgm1612:lstStyle xmlns:dgm1612="http://schemas.microsoft.com/office/drawing/2016/12/diagram">
-        <a:lvl1pPr>
-          <a:lnSpc>
-            <a:spcPct val="100000"/>
-          </a:lnSpc>
-        </a:lvl1pPr>
-        <a:lvl2pPr>
-          <a:lnSpc>
-            <a:spcPct val="100000"/>
-          </a:lnSpc>
-        </a:lvl2pPr>
-      </dgm1612:lstStyle>
-    </a:ext>
-  </dgm:extLst>
-</dgm:layoutDef>
-</file>
-
-<file path=ppt/diagrams/layout2.xml><?xml version="1.0" encoding="utf-8"?>
-<dgm:layoutDef xmlns:dgm="http://schemas.openxmlformats.org/drawingml/2006/diagram" xmlns:a="http://schemas.openxmlformats.org/drawingml/2006/main" uniqueId="urn:microsoft.com/office/officeart/2005/8/layout/default">
-  <dgm:title val=""/>
-  <dgm:desc val=""/>
-  <dgm:catLst>
-    <dgm:cat type="list" pri="400"/>
-  </dgm:catLst>
-  <dgm:sampData>
-    <dgm:dataModel>
-      <dgm:ptLst>
-        <dgm:pt modelId="0" type="doc"/>
-        <dgm:pt modelId="1">
-          <dgm:prSet phldr="1"/>
-        </dgm:pt>
-        <dgm:pt modelId="2">
-          <dgm:prSet phldr="1"/>
-        </dgm:pt>
-        <dgm:pt modelId="3">
-          <dgm:prSet phldr="1"/>
-        </dgm:pt>
-        <dgm:pt modelId="4">
-          <dgm:prSet phldr="1"/>
-        </dgm:pt>
-        <dgm:pt modelId="5">
-          <dgm:prSet phldr="1"/>
-        </dgm:pt>
-      </dgm:ptLst>
-      <dgm:cxnLst>
-        <dgm:cxn modelId="6" srcId="0" destId="1" srcOrd="0" destOrd="0"/>
-        <dgm:cxn modelId="7" srcId="0" destId="2" srcOrd="1" destOrd="0"/>
-        <dgm:cxn modelId="8" srcId="0" destId="3" srcOrd="2" destOrd="0"/>
-        <dgm:cxn modelId="9" srcId="0" destId="4" srcOrd="3" destOrd="0"/>
-        <dgm:cxn modelId="10" srcId="0" destId="5" srcOrd="4" destOrd="0"/>
-      </dgm:cxnLst>
-      <dgm:bg/>
-      <dgm:whole/>
-    </dgm:dataModel>
-  </dgm:sampData>
-  <dgm:styleData>
-    <dgm:dataModel>
-      <dgm:ptLst>
-        <dgm:pt modelId="0" type="doc"/>
-        <dgm:pt modelId="1"/>
-        <dgm:pt modelId="2"/>
-      </dgm:ptLst>
-      <dgm:cxnLst>
-        <dgm:cxn modelId="3" srcId="0" destId="1" srcOrd="0" destOrd="0"/>
-        <dgm:cxn modelId="4" srcId="0" destId="2" srcOrd="1" destOrd="0"/>
-      </dgm:cxnLst>
-      <dgm:bg/>
-      <dgm:whole/>
-    </dgm:dataModel>
-  </dgm:styleData>
-  <dgm:clrData>
-    <dgm:dataModel>
-      <dgm:ptLst>
-        <dgm:pt modelId="0" type="doc"/>
-        <dgm:pt modelId="1"/>
-        <dgm:pt modelId="2"/>
-        <dgm:pt modelId="3"/>
-        <dgm:pt modelId="4"/>
-        <dgm:pt modelId="5"/>
-        <dgm:pt modelId="6"/>
-      </dgm:ptLst>
-      <dgm:cxnLst>
-        <dgm:cxn modelId="7" srcId="0" destId="1" srcOrd="0" destOrd="0"/>
-        <dgm:cxn modelId="8" srcId="0" destId="2" srcOrd="1" destOrd="0"/>
-        <dgm:cxn modelId="9" srcId="0" destId="3" srcOrd="2" destOrd="0"/>
-        <dgm:cxn modelId="10" srcId="0" destId="4" srcOrd="3" destOrd="0"/>
-        <dgm:cxn modelId="11" srcId="0" destId="5" srcOrd="4" destOrd="0"/>
-        <dgm:cxn modelId="12" srcId="0" destId="6" srcOrd="5" destOrd="0"/>
-      </dgm:cxnLst>
-      <dgm:bg/>
-      <dgm:whole/>
-    </dgm:dataModel>
-  </dgm:clrData>
-  <dgm:layoutNode name="diagram">
-    <dgm:varLst>
-      <dgm:dir/>
-      <dgm:resizeHandles val="exact"/>
-    </dgm:varLst>
-    <dgm:choose name="Name0">
-      <dgm:if name="Name1" func="var" arg="dir" op="equ" val="norm">
-        <dgm:alg type="snake">
-          <dgm:param type="grDir" val="tL"/>
-          <dgm:param type="flowDir" val="row"/>
-          <dgm:param type="contDir" val="sameDir"/>
-          <dgm:param type="off" val="ctr"/>
-        </dgm:alg>
-      </dgm:if>
-      <dgm:else name="Name2">
-        <dgm:alg type="snake">
-          <dgm:param type="grDir" val="tR"/>
-          <dgm:param type="flowDir" val="row"/>
-          <dgm:param type="contDir" val="sameDir"/>
-          <dgm:param type="off" val="ctr"/>
-        </dgm:alg>
-      </dgm:else>
-    </dgm:choose>
-    <dgm:shape xmlns:r="http://schemas.openxmlformats.org/officeDocument/2006/relationships" r:blip="">
-      <dgm:adjLst/>
-    </dgm:shape>
-    <dgm:presOf/>
-    <dgm:constrLst>
-      <dgm:constr type="w" for="ch" forName="node" refType="w"/>
-      <dgm:constr type="h" for="ch" forName="node" refType="w" refFor="ch" refForName="node" fact="0.6"/>
-      <dgm:constr type="w" for="ch" forName="sibTrans" refType="w" refFor="ch" refForName="node" fact="0.1"/>
-      <dgm:constr type="sp" refType="w" refFor="ch" refForName="sibTrans"/>
-      <dgm:constr type="primFontSz" for="ch" forName="node" op="equ" val="65"/>
-    </dgm:constrLst>
-    <dgm:ruleLst/>
-    <dgm:forEach name="Name3" axis="ch" ptType="node">
-      <dgm:layoutNode name="node">
-        <dgm:varLst>
-          <dgm:bulletEnabled val="1"/>
-        </dgm:varLst>
-        <dgm:alg type="tx"/>
-        <dgm:shape xmlns:r="http://schemas.openxmlformats.org/officeDocument/2006/relationships" type="rect" r:blip="">
-          <dgm:adjLst/>
-        </dgm:shape>
-        <dgm:presOf axis="desOrSelf" ptType="node"/>
-        <dgm:constrLst>
-          <dgm:constr type="lMarg" refType="primFontSz" fact="0.3"/>
-          <dgm:constr type="rMarg" refType="primFontSz" fact="0.3"/>
-          <dgm:constr type="tMarg" refType="primFontSz" fact="0.3"/>
-          <dgm:constr type="bMarg" refType="primFontSz" fact="0.3"/>
-        </dgm:constrLst>
-        <dgm:ruleLst>
-          <dgm:rule type="primFontSz" val="5" fact="NaN" max="NaN"/>
-        </dgm:ruleLst>
-      </dgm:layoutNode>
-      <dgm:forEach name="Name4" axis="followSib" ptType="sibTrans" cnt="1">
-        <dgm:layoutNode name="sibTrans">
-          <dgm:alg type="sp"/>
-          <dgm:shape xmlns:r="http://schemas.openxmlformats.org/officeDocument/2006/relationships" r:blip="">
-            <dgm:adjLst/>
-          </dgm:shape>
-          <dgm:presOf/>
-          <dgm:constrLst/>
-          <dgm:ruleLst/>
-        </dgm:layoutNode>
-      </dgm:forEach>
-    </dgm:forEach>
-  </dgm:layoutNode>
-</dgm:layoutDef>
-</file>
-
-<file path=ppt/diagrams/layout3.xml><?xml version="1.0" encoding="utf-8"?>
 <dgm:layoutDef xmlns:dgm="http://schemas.openxmlformats.org/drawingml/2006/diagram" xmlns:a="http://schemas.openxmlformats.org/drawingml/2006/main" uniqueId="urn:microsoft.com/office/officeart/2005/8/layout/process4">
   <dgm:title val=""/>
   <dgm:desc val=""/>
@@ -7448,10 +5351,10 @@
 </dgm:layoutDef>
 </file>
 
-<file path=ppt/diagrams/layout4.xml><?xml version="1.0" encoding="utf-8"?>
-<dgm:layoutDef xmlns:dgm="http://schemas.openxmlformats.org/drawingml/2006/diagram" xmlns:a="http://schemas.openxmlformats.org/drawingml/2006/main" uniqueId="urn:microsoft.com/office/officeart/2018/2/layout/IconLabelList">
-  <dgm:title val="Icon Label List"/>
-  <dgm:desc val="Use to show non-sequential or grouped chunks of information accompanied by a related visuals. Works best with icons or small pictures with short text captions."/>
+<file path=ppt/diagrams/layout2.xml><?xml version="1.0" encoding="utf-8"?>
+<dgm:layoutDef xmlns:dgm="http://schemas.openxmlformats.org/drawingml/2006/diagram" xmlns:a="http://schemas.openxmlformats.org/drawingml/2006/main" uniqueId="urn:microsoft.com/office/officeart/2018/2/layout/IconVerticalSolidList">
+  <dgm:title val="Icon Vertical Solid List"/>
+  <dgm:desc val="Use to show a series of visuals from top to bottom with Level 1 or Level 1 and Level 2 text grouped in a shape. Works best with icons or small pictures with lengthier descriptions."/>
   <dgm:catLst>
     <dgm:cat type="icon" pri="500"/>
   </dgm:catLst>
@@ -7483,23 +5386,15 @@
     </dgm:varLst>
     <dgm:choose name="Name0">
       <dgm:if name="Name1" axis="self" func="var" arg="dir" op="equ" val="norm">
-        <dgm:alg type="snake">
-          <dgm:param type="grDir" val="tL"/>
-          <dgm:param type="flowDir" val="row"/>
-          <dgm:param type="contDir" val="sameDir"/>
-          <dgm:param type="off" val="ctr"/>
-          <dgm:param type="vertAlign" val="mid"/>
-          <dgm:param type="horzAlign" val="ctr"/>
+        <dgm:alg type="lin">
+          <dgm:param type="linDir" val="fromT"/>
+          <dgm:param type="nodeHorzAlign" val="l"/>
         </dgm:alg>
       </dgm:if>
       <dgm:else name="Name2">
-        <dgm:alg type="snake">
-          <dgm:param type="grDir" val="tR"/>
-          <dgm:param type="flowDir" val="row"/>
-          <dgm:param type="contDir" val="sameDir"/>
-          <dgm:param type="off" val="ctr"/>
-          <dgm:param type="vertAlign" val="mid"/>
-          <dgm:param type="horzAlign" val="ctr"/>
+        <dgm:alg type="lin">
+          <dgm:param type="linDir" val="fromT"/>
+          <dgm:param type="nodeHorzAlign" val="r"/>
         </dgm:alg>
       </dgm:else>
     </dgm:choose>
@@ -7508,67 +5403,139 @@
     </dgm:shape>
     <dgm:presOf/>
     <dgm:choose name="Name3">
-      <dgm:if name="Name4" axis="ch" ptType="node" func="cnt" op="lte" val="2">
+      <dgm:if name="Name4" axis="ch" ptType="node" func="cnt" op="lte" val="3">
         <dgm:constrLst>
-          <dgm:constr type="h" for="ch" forName="compNode" refType="h" fact="0.4"/>
-          <dgm:constr type="w" for="ch" forName="compNode" val="120"/>
-          <dgm:constr type="w" for="ch" forName="sibTrans" refType="w" refFor="ch" refForName="compNode" fact="0.175"/>
-          <dgm:constr type="sp" refType="w" refFor="ch" refForName="compNode" op="equ" fact="0.25"/>
-          <dgm:constr type="primFontSz" for="des" ptType="node" op="equ" val="50"/>
+          <dgm:constr type="h" for="ch" forName="compNode" refType="h" fact="0.3"/>
+          <dgm:constr type="w" for="ch" forName="compNode" refType="w"/>
+          <dgm:constr type="h" for="ch" forName="sibTrans" refType="h" refFor="ch" refForName="compNode" fact="0.25"/>
+          <dgm:constr type="primFontSz" for="des" forName="parTx" val="25"/>
+          <dgm:constr type="primFontSz" for="des" forName="desTx" refType="primFontSz" refFor="des" refForName="parTx" op="lte" fact="0.75"/>
           <dgm:constr type="h" for="des" forName="compNode" op="equ"/>
-          <dgm:constr type="h" for="des" forName="textRect" op="equ"/>
+          <dgm:constr type="h" for="des" forName="bgRect" op="equ"/>
+          <dgm:constr type="h" for="des" forName="iconRect" op="equ"/>
+          <dgm:constr type="w" for="des" forName="iconRect" op="equ"/>
+          <dgm:constr type="h" for="des" forName="spaceRect" op="equ"/>
+          <dgm:constr type="h" for="des" forName="parTx" op="equ"/>
+          <dgm:constr type="h" for="des" forName="desTx" op="equ"/>
         </dgm:constrLst>
       </dgm:if>
       <dgm:if name="Name5" axis="ch" ptType="node" func="cnt" op="lte" val="4">
         <dgm:constrLst>
-          <dgm:constr type="h" for="ch" forName="compNode" refType="h" fact="0.4"/>
+          <dgm:constr type="h" for="ch" forName="compNode" refType="h" fact="0.3"/>
           <dgm:constr type="w" for="ch" forName="compNode" refType="w"/>
-          <dgm:constr type="w" for="ch" forName="sibTrans" refType="w" refFor="ch" refForName="compNode" fact="0.175"/>
-          <dgm:constr type="sp" refType="w" refFor="ch" refForName="compNode" op="equ" fact="0.25"/>
-          <dgm:constr type="primFontSz" for="des" ptType="node" op="equ" val="36"/>
+          <dgm:constr type="h" for="ch" forName="sibTrans" refType="h" refFor="ch" refForName="compNode" fact="0.25"/>
+          <dgm:constr type="primFontSz" for="des" forName="parTx" val="22"/>
+          <dgm:constr type="primFontSz" for="des" forName="desTx" refType="primFontSz" refFor="des" refForName="parTx" op="lte" fact="0.75"/>
           <dgm:constr type="h" for="des" forName="compNode" op="equ"/>
-          <dgm:constr type="h" for="des" forName="textRect" op="equ"/>
+          <dgm:constr type="h" for="des" forName="bgRect" op="equ"/>
+          <dgm:constr type="h" for="des" forName="iconRect" op="equ"/>
+          <dgm:constr type="w" for="des" forName="iconRect" op="equ"/>
+          <dgm:constr type="h" for="des" forName="spaceRect" op="equ"/>
+          <dgm:constr type="h" for="des" forName="parTx" op="equ"/>
+          <dgm:constr type="h" for="des" forName="desTx" op="equ"/>
         </dgm:constrLst>
       </dgm:if>
-      <dgm:else name="Name6">
+      <dgm:if name="Name6" axis="ch" ptType="node" func="cnt" op="lte" val="6">
         <dgm:constrLst>
-          <dgm:constr type="h" for="ch" forName="compNode" refType="h" fact="0.4"/>
+          <dgm:constr type="h" for="ch" forName="compNode" refType="h" fact="0.3"/>
           <dgm:constr type="w" for="ch" forName="compNode" refType="w"/>
-          <dgm:constr type="w" for="ch" forName="sibTrans" refType="w" refFor="ch" refForName="compNode" fact="0.175"/>
-          <dgm:constr type="sp" refType="w" refFor="ch" refForName="compNode" op="equ" fact="0.25"/>
-          <dgm:constr type="primFontSz" for="des" ptType="node" op="equ" val="24"/>
+          <dgm:constr type="h" for="ch" forName="sibTrans" refType="h" refFor="ch" refForName="compNode" fact="0.25"/>
+          <dgm:constr type="primFontSz" for="des" forName="parTx" val="19"/>
+          <dgm:constr type="primFontSz" for="des" forName="desTx" refType="primFontSz" refFor="des" refForName="parTx" op="lte" fact="0.75"/>
           <dgm:constr type="h" for="des" forName="compNode" op="equ"/>
-          <dgm:constr type="h" for="des" forName="textRect" op="equ"/>
+          <dgm:constr type="h" for="des" forName="bgRect" op="equ"/>
+          <dgm:constr type="h" for="des" forName="iconRect" op="equ"/>
+          <dgm:constr type="w" for="des" forName="iconRect" op="equ"/>
+          <dgm:constr type="h" for="des" forName="spaceRect" op="equ"/>
+          <dgm:constr type="h" for="des" forName="parTx" op="equ"/>
+          <dgm:constr type="h" for="des" forName="desTx" op="equ"/>
+        </dgm:constrLst>
+      </dgm:if>
+      <dgm:else name="Name7">
+        <dgm:constrLst>
+          <dgm:constr type="h" for="ch" forName="compNode" refType="h" fact="0.3"/>
+          <dgm:constr type="w" for="ch" forName="compNode" refType="w"/>
+          <dgm:constr type="h" for="ch" forName="sibTrans" refType="h" refFor="ch" refForName="compNode" fact="0.25"/>
+          <dgm:constr type="primFontSz" for="des" forName="parTx" val="16"/>
+          <dgm:constr type="primFontSz" for="des" forName="desTx" refType="primFontSz" refFor="des" refForName="parTx" op="lte" fact="0.75"/>
+          <dgm:constr type="h" for="des" forName="compNode" op="equ"/>
+          <dgm:constr type="h" for="des" forName="bgRect" op="equ"/>
+          <dgm:constr type="h" for="des" forName="iconRect" op="equ"/>
+          <dgm:constr type="w" for="des" forName="iconRect" op="equ"/>
+          <dgm:constr type="h" for="des" forName="spaceRect" op="equ"/>
+          <dgm:constr type="h" for="des" forName="parTx" op="equ"/>
+          <dgm:constr type="h" for="des" forName="desTx" op="equ"/>
         </dgm:constrLst>
       </dgm:else>
     </dgm:choose>
     <dgm:ruleLst>
-      <dgm:rule type="w" for="ch" forName="compNode" val="50" fact="NaN" max="NaN"/>
+      <dgm:rule type="h" for="ch" forName="compNode" val="0" fact="NaN" max="NaN"/>
     </dgm:ruleLst>
-    <dgm:forEach name="Name7" axis="ch" ptType="node">
+    <dgm:forEach name="Name8" axis="ch" ptType="node">
       <dgm:layoutNode name="compNode">
         <dgm:alg type="composite"/>
         <dgm:shape xmlns:r="http://schemas.openxmlformats.org/officeDocument/2006/relationships" r:blip="">
           <dgm:adjLst/>
         </dgm:shape>
         <dgm:presOf axis="self"/>
-        <dgm:constrLst>
-          <dgm:constr type="w" for="ch" forName="iconRect" refType="w" fact="0.45"/>
-          <dgm:constr type="h" for="ch" forName="iconRect" refType="w" refFor="ch" refForName="iconRect"/>
-          <dgm:constr type="ctrX" for="ch" forName="iconRect" refType="w" fact="0.5"/>
-          <dgm:constr type="t" for="ch" forName="iconRect"/>
-          <dgm:constr type="h" for="ch" forName="spaceRect" refType="h" fact="0.15"/>
-          <dgm:constr type="w" for="ch" forName="spaceRect" refType="w"/>
-          <dgm:constr type="l" for="ch" forName="spaceRect"/>
-          <dgm:constr type="t" for="ch" forName="spaceRect" refType="b" refFor="ch" refForName="iconRect"/>
-          <dgm:constr type="h" for="ch" forName="textRect" val="20"/>
-          <dgm:constr type="w" for="ch" forName="textRect" refType="w"/>
-          <dgm:constr type="l" for="ch" forName="textRect"/>
-          <dgm:constr type="t" for="ch" forName="textRect" refType="b" refFor="ch" refForName="spaceRect"/>
-        </dgm:constrLst>
+        <dgm:choose name="Name9">
+          <dgm:if name="Name10" axis="ch" ptType="node" func="cnt" op="gte" val="1">
+            <dgm:constrLst>
+              <dgm:constr type="w" for="ch" forName="bgRect" refType="w"/>
+              <dgm:constr type="h" for="ch" forName="bgRect" refType="h"/>
+              <dgm:constr type="l" for="ch" forName="bgRect"/>
+              <dgm:constr type="t" for="ch" forName="bgRect"/>
+              <dgm:constr type="h" for="ch" forName="iconRect" refType="h" fact="0.55"/>
+              <dgm:constr type="w" for="ch" forName="iconRect" refType="h" refFor="ch" refForName="iconRect"/>
+              <dgm:constr type="l" for="ch" forName="iconRect" refType="h" refFor="ch" refForName="iconRect" fact="0.55"/>
+              <dgm:constr type="ctrY" for="ch" forName="iconRect" refType="ctrY" refFor="ch" refForName="bgRect"/>
+              <dgm:constr type="w" for="ch" forName="spaceRect" refType="l" refFor="ch" refForName="iconRect"/>
+              <dgm:constr type="h" for="ch" forName="spaceRect" refType="h"/>
+              <dgm:constr type="l" for="ch" forName="spaceRect" refType="r" refFor="ch" refForName="iconRect"/>
+              <dgm:constr type="t" for="ch" forName="spaceRect"/>
+              <dgm:constr type="w" for="ch" forName="parTx" refType="w" fact="0.45"/>
+              <dgm:constr type="h" for="ch" forName="parTx" refType="h"/>
+              <dgm:constr type="l" for="ch" forName="parTx" refType="r" refFor="ch" refForName="spaceRect"/>
+              <dgm:constr type="t" for="ch" forName="parTx"/>
+              <dgm:constr type="h" for="ch" forName="desTx" refType="h"/>
+              <dgm:constr type="l" for="ch" forName="desTx" refType="r" refFor="ch" refForName="parTx"/>
+              <dgm:constr type="t" for="ch" forName="desTx"/>
+            </dgm:constrLst>
+          </dgm:if>
+          <dgm:else name="Name11">
+            <dgm:constrLst>
+              <dgm:constr type="w" for="ch" forName="bgRect" refType="w"/>
+              <dgm:constr type="h" for="ch" forName="bgRect" refType="h"/>
+              <dgm:constr type="l" for="ch" forName="bgRect"/>
+              <dgm:constr type="t" for="ch" forName="bgRect"/>
+              <dgm:constr type="h" for="ch" forName="iconRect" refType="h" fact="0.55"/>
+              <dgm:constr type="w" for="ch" forName="iconRect" refType="h" refFor="ch" refForName="iconRect"/>
+              <dgm:constr type="l" for="ch" forName="iconRect" refType="h" refFor="ch" refForName="iconRect" fact="0.55"/>
+              <dgm:constr type="ctrY" for="ch" forName="iconRect" refType="ctrY" refFor="ch" refForName="bgRect"/>
+              <dgm:constr type="w" for="ch" forName="spaceRect" refType="l" refFor="ch" refForName="iconRect"/>
+              <dgm:constr type="h" for="ch" forName="spaceRect" refType="h"/>
+              <dgm:constr type="l" for="ch" forName="spaceRect" refType="r" refFor="ch" refForName="iconRect"/>
+              <dgm:constr type="t" for="ch" forName="spaceRect"/>
+              <dgm:constr type="h" for="ch" forName="parTx" refType="h"/>
+              <dgm:constr type="l" for="ch" forName="parTx" refType="r" refFor="ch" refForName="spaceRect"/>
+              <dgm:constr type="t" for="ch" forName="parTx"/>
+            </dgm:constrLst>
+          </dgm:else>
+        </dgm:choose>
         <dgm:ruleLst>
           <dgm:rule type="h" val="INF" fact="NaN" max="NaN"/>
         </dgm:ruleLst>
+        <dgm:layoutNode name="bgRect" styleLbl="bgShp">
+          <dgm:alg type="sp"/>
+          <dgm:shape xmlns:r="http://schemas.openxmlformats.org/officeDocument/2006/relationships" type="roundRect" r:blip="">
+            <dgm:adjLst>
+              <dgm:adj idx="1" val="0.1"/>
+            </dgm:adjLst>
+          </dgm:shape>
+          <dgm:presOf/>
+          <dgm:constrLst/>
+          <dgm:ruleLst/>
+        </dgm:layoutNode>
         <dgm:layoutNode name="iconRect" styleLbl="node1">
           <dgm:alg type="sp"/>
           <dgm:shape xmlns:r="http://schemas.openxmlformats.org/officeDocument/2006/relationships" type="rect" r:blip="" blipPhldr="1">
@@ -7587,31 +5554,66 @@
           <dgm:constrLst/>
           <dgm:ruleLst/>
         </dgm:layoutNode>
-        <dgm:layoutNode name="textRect" styleLbl="revTx">
+        <dgm:layoutNode name="parTx" styleLbl="revTx">
           <dgm:varLst>
-            <dgm:chMax val="1"/>
-            <dgm:chPref val="1"/>
+            <dgm:chMax val="0"/>
+            <dgm:chPref val="0"/>
           </dgm:varLst>
           <dgm:alg type="tx">
-            <dgm:param type="txAnchorVert" val="t"/>
+            <dgm:param type="txAnchorVert" val="mid"/>
+            <dgm:param type="parTxLTRAlign" val="l"/>
+            <dgm:param type="shpTxLTRAlignCh" val="l"/>
+            <dgm:param type="parTxRTLAlign" val="r"/>
+            <dgm:param type="shpTxRTLAlignCh" val="r"/>
           </dgm:alg>
           <dgm:shape xmlns:r="http://schemas.openxmlformats.org/officeDocument/2006/relationships" type="rect" r:blip="">
             <dgm:adjLst/>
           </dgm:shape>
           <dgm:presOf axis="self" ptType="node"/>
           <dgm:constrLst>
-            <dgm:constr type="lMarg"/>
-            <dgm:constr type="rMarg"/>
-            <dgm:constr type="tMarg"/>
-            <dgm:constr type="bMarg"/>
+            <dgm:constr type="lMarg" refType="h" fact="0.3"/>
+            <dgm:constr type="rMarg" refType="h" fact="0.3"/>
+            <dgm:constr type="tMarg" refType="h" fact="0.3"/>
+            <dgm:constr type="bMarg" refType="h" fact="0.3"/>
           </dgm:constrLst>
           <dgm:ruleLst>
-            <dgm:rule type="primFontSz" val="11" fact="NaN" max="NaN"/>
+            <dgm:rule type="primFontSz" val="14" fact="NaN" max="NaN"/>
             <dgm:rule type="h" val="INF" fact="NaN" max="NaN"/>
           </dgm:ruleLst>
         </dgm:layoutNode>
+        <dgm:choose name="Name12">
+          <dgm:if name="Name13" axis="ch" ptType="node" func="cnt" op="gte" val="1">
+            <dgm:layoutNode name="desTx" styleLbl="revTx">
+              <dgm:varLst/>
+              <dgm:alg type="tx">
+                <dgm:param type="txAnchorVertCh" val="mid"/>
+                <dgm:param type="parTxLTRAlign" val="l"/>
+                <dgm:param type="shpTxLTRAlignCh" val="l"/>
+                <dgm:param type="parTxRTLAlign" val="r"/>
+                <dgm:param type="shpTxRTLAlignCh" val="r"/>
+                <dgm:param type="stBulletLvl" val="0"/>
+              </dgm:alg>
+              <dgm:shape xmlns:r="http://schemas.openxmlformats.org/officeDocument/2006/relationships" type="rect" r:blip="">
+                <dgm:adjLst/>
+              </dgm:shape>
+              <dgm:presOf axis="des" ptType="node"/>
+              <dgm:constrLst>
+                <dgm:constr type="primFontSz" val="18"/>
+                <dgm:constr type="secFontSz" refType="primFontSz"/>
+                <dgm:constr type="lMarg" refType="h" fact="0.3"/>
+                <dgm:constr type="rMarg" refType="h" fact="0.3"/>
+                <dgm:constr type="tMarg" refType="h" fact="0.3"/>
+                <dgm:constr type="bMarg" refType="h" fact="0.3"/>
+              </dgm:constrLst>
+              <dgm:ruleLst>
+                <dgm:rule type="primFontSz" val="11" fact="NaN" max="NaN"/>
+              </dgm:ruleLst>
+            </dgm:layoutNode>
+          </dgm:if>
+          <dgm:else name="Name14"/>
+        </dgm:choose>
       </dgm:layoutNode>
-      <dgm:forEach name="Name8" axis="followSib" ptType="sibTrans" cnt="1">
+      <dgm:forEach name="Name15" axis="followSib" ptType="sibTrans" cnt="1">
         <dgm:layoutNode name="sibTrans">
           <dgm:alg type="sp"/>
           <dgm:shape xmlns:r="http://schemas.openxmlformats.org/officeDocument/2006/relationships" r:blip="">
@@ -7632,9 +5634,161 @@
             <a:spcPct val="100000"/>
           </a:lnSpc>
         </a:lvl1pPr>
+        <a:lvl2pPr>
+          <a:lnSpc>
+            <a:spcPct val="100000"/>
+          </a:lnSpc>
+        </a:lvl2pPr>
       </dgm1612:lstStyle>
     </a:ext>
   </dgm:extLst>
+</dgm:layoutDef>
+</file>
+
+<file path=ppt/diagrams/layout3.xml><?xml version="1.0" encoding="utf-8"?>
+<dgm:layoutDef xmlns:dgm="http://schemas.openxmlformats.org/drawingml/2006/diagram" xmlns:a="http://schemas.openxmlformats.org/drawingml/2006/main" uniqueId="urn:microsoft.com/office/officeart/2005/8/layout/default">
+  <dgm:title val=""/>
+  <dgm:desc val=""/>
+  <dgm:catLst>
+    <dgm:cat type="list" pri="400"/>
+  </dgm:catLst>
+  <dgm:sampData>
+    <dgm:dataModel>
+      <dgm:ptLst>
+        <dgm:pt modelId="0" type="doc"/>
+        <dgm:pt modelId="1">
+          <dgm:prSet phldr="1"/>
+        </dgm:pt>
+        <dgm:pt modelId="2">
+          <dgm:prSet phldr="1"/>
+        </dgm:pt>
+        <dgm:pt modelId="3">
+          <dgm:prSet phldr="1"/>
+        </dgm:pt>
+        <dgm:pt modelId="4">
+          <dgm:prSet phldr="1"/>
+        </dgm:pt>
+        <dgm:pt modelId="5">
+          <dgm:prSet phldr="1"/>
+        </dgm:pt>
+      </dgm:ptLst>
+      <dgm:cxnLst>
+        <dgm:cxn modelId="6" srcId="0" destId="1" srcOrd="0" destOrd="0"/>
+        <dgm:cxn modelId="7" srcId="0" destId="2" srcOrd="1" destOrd="0"/>
+        <dgm:cxn modelId="8" srcId="0" destId="3" srcOrd="2" destOrd="0"/>
+        <dgm:cxn modelId="9" srcId="0" destId="4" srcOrd="3" destOrd="0"/>
+        <dgm:cxn modelId="10" srcId="0" destId="5" srcOrd="4" destOrd="0"/>
+      </dgm:cxnLst>
+      <dgm:bg/>
+      <dgm:whole/>
+    </dgm:dataModel>
+  </dgm:sampData>
+  <dgm:styleData>
+    <dgm:dataModel>
+      <dgm:ptLst>
+        <dgm:pt modelId="0" type="doc"/>
+        <dgm:pt modelId="1"/>
+        <dgm:pt modelId="2"/>
+      </dgm:ptLst>
+      <dgm:cxnLst>
+        <dgm:cxn modelId="3" srcId="0" destId="1" srcOrd="0" destOrd="0"/>
+        <dgm:cxn modelId="4" srcId="0" destId="2" srcOrd="1" destOrd="0"/>
+      </dgm:cxnLst>
+      <dgm:bg/>
+      <dgm:whole/>
+    </dgm:dataModel>
+  </dgm:styleData>
+  <dgm:clrData>
+    <dgm:dataModel>
+      <dgm:ptLst>
+        <dgm:pt modelId="0" type="doc"/>
+        <dgm:pt modelId="1"/>
+        <dgm:pt modelId="2"/>
+        <dgm:pt modelId="3"/>
+        <dgm:pt modelId="4"/>
+        <dgm:pt modelId="5"/>
+        <dgm:pt modelId="6"/>
+      </dgm:ptLst>
+      <dgm:cxnLst>
+        <dgm:cxn modelId="7" srcId="0" destId="1" srcOrd="0" destOrd="0"/>
+        <dgm:cxn modelId="8" srcId="0" destId="2" srcOrd="1" destOrd="0"/>
+        <dgm:cxn modelId="9" srcId="0" destId="3" srcOrd="2" destOrd="0"/>
+        <dgm:cxn modelId="10" srcId="0" destId="4" srcOrd="3" destOrd="0"/>
+        <dgm:cxn modelId="11" srcId="0" destId="5" srcOrd="4" destOrd="0"/>
+        <dgm:cxn modelId="12" srcId="0" destId="6" srcOrd="5" destOrd="0"/>
+      </dgm:cxnLst>
+      <dgm:bg/>
+      <dgm:whole/>
+    </dgm:dataModel>
+  </dgm:clrData>
+  <dgm:layoutNode name="diagram">
+    <dgm:varLst>
+      <dgm:dir/>
+      <dgm:resizeHandles val="exact"/>
+    </dgm:varLst>
+    <dgm:choose name="Name0">
+      <dgm:if name="Name1" func="var" arg="dir" op="equ" val="norm">
+        <dgm:alg type="snake">
+          <dgm:param type="grDir" val="tL"/>
+          <dgm:param type="flowDir" val="row"/>
+          <dgm:param type="contDir" val="sameDir"/>
+          <dgm:param type="off" val="ctr"/>
+        </dgm:alg>
+      </dgm:if>
+      <dgm:else name="Name2">
+        <dgm:alg type="snake">
+          <dgm:param type="grDir" val="tR"/>
+          <dgm:param type="flowDir" val="row"/>
+          <dgm:param type="contDir" val="sameDir"/>
+          <dgm:param type="off" val="ctr"/>
+        </dgm:alg>
+      </dgm:else>
+    </dgm:choose>
+    <dgm:shape xmlns:r="http://schemas.openxmlformats.org/officeDocument/2006/relationships" r:blip="">
+      <dgm:adjLst/>
+    </dgm:shape>
+    <dgm:presOf/>
+    <dgm:constrLst>
+      <dgm:constr type="w" for="ch" forName="node" refType="w"/>
+      <dgm:constr type="h" for="ch" forName="node" refType="w" refFor="ch" refForName="node" fact="0.6"/>
+      <dgm:constr type="w" for="ch" forName="sibTrans" refType="w" refFor="ch" refForName="node" fact="0.1"/>
+      <dgm:constr type="sp" refType="w" refFor="ch" refForName="sibTrans"/>
+      <dgm:constr type="primFontSz" for="ch" forName="node" op="equ" val="65"/>
+    </dgm:constrLst>
+    <dgm:ruleLst/>
+    <dgm:forEach name="Name3" axis="ch" ptType="node">
+      <dgm:layoutNode name="node">
+        <dgm:varLst>
+          <dgm:bulletEnabled val="1"/>
+        </dgm:varLst>
+        <dgm:alg type="tx"/>
+        <dgm:shape xmlns:r="http://schemas.openxmlformats.org/officeDocument/2006/relationships" type="rect" r:blip="">
+          <dgm:adjLst/>
+        </dgm:shape>
+        <dgm:presOf axis="desOrSelf" ptType="node"/>
+        <dgm:constrLst>
+          <dgm:constr type="lMarg" refType="primFontSz" fact="0.3"/>
+          <dgm:constr type="rMarg" refType="primFontSz" fact="0.3"/>
+          <dgm:constr type="tMarg" refType="primFontSz" fact="0.3"/>
+          <dgm:constr type="bMarg" refType="primFontSz" fact="0.3"/>
+        </dgm:constrLst>
+        <dgm:ruleLst>
+          <dgm:rule type="primFontSz" val="5" fact="NaN" max="NaN"/>
+        </dgm:ruleLst>
+      </dgm:layoutNode>
+      <dgm:forEach name="Name4" axis="followSib" ptType="sibTrans" cnt="1">
+        <dgm:layoutNode name="sibTrans">
+          <dgm:alg type="sp"/>
+          <dgm:shape xmlns:r="http://schemas.openxmlformats.org/officeDocument/2006/relationships" r:blip="">
+            <dgm:adjLst/>
+          </dgm:shape>
+          <dgm:presOf/>
+          <dgm:constrLst/>
+          <dgm:ruleLst/>
+        </dgm:layoutNode>
+      </dgm:forEach>
+    </dgm:forEach>
+  </dgm:layoutNode>
 </dgm:layoutDef>
 </file>
 
@@ -9707,1040 +7861,6 @@
 </file>
 
 <file path=ppt/diagrams/quickStyle3.xml><?xml version="1.0" encoding="utf-8"?>
-<dgm:styleDef xmlns:dgm="http://schemas.openxmlformats.org/drawingml/2006/diagram" xmlns:a="http://schemas.openxmlformats.org/drawingml/2006/main" uniqueId="urn:microsoft.com/office/officeart/2005/8/quickstyle/simple1">
-  <dgm:title val=""/>
-  <dgm:desc val=""/>
-  <dgm:catLst>
-    <dgm:cat type="simple" pri="10100"/>
-  </dgm:catLst>
-  <dgm:scene3d>
-    <a:camera prst="orthographicFront"/>
-    <a:lightRig rig="threePt" dir="t"/>
-  </dgm:scene3d>
-  <dgm:styleLbl name="node0">
-    <dgm:scene3d>
-      <a:camera prst="orthographicFront"/>
-      <a:lightRig rig="threePt" dir="t"/>
-    </dgm:scene3d>
-    <dgm:sp3d/>
-    <dgm:txPr/>
-    <dgm:style>
-      <a:lnRef idx="2">
-        <a:scrgbClr r="0" g="0" b="0"/>
-      </a:lnRef>
-      <a:fillRef idx="1">
-        <a:scrgbClr r="0" g="0" b="0"/>
-      </a:fillRef>
-      <a:effectRef idx="0">
-        <a:scrgbClr r="0" g="0" b="0"/>
-      </a:effectRef>
-      <a:fontRef idx="minor">
-        <a:schemeClr val="lt1"/>
-      </a:fontRef>
-    </dgm:style>
-  </dgm:styleLbl>
-  <dgm:styleLbl name="lnNode1">
-    <dgm:scene3d>
-      <a:camera prst="orthographicFront"/>
-      <a:lightRig rig="threePt" dir="t"/>
-    </dgm:scene3d>
-    <dgm:sp3d/>
-    <dgm:txPr/>
-    <dgm:style>
-      <a:lnRef idx="2">
-        <a:scrgbClr r="0" g="0" b="0"/>
-      </a:lnRef>
-      <a:fillRef idx="1">
-        <a:scrgbClr r="0" g="0" b="0"/>
-      </a:fillRef>
-      <a:effectRef idx="0">
-        <a:scrgbClr r="0" g="0" b="0"/>
-      </a:effectRef>
-      <a:fontRef idx="minor">
-        <a:schemeClr val="lt1"/>
-      </a:fontRef>
-    </dgm:style>
-  </dgm:styleLbl>
-  <dgm:styleLbl name="vennNode1">
-    <dgm:scene3d>
-      <a:camera prst="orthographicFront"/>
-      <a:lightRig rig="threePt" dir="t"/>
-    </dgm:scene3d>
-    <dgm:sp3d/>
-    <dgm:txPr/>
-    <dgm:style>
-      <a:lnRef idx="2">
-        <a:scrgbClr r="0" g="0" b="0"/>
-      </a:lnRef>
-      <a:fillRef idx="1">
-        <a:scrgbClr r="0" g="0" b="0"/>
-      </a:fillRef>
-      <a:effectRef idx="0">
-        <a:scrgbClr r="0" g="0" b="0"/>
-      </a:effectRef>
-      <a:fontRef idx="minor">
-        <a:schemeClr val="tx1"/>
-      </a:fontRef>
-    </dgm:style>
-  </dgm:styleLbl>
-  <dgm:styleLbl name="alignNode1">
-    <dgm:scene3d>
-      <a:camera prst="orthographicFront"/>
-      <a:lightRig rig="threePt" dir="t"/>
-    </dgm:scene3d>
-    <dgm:sp3d/>
-    <dgm:txPr/>
-    <dgm:style>
-      <a:lnRef idx="2">
-        <a:scrgbClr r="0" g="0" b="0"/>
-      </a:lnRef>
-      <a:fillRef idx="1">
-        <a:scrgbClr r="0" g="0" b="0"/>
-      </a:fillRef>
-      <a:effectRef idx="0">
-        <a:scrgbClr r="0" g="0" b="0"/>
-      </a:effectRef>
-      <a:fontRef idx="minor">
-        <a:schemeClr val="lt1"/>
-      </a:fontRef>
-    </dgm:style>
-  </dgm:styleLbl>
-  <dgm:styleLbl name="node1">
-    <dgm:scene3d>
-      <a:camera prst="orthographicFront"/>
-      <a:lightRig rig="threePt" dir="t"/>
-    </dgm:scene3d>
-    <dgm:sp3d/>
-    <dgm:txPr/>
-    <dgm:style>
-      <a:lnRef idx="2">
-        <a:scrgbClr r="0" g="0" b="0"/>
-      </a:lnRef>
-      <a:fillRef idx="1">
-        <a:scrgbClr r="0" g="0" b="0"/>
-      </a:fillRef>
-      <a:effectRef idx="0">
-        <a:scrgbClr r="0" g="0" b="0"/>
-      </a:effectRef>
-      <a:fontRef idx="minor">
-        <a:schemeClr val="lt1"/>
-      </a:fontRef>
-    </dgm:style>
-  </dgm:styleLbl>
-  <dgm:styleLbl name="node2">
-    <dgm:scene3d>
-      <a:camera prst="orthographicFront"/>
-      <a:lightRig rig="threePt" dir="t"/>
-    </dgm:scene3d>
-    <dgm:sp3d/>
-    <dgm:txPr/>
-    <dgm:style>
-      <a:lnRef idx="2">
-        <a:scrgbClr r="0" g="0" b="0"/>
-      </a:lnRef>
-      <a:fillRef idx="1">
-        <a:scrgbClr r="0" g="0" b="0"/>
-      </a:fillRef>
-      <a:effectRef idx="0">
-        <a:scrgbClr r="0" g="0" b="0"/>
-      </a:effectRef>
-      <a:fontRef idx="minor">
-        <a:schemeClr val="lt1"/>
-      </a:fontRef>
-    </dgm:style>
-  </dgm:styleLbl>
-  <dgm:styleLbl name="node3">
-    <dgm:scene3d>
-      <a:camera prst="orthographicFront"/>
-      <a:lightRig rig="threePt" dir="t"/>
-    </dgm:scene3d>
-    <dgm:sp3d/>
-    <dgm:txPr/>
-    <dgm:style>
-      <a:lnRef idx="2">
-        <a:scrgbClr r="0" g="0" b="0"/>
-      </a:lnRef>
-      <a:fillRef idx="1">
-        <a:scrgbClr r="0" g="0" b="0"/>
-      </a:fillRef>
-      <a:effectRef idx="0">
-        <a:scrgbClr r="0" g="0" b="0"/>
-      </a:effectRef>
-      <a:fontRef idx="minor">
-        <a:schemeClr val="lt1"/>
-      </a:fontRef>
-    </dgm:style>
-  </dgm:styleLbl>
-  <dgm:styleLbl name="node4">
-    <dgm:scene3d>
-      <a:camera prst="orthographicFront"/>
-      <a:lightRig rig="threePt" dir="t"/>
-    </dgm:scene3d>
-    <dgm:sp3d/>
-    <dgm:txPr/>
-    <dgm:style>
-      <a:lnRef idx="2">
-        <a:scrgbClr r="0" g="0" b="0"/>
-      </a:lnRef>
-      <a:fillRef idx="1">
-        <a:scrgbClr r="0" g="0" b="0"/>
-      </a:fillRef>
-      <a:effectRef idx="0">
-        <a:scrgbClr r="0" g="0" b="0"/>
-      </a:effectRef>
-      <a:fontRef idx="minor">
-        <a:schemeClr val="lt1"/>
-      </a:fontRef>
-    </dgm:style>
-  </dgm:styleLbl>
-  <dgm:styleLbl name="fgImgPlace1">
-    <dgm:scene3d>
-      <a:camera prst="orthographicFront"/>
-      <a:lightRig rig="threePt" dir="t"/>
-    </dgm:scene3d>
-    <dgm:sp3d/>
-    <dgm:txPr/>
-    <dgm:style>
-      <a:lnRef idx="2">
-        <a:scrgbClr r="0" g="0" b="0"/>
-      </a:lnRef>
-      <a:fillRef idx="1">
-        <a:scrgbClr r="0" g="0" b="0"/>
-      </a:fillRef>
-      <a:effectRef idx="0">
-        <a:scrgbClr r="0" g="0" b="0"/>
-      </a:effectRef>
-      <a:fontRef idx="minor"/>
-    </dgm:style>
-  </dgm:styleLbl>
-  <dgm:styleLbl name="alignImgPlace1">
-    <dgm:scene3d>
-      <a:camera prst="orthographicFront"/>
-      <a:lightRig rig="threePt" dir="t"/>
-    </dgm:scene3d>
-    <dgm:sp3d/>
-    <dgm:txPr/>
-    <dgm:style>
-      <a:lnRef idx="2">
-        <a:scrgbClr r="0" g="0" b="0"/>
-      </a:lnRef>
-      <a:fillRef idx="1">
-        <a:scrgbClr r="0" g="0" b="0"/>
-      </a:fillRef>
-      <a:effectRef idx="0">
-        <a:scrgbClr r="0" g="0" b="0"/>
-      </a:effectRef>
-      <a:fontRef idx="minor"/>
-    </dgm:style>
-  </dgm:styleLbl>
-  <dgm:styleLbl name="bgImgPlace1">
-    <dgm:scene3d>
-      <a:camera prst="orthographicFront"/>
-      <a:lightRig rig="threePt" dir="t"/>
-    </dgm:scene3d>
-    <dgm:sp3d/>
-    <dgm:txPr/>
-    <dgm:style>
-      <a:lnRef idx="2">
-        <a:scrgbClr r="0" g="0" b="0"/>
-      </a:lnRef>
-      <a:fillRef idx="1">
-        <a:scrgbClr r="0" g="0" b="0"/>
-      </a:fillRef>
-      <a:effectRef idx="0">
-        <a:scrgbClr r="0" g="0" b="0"/>
-      </a:effectRef>
-      <a:fontRef idx="minor"/>
-    </dgm:style>
-  </dgm:styleLbl>
-  <dgm:styleLbl name="sibTrans2D1">
-    <dgm:scene3d>
-      <a:camera prst="orthographicFront"/>
-      <a:lightRig rig="threePt" dir="t"/>
-    </dgm:scene3d>
-    <dgm:sp3d/>
-    <dgm:txPr/>
-    <dgm:style>
-      <a:lnRef idx="0">
-        <a:scrgbClr r="0" g="0" b="0"/>
-      </a:lnRef>
-      <a:fillRef idx="1">
-        <a:scrgbClr r="0" g="0" b="0"/>
-      </a:fillRef>
-      <a:effectRef idx="0">
-        <a:scrgbClr r="0" g="0" b="0"/>
-      </a:effectRef>
-      <a:fontRef idx="minor">
-        <a:schemeClr val="lt1"/>
-      </a:fontRef>
-    </dgm:style>
-  </dgm:styleLbl>
-  <dgm:styleLbl name="fgSibTrans2D1">
-    <dgm:scene3d>
-      <a:camera prst="orthographicFront"/>
-      <a:lightRig rig="threePt" dir="t"/>
-    </dgm:scene3d>
-    <dgm:sp3d/>
-    <dgm:txPr/>
-    <dgm:style>
-      <a:lnRef idx="0">
-        <a:scrgbClr r="0" g="0" b="0"/>
-      </a:lnRef>
-      <a:fillRef idx="1">
-        <a:scrgbClr r="0" g="0" b="0"/>
-      </a:fillRef>
-      <a:effectRef idx="0">
-        <a:scrgbClr r="0" g="0" b="0"/>
-      </a:effectRef>
-      <a:fontRef idx="minor">
-        <a:schemeClr val="lt1"/>
-      </a:fontRef>
-    </dgm:style>
-  </dgm:styleLbl>
-  <dgm:styleLbl name="bgSibTrans2D1">
-    <dgm:scene3d>
-      <a:camera prst="orthographicFront"/>
-      <a:lightRig rig="threePt" dir="t"/>
-    </dgm:scene3d>
-    <dgm:sp3d/>
-    <dgm:txPr/>
-    <dgm:style>
-      <a:lnRef idx="0">
-        <a:scrgbClr r="0" g="0" b="0"/>
-      </a:lnRef>
-      <a:fillRef idx="1">
-        <a:scrgbClr r="0" g="0" b="0"/>
-      </a:fillRef>
-      <a:effectRef idx="0">
-        <a:scrgbClr r="0" g="0" b="0"/>
-      </a:effectRef>
-      <a:fontRef idx="minor">
-        <a:schemeClr val="lt1"/>
-      </a:fontRef>
-    </dgm:style>
-  </dgm:styleLbl>
-  <dgm:styleLbl name="sibTrans1D1">
-    <dgm:scene3d>
-      <a:camera prst="orthographicFront"/>
-      <a:lightRig rig="threePt" dir="t"/>
-    </dgm:scene3d>
-    <dgm:sp3d/>
-    <dgm:txPr/>
-    <dgm:style>
-      <a:lnRef idx="1">
-        <a:scrgbClr r="0" g="0" b="0"/>
-      </a:lnRef>
-      <a:fillRef idx="0">
-        <a:scrgbClr r="0" g="0" b="0"/>
-      </a:fillRef>
-      <a:effectRef idx="0">
-        <a:scrgbClr r="0" g="0" b="0"/>
-      </a:effectRef>
-      <a:fontRef idx="minor"/>
-    </dgm:style>
-  </dgm:styleLbl>
-  <dgm:styleLbl name="callout">
-    <dgm:scene3d>
-      <a:camera prst="orthographicFront"/>
-      <a:lightRig rig="threePt" dir="t"/>
-    </dgm:scene3d>
-    <dgm:sp3d/>
-    <dgm:txPr/>
-    <dgm:style>
-      <a:lnRef idx="2">
-        <a:scrgbClr r="0" g="0" b="0"/>
-      </a:lnRef>
-      <a:fillRef idx="1">
-        <a:scrgbClr r="0" g="0" b="0"/>
-      </a:fillRef>
-      <a:effectRef idx="0">
-        <a:scrgbClr r="0" g="0" b="0"/>
-      </a:effectRef>
-      <a:fontRef idx="minor"/>
-    </dgm:style>
-  </dgm:styleLbl>
-  <dgm:styleLbl name="asst0">
-    <dgm:scene3d>
-      <a:camera prst="orthographicFront"/>
-      <a:lightRig rig="threePt" dir="t"/>
-    </dgm:scene3d>
-    <dgm:sp3d/>
-    <dgm:txPr/>
-    <dgm:style>
-      <a:lnRef idx="2">
-        <a:scrgbClr r="0" g="0" b="0"/>
-      </a:lnRef>
-      <a:fillRef idx="1">
-        <a:scrgbClr r="0" g="0" b="0"/>
-      </a:fillRef>
-      <a:effectRef idx="0">
-        <a:scrgbClr r="0" g="0" b="0"/>
-      </a:effectRef>
-      <a:fontRef idx="minor">
-        <a:schemeClr val="lt1"/>
-      </a:fontRef>
-    </dgm:style>
-  </dgm:styleLbl>
-  <dgm:styleLbl name="asst1">
-    <dgm:scene3d>
-      <a:camera prst="orthographicFront"/>
-      <a:lightRig rig="threePt" dir="t"/>
-    </dgm:scene3d>
-    <dgm:sp3d/>
-    <dgm:txPr/>
-    <dgm:style>
-      <a:lnRef idx="2">
-        <a:scrgbClr r="0" g="0" b="0"/>
-      </a:lnRef>
-      <a:fillRef idx="1">
-        <a:scrgbClr r="0" g="0" b="0"/>
-      </a:fillRef>
-      <a:effectRef idx="0">
-        <a:scrgbClr r="0" g="0" b="0"/>
-      </a:effectRef>
-      <a:fontRef idx="minor">
-        <a:schemeClr val="lt1"/>
-      </a:fontRef>
-    </dgm:style>
-  </dgm:styleLbl>
-  <dgm:styleLbl name="asst2">
-    <dgm:scene3d>
-      <a:camera prst="orthographicFront"/>
-      <a:lightRig rig="threePt" dir="t"/>
-    </dgm:scene3d>
-    <dgm:sp3d/>
-    <dgm:txPr/>
-    <dgm:style>
-      <a:lnRef idx="2">
-        <a:scrgbClr r="0" g="0" b="0"/>
-      </a:lnRef>
-      <a:fillRef idx="1">
-        <a:scrgbClr r="0" g="0" b="0"/>
-      </a:fillRef>
-      <a:effectRef idx="0">
-        <a:scrgbClr r="0" g="0" b="0"/>
-      </a:effectRef>
-      <a:fontRef idx="minor">
-        <a:schemeClr val="lt1"/>
-      </a:fontRef>
-    </dgm:style>
-  </dgm:styleLbl>
-  <dgm:styleLbl name="asst3">
-    <dgm:scene3d>
-      <a:camera prst="orthographicFront"/>
-      <a:lightRig rig="threePt" dir="t"/>
-    </dgm:scene3d>
-    <dgm:sp3d/>
-    <dgm:txPr/>
-    <dgm:style>
-      <a:lnRef idx="2">
-        <a:scrgbClr r="0" g="0" b="0"/>
-      </a:lnRef>
-      <a:fillRef idx="1">
-        <a:scrgbClr r="0" g="0" b="0"/>
-      </a:fillRef>
-      <a:effectRef idx="0">
-        <a:scrgbClr r="0" g="0" b="0"/>
-      </a:effectRef>
-      <a:fontRef idx="minor">
-        <a:schemeClr val="lt1"/>
-      </a:fontRef>
-    </dgm:style>
-  </dgm:styleLbl>
-  <dgm:styleLbl name="asst4">
-    <dgm:scene3d>
-      <a:camera prst="orthographicFront"/>
-      <a:lightRig rig="threePt" dir="t"/>
-    </dgm:scene3d>
-    <dgm:sp3d/>
-    <dgm:txPr/>
-    <dgm:style>
-      <a:lnRef idx="2">
-        <a:scrgbClr r="0" g="0" b="0"/>
-      </a:lnRef>
-      <a:fillRef idx="1">
-        <a:scrgbClr r="0" g="0" b="0"/>
-      </a:fillRef>
-      <a:effectRef idx="0">
-        <a:scrgbClr r="0" g="0" b="0"/>
-      </a:effectRef>
-      <a:fontRef idx="minor">
-        <a:schemeClr val="lt1"/>
-      </a:fontRef>
-    </dgm:style>
-  </dgm:styleLbl>
-  <dgm:styleLbl name="parChTrans2D1">
-    <dgm:scene3d>
-      <a:camera prst="orthographicFront"/>
-      <a:lightRig rig="threePt" dir="t"/>
-    </dgm:scene3d>
-    <dgm:sp3d/>
-    <dgm:txPr/>
-    <dgm:style>
-      <a:lnRef idx="2">
-        <a:scrgbClr r="0" g="0" b="0"/>
-      </a:lnRef>
-      <a:fillRef idx="1">
-        <a:scrgbClr r="0" g="0" b="0"/>
-      </a:fillRef>
-      <a:effectRef idx="0">
-        <a:scrgbClr r="0" g="0" b="0"/>
-      </a:effectRef>
-      <a:fontRef idx="minor">
-        <a:schemeClr val="lt1"/>
-      </a:fontRef>
-    </dgm:style>
-  </dgm:styleLbl>
-  <dgm:styleLbl name="parChTrans2D2">
-    <dgm:scene3d>
-      <a:camera prst="orthographicFront"/>
-      <a:lightRig rig="threePt" dir="t"/>
-    </dgm:scene3d>
-    <dgm:sp3d/>
-    <dgm:txPr/>
-    <dgm:style>
-      <a:lnRef idx="2">
-        <a:scrgbClr r="0" g="0" b="0"/>
-      </a:lnRef>
-      <a:fillRef idx="1">
-        <a:scrgbClr r="0" g="0" b="0"/>
-      </a:fillRef>
-      <a:effectRef idx="0">
-        <a:scrgbClr r="0" g="0" b="0"/>
-      </a:effectRef>
-      <a:fontRef idx="minor">
-        <a:schemeClr val="lt1"/>
-      </a:fontRef>
-    </dgm:style>
-  </dgm:styleLbl>
-  <dgm:styleLbl name="parChTrans2D3">
-    <dgm:scene3d>
-      <a:camera prst="orthographicFront"/>
-      <a:lightRig rig="threePt" dir="t"/>
-    </dgm:scene3d>
-    <dgm:sp3d/>
-    <dgm:txPr/>
-    <dgm:style>
-      <a:lnRef idx="2">
-        <a:scrgbClr r="0" g="0" b="0"/>
-      </a:lnRef>
-      <a:fillRef idx="1">
-        <a:scrgbClr r="0" g="0" b="0"/>
-      </a:fillRef>
-      <a:effectRef idx="0">
-        <a:scrgbClr r="0" g="0" b="0"/>
-      </a:effectRef>
-      <a:fontRef idx="minor">
-        <a:schemeClr val="lt1"/>
-      </a:fontRef>
-    </dgm:style>
-  </dgm:styleLbl>
-  <dgm:styleLbl name="parChTrans2D4">
-    <dgm:scene3d>
-      <a:camera prst="orthographicFront"/>
-      <a:lightRig rig="threePt" dir="t"/>
-    </dgm:scene3d>
-    <dgm:sp3d/>
-    <dgm:txPr/>
-    <dgm:style>
-      <a:lnRef idx="2">
-        <a:scrgbClr r="0" g="0" b="0"/>
-      </a:lnRef>
-      <a:fillRef idx="1">
-        <a:scrgbClr r="0" g="0" b="0"/>
-      </a:fillRef>
-      <a:effectRef idx="0">
-        <a:scrgbClr r="0" g="0" b="0"/>
-      </a:effectRef>
-      <a:fontRef idx="minor">
-        <a:schemeClr val="lt1"/>
-      </a:fontRef>
-    </dgm:style>
-  </dgm:styleLbl>
-  <dgm:styleLbl name="parChTrans1D1">
-    <dgm:scene3d>
-      <a:camera prst="orthographicFront"/>
-      <a:lightRig rig="threePt" dir="t"/>
-    </dgm:scene3d>
-    <dgm:sp3d/>
-    <dgm:txPr/>
-    <dgm:style>
-      <a:lnRef idx="2">
-        <a:scrgbClr r="0" g="0" b="0"/>
-      </a:lnRef>
-      <a:fillRef idx="0">
-        <a:scrgbClr r="0" g="0" b="0"/>
-      </a:fillRef>
-      <a:effectRef idx="0">
-        <a:scrgbClr r="0" g="0" b="0"/>
-      </a:effectRef>
-      <a:fontRef idx="minor"/>
-    </dgm:style>
-  </dgm:styleLbl>
-  <dgm:styleLbl name="parChTrans1D2">
-    <dgm:scene3d>
-      <a:camera prst="orthographicFront"/>
-      <a:lightRig rig="threePt" dir="t"/>
-    </dgm:scene3d>
-    <dgm:sp3d/>
-    <dgm:txPr/>
-    <dgm:style>
-      <a:lnRef idx="2">
-        <a:scrgbClr r="0" g="0" b="0"/>
-      </a:lnRef>
-      <a:fillRef idx="0">
-        <a:scrgbClr r="0" g="0" b="0"/>
-      </a:fillRef>
-      <a:effectRef idx="0">
-        <a:scrgbClr r="0" g="0" b="0"/>
-      </a:effectRef>
-      <a:fontRef idx="minor"/>
-    </dgm:style>
-  </dgm:styleLbl>
-  <dgm:styleLbl name="parChTrans1D3">
-    <dgm:scene3d>
-      <a:camera prst="orthographicFront"/>
-      <a:lightRig rig="threePt" dir="t"/>
-    </dgm:scene3d>
-    <dgm:sp3d/>
-    <dgm:txPr/>
-    <dgm:style>
-      <a:lnRef idx="2">
-        <a:scrgbClr r="0" g="0" b="0"/>
-      </a:lnRef>
-      <a:fillRef idx="0">
-        <a:scrgbClr r="0" g="0" b="0"/>
-      </a:fillRef>
-      <a:effectRef idx="0">
-        <a:scrgbClr r="0" g="0" b="0"/>
-      </a:effectRef>
-      <a:fontRef idx="minor"/>
-    </dgm:style>
-  </dgm:styleLbl>
-  <dgm:styleLbl name="parChTrans1D4">
-    <dgm:scene3d>
-      <a:camera prst="orthographicFront"/>
-      <a:lightRig rig="threePt" dir="t"/>
-    </dgm:scene3d>
-    <dgm:sp3d/>
-    <dgm:txPr/>
-    <dgm:style>
-      <a:lnRef idx="2">
-        <a:scrgbClr r="0" g="0" b="0"/>
-      </a:lnRef>
-      <a:fillRef idx="0">
-        <a:scrgbClr r="0" g="0" b="0"/>
-      </a:fillRef>
-      <a:effectRef idx="0">
-        <a:scrgbClr r="0" g="0" b="0"/>
-      </a:effectRef>
-      <a:fontRef idx="minor"/>
-    </dgm:style>
-  </dgm:styleLbl>
-  <dgm:styleLbl name="fgAcc1">
-    <dgm:scene3d>
-      <a:camera prst="orthographicFront"/>
-      <a:lightRig rig="threePt" dir="t"/>
-    </dgm:scene3d>
-    <dgm:sp3d/>
-    <dgm:txPr/>
-    <dgm:style>
-      <a:lnRef idx="2">
-        <a:scrgbClr r="0" g="0" b="0"/>
-      </a:lnRef>
-      <a:fillRef idx="1">
-        <a:scrgbClr r="0" g="0" b="0"/>
-      </a:fillRef>
-      <a:effectRef idx="0">
-        <a:scrgbClr r="0" g="0" b="0"/>
-      </a:effectRef>
-      <a:fontRef idx="minor"/>
-    </dgm:style>
-  </dgm:styleLbl>
-  <dgm:styleLbl name="conFgAcc1">
-    <dgm:scene3d>
-      <a:camera prst="orthographicFront"/>
-      <a:lightRig rig="threePt" dir="t"/>
-    </dgm:scene3d>
-    <dgm:sp3d/>
-    <dgm:txPr/>
-    <dgm:style>
-      <a:lnRef idx="2">
-        <a:scrgbClr r="0" g="0" b="0"/>
-      </a:lnRef>
-      <a:fillRef idx="1">
-        <a:scrgbClr r="0" g="0" b="0"/>
-      </a:fillRef>
-      <a:effectRef idx="0">
-        <a:scrgbClr r="0" g="0" b="0"/>
-      </a:effectRef>
-      <a:fontRef idx="minor"/>
-    </dgm:style>
-  </dgm:styleLbl>
-  <dgm:styleLbl name="alignAcc1">
-    <dgm:scene3d>
-      <a:camera prst="orthographicFront"/>
-      <a:lightRig rig="threePt" dir="t"/>
-    </dgm:scene3d>
-    <dgm:sp3d/>
-    <dgm:txPr/>
-    <dgm:style>
-      <a:lnRef idx="2">
-        <a:scrgbClr r="0" g="0" b="0"/>
-      </a:lnRef>
-      <a:fillRef idx="1">
-        <a:scrgbClr r="0" g="0" b="0"/>
-      </a:fillRef>
-      <a:effectRef idx="0">
-        <a:scrgbClr r="0" g="0" b="0"/>
-      </a:effectRef>
-      <a:fontRef idx="minor"/>
-    </dgm:style>
-  </dgm:styleLbl>
-  <dgm:styleLbl name="trAlignAcc1">
-    <dgm:scene3d>
-      <a:camera prst="orthographicFront"/>
-      <a:lightRig rig="threePt" dir="t"/>
-    </dgm:scene3d>
-    <dgm:sp3d/>
-    <dgm:txPr/>
-    <dgm:style>
-      <a:lnRef idx="1">
-        <a:scrgbClr r="0" g="0" b="0"/>
-      </a:lnRef>
-      <a:fillRef idx="1">
-        <a:scrgbClr r="0" g="0" b="0"/>
-      </a:fillRef>
-      <a:effectRef idx="0">
-        <a:scrgbClr r="0" g="0" b="0"/>
-      </a:effectRef>
-      <a:fontRef idx="minor"/>
-    </dgm:style>
-  </dgm:styleLbl>
-  <dgm:styleLbl name="bgAcc1">
-    <dgm:scene3d>
-      <a:camera prst="orthographicFront"/>
-      <a:lightRig rig="threePt" dir="t"/>
-    </dgm:scene3d>
-    <dgm:sp3d/>
-    <dgm:txPr/>
-    <dgm:style>
-      <a:lnRef idx="2">
-        <a:scrgbClr r="0" g="0" b="0"/>
-      </a:lnRef>
-      <a:fillRef idx="1">
-        <a:scrgbClr r="0" g="0" b="0"/>
-      </a:fillRef>
-      <a:effectRef idx="0">
-        <a:scrgbClr r="0" g="0" b="0"/>
-      </a:effectRef>
-      <a:fontRef idx="minor"/>
-    </dgm:style>
-  </dgm:styleLbl>
-  <dgm:styleLbl name="solidFgAcc1">
-    <dgm:scene3d>
-      <a:camera prst="orthographicFront"/>
-      <a:lightRig rig="threePt" dir="t"/>
-    </dgm:scene3d>
-    <dgm:sp3d/>
-    <dgm:txPr/>
-    <dgm:style>
-      <a:lnRef idx="2">
-        <a:scrgbClr r="0" g="0" b="0"/>
-      </a:lnRef>
-      <a:fillRef idx="1">
-        <a:scrgbClr r="0" g="0" b="0"/>
-      </a:fillRef>
-      <a:effectRef idx="0">
-        <a:scrgbClr r="0" g="0" b="0"/>
-      </a:effectRef>
-      <a:fontRef idx="minor"/>
-    </dgm:style>
-  </dgm:styleLbl>
-  <dgm:styleLbl name="solidAlignAcc1">
-    <dgm:scene3d>
-      <a:camera prst="orthographicFront"/>
-      <a:lightRig rig="threePt" dir="t"/>
-    </dgm:scene3d>
-    <dgm:sp3d/>
-    <dgm:txPr/>
-    <dgm:style>
-      <a:lnRef idx="2">
-        <a:scrgbClr r="0" g="0" b="0"/>
-      </a:lnRef>
-      <a:fillRef idx="1">
-        <a:scrgbClr r="0" g="0" b="0"/>
-      </a:fillRef>
-      <a:effectRef idx="0">
-        <a:scrgbClr r="0" g="0" b="0"/>
-      </a:effectRef>
-      <a:fontRef idx="minor"/>
-    </dgm:style>
-  </dgm:styleLbl>
-  <dgm:styleLbl name="solidBgAcc1">
-    <dgm:scene3d>
-      <a:camera prst="orthographicFront"/>
-      <a:lightRig rig="threePt" dir="t"/>
-    </dgm:scene3d>
-    <dgm:sp3d/>
-    <dgm:txPr/>
-    <dgm:style>
-      <a:lnRef idx="2">
-        <a:scrgbClr r="0" g="0" b="0"/>
-      </a:lnRef>
-      <a:fillRef idx="1">
-        <a:scrgbClr r="0" g="0" b="0"/>
-      </a:fillRef>
-      <a:effectRef idx="0">
-        <a:scrgbClr r="0" g="0" b="0"/>
-      </a:effectRef>
-      <a:fontRef idx="minor"/>
-    </dgm:style>
-  </dgm:styleLbl>
-  <dgm:styleLbl name="fgAccFollowNode1">
-    <dgm:scene3d>
-      <a:camera prst="orthographicFront"/>
-      <a:lightRig rig="threePt" dir="t"/>
-    </dgm:scene3d>
-    <dgm:sp3d/>
-    <dgm:txPr/>
-    <dgm:style>
-      <a:lnRef idx="2">
-        <a:scrgbClr r="0" g="0" b="0"/>
-      </a:lnRef>
-      <a:fillRef idx="1">
-        <a:scrgbClr r="0" g="0" b="0"/>
-      </a:fillRef>
-      <a:effectRef idx="0">
-        <a:scrgbClr r="0" g="0" b="0"/>
-      </a:effectRef>
-      <a:fontRef idx="minor"/>
-    </dgm:style>
-  </dgm:styleLbl>
-  <dgm:styleLbl name="alignAccFollowNode1">
-    <dgm:scene3d>
-      <a:camera prst="orthographicFront"/>
-      <a:lightRig rig="threePt" dir="t"/>
-    </dgm:scene3d>
-    <dgm:sp3d/>
-    <dgm:txPr/>
-    <dgm:style>
-      <a:lnRef idx="2">
-        <a:scrgbClr r="0" g="0" b="0"/>
-      </a:lnRef>
-      <a:fillRef idx="1">
-        <a:scrgbClr r="0" g="0" b="0"/>
-      </a:fillRef>
-      <a:effectRef idx="0">
-        <a:scrgbClr r="0" g="0" b="0"/>
-      </a:effectRef>
-      <a:fontRef idx="minor"/>
-    </dgm:style>
-  </dgm:styleLbl>
-  <dgm:styleLbl name="bgAccFollowNode1">
-    <dgm:scene3d>
-      <a:camera prst="orthographicFront"/>
-      <a:lightRig rig="threePt" dir="t"/>
-    </dgm:scene3d>
-    <dgm:sp3d/>
-    <dgm:txPr/>
-    <dgm:style>
-      <a:lnRef idx="2">
-        <a:scrgbClr r="0" g="0" b="0"/>
-      </a:lnRef>
-      <a:fillRef idx="1">
-        <a:scrgbClr r="0" g="0" b="0"/>
-      </a:fillRef>
-      <a:effectRef idx="0">
-        <a:scrgbClr r="0" g="0" b="0"/>
-      </a:effectRef>
-      <a:fontRef idx="minor"/>
-    </dgm:style>
-  </dgm:styleLbl>
-  <dgm:styleLbl name="fgAcc0">
-    <dgm:scene3d>
-      <a:camera prst="orthographicFront"/>
-      <a:lightRig rig="threePt" dir="t"/>
-    </dgm:scene3d>
-    <dgm:sp3d/>
-    <dgm:txPr/>
-    <dgm:style>
-      <a:lnRef idx="2">
-        <a:scrgbClr r="0" g="0" b="0"/>
-      </a:lnRef>
-      <a:fillRef idx="1">
-        <a:scrgbClr r="0" g="0" b="0"/>
-      </a:fillRef>
-      <a:effectRef idx="0">
-        <a:scrgbClr r="0" g="0" b="0"/>
-      </a:effectRef>
-      <a:fontRef idx="minor"/>
-    </dgm:style>
-  </dgm:styleLbl>
-  <dgm:styleLbl name="fgAcc2">
-    <dgm:scene3d>
-      <a:camera prst="orthographicFront"/>
-      <a:lightRig rig="threePt" dir="t"/>
-    </dgm:scene3d>
-    <dgm:sp3d/>
-    <dgm:txPr/>
-    <dgm:style>
-      <a:lnRef idx="2">
-        <a:scrgbClr r="0" g="0" b="0"/>
-      </a:lnRef>
-      <a:fillRef idx="1">
-        <a:scrgbClr r="0" g="0" b="0"/>
-      </a:fillRef>
-      <a:effectRef idx="0">
-        <a:scrgbClr r="0" g="0" b="0"/>
-      </a:effectRef>
-      <a:fontRef idx="minor"/>
-    </dgm:style>
-  </dgm:styleLbl>
-  <dgm:styleLbl name="fgAcc3">
-    <dgm:scene3d>
-      <a:camera prst="orthographicFront"/>
-      <a:lightRig rig="threePt" dir="t"/>
-    </dgm:scene3d>
-    <dgm:sp3d/>
-    <dgm:txPr/>
-    <dgm:style>
-      <a:lnRef idx="2">
-        <a:scrgbClr r="0" g="0" b="0"/>
-      </a:lnRef>
-      <a:fillRef idx="1">
-        <a:scrgbClr r="0" g="0" b="0"/>
-      </a:fillRef>
-      <a:effectRef idx="0">
-        <a:scrgbClr r="0" g="0" b="0"/>
-      </a:effectRef>
-      <a:fontRef idx="minor"/>
-    </dgm:style>
-  </dgm:styleLbl>
-  <dgm:styleLbl name="fgAcc4">
-    <dgm:scene3d>
-      <a:camera prst="orthographicFront"/>
-      <a:lightRig rig="threePt" dir="t"/>
-    </dgm:scene3d>
-    <dgm:sp3d/>
-    <dgm:txPr/>
-    <dgm:style>
-      <a:lnRef idx="2">
-        <a:scrgbClr r="0" g="0" b="0"/>
-      </a:lnRef>
-      <a:fillRef idx="1">
-        <a:scrgbClr r="0" g="0" b="0"/>
-      </a:fillRef>
-      <a:effectRef idx="0">
-        <a:scrgbClr r="0" g="0" b="0"/>
-      </a:effectRef>
-      <a:fontRef idx="minor"/>
-    </dgm:style>
-  </dgm:styleLbl>
-  <dgm:styleLbl name="bgShp">
-    <dgm:scene3d>
-      <a:camera prst="orthographicFront"/>
-      <a:lightRig rig="threePt" dir="t"/>
-    </dgm:scene3d>
-    <dgm:sp3d/>
-    <dgm:txPr/>
-    <dgm:style>
-      <a:lnRef idx="0">
-        <a:scrgbClr r="0" g="0" b="0"/>
-      </a:lnRef>
-      <a:fillRef idx="1">
-        <a:scrgbClr r="0" g="0" b="0"/>
-      </a:fillRef>
-      <a:effectRef idx="0">
-        <a:scrgbClr r="0" g="0" b="0"/>
-      </a:effectRef>
-      <a:fontRef idx="minor"/>
-    </dgm:style>
-  </dgm:styleLbl>
-  <dgm:styleLbl name="dkBgShp">
-    <dgm:scene3d>
-      <a:camera prst="orthographicFront"/>
-      <a:lightRig rig="threePt" dir="t"/>
-    </dgm:scene3d>
-    <dgm:sp3d/>
-    <dgm:txPr/>
-    <dgm:style>
-      <a:lnRef idx="0">
-        <a:scrgbClr r="0" g="0" b="0"/>
-      </a:lnRef>
-      <a:fillRef idx="1">
-        <a:scrgbClr r="0" g="0" b="0"/>
-      </a:fillRef>
-      <a:effectRef idx="0">
-        <a:scrgbClr r="0" g="0" b="0"/>
-      </a:effectRef>
-      <a:fontRef idx="minor"/>
-    </dgm:style>
-  </dgm:styleLbl>
-  <dgm:styleLbl name="trBgShp">
-    <dgm:scene3d>
-      <a:camera prst="orthographicFront"/>
-      <a:lightRig rig="threePt" dir="t"/>
-    </dgm:scene3d>
-    <dgm:sp3d/>
-    <dgm:txPr/>
-    <dgm:style>
-      <a:lnRef idx="0">
-        <a:scrgbClr r="0" g="0" b="0"/>
-      </a:lnRef>
-      <a:fillRef idx="1">
-        <a:scrgbClr r="0" g="0" b="0"/>
-      </a:fillRef>
-      <a:effectRef idx="0">
-        <a:scrgbClr r="0" g="0" b="0"/>
-      </a:effectRef>
-      <a:fontRef idx="minor"/>
-    </dgm:style>
-  </dgm:styleLbl>
-  <dgm:styleLbl name="fgShp">
-    <dgm:scene3d>
-      <a:camera prst="orthographicFront"/>
-      <a:lightRig rig="threePt" dir="t"/>
-    </dgm:scene3d>
-    <dgm:sp3d/>
-    <dgm:txPr/>
-    <dgm:style>
-      <a:lnRef idx="2">
-        <a:scrgbClr r="0" g="0" b="0"/>
-      </a:lnRef>
-      <a:fillRef idx="1">
-        <a:scrgbClr r="0" g="0" b="0"/>
-      </a:fillRef>
-      <a:effectRef idx="0">
-        <a:scrgbClr r="0" g="0" b="0"/>
-      </a:effectRef>
-      <a:fontRef idx="minor"/>
-    </dgm:style>
-  </dgm:styleLbl>
-  <dgm:styleLbl name="revTx">
-    <dgm:scene3d>
-      <a:camera prst="orthographicFront"/>
-      <a:lightRig rig="threePt" dir="t"/>
-    </dgm:scene3d>
-    <dgm:sp3d/>
-    <dgm:txPr/>
-    <dgm:style>
-      <a:lnRef idx="0">
-        <a:scrgbClr r="0" g="0" b="0"/>
-      </a:lnRef>
-      <a:fillRef idx="0">
-        <a:scrgbClr r="0" g="0" b="0"/>
-      </a:fillRef>
-      <a:effectRef idx="0">
-        <a:scrgbClr r="0" g="0" b="0"/>
-      </a:effectRef>
-      <a:fontRef idx="minor"/>
-    </dgm:style>
-  </dgm:styleLbl>
-</dgm:styleDef>
-</file>
-
-<file path=ppt/diagrams/quickStyle4.xml><?xml version="1.0" encoding="utf-8"?>
 <dgm:styleDef xmlns:dgm="http://schemas.openxmlformats.org/drawingml/2006/diagram" xmlns:a="http://schemas.openxmlformats.org/drawingml/2006/main" uniqueId="urn:microsoft.com/office/officeart/2005/8/quickstyle/simple1">
   <dgm:title val=""/>
   <dgm:desc val=""/>
@@ -11953,7 +9073,7 @@
           <a:p>
             <a:fld id="{5BCAD085-E8A6-8845-BD4E-CB4CCA059FC4}" type="datetimeFigureOut">
               <a:rPr lang="en-US" smtClean="0"/>
-              <a:t>5/4/2025</a:t>
+              <a:t>5/31/2025</a:t>
             </a:fld>
             <a:endParaRPr lang="en-US"/>
           </a:p>
@@ -12121,7 +9241,7 @@
           <a:p>
             <a:fld id="{5BCAD085-E8A6-8845-BD4E-CB4CCA059FC4}" type="datetimeFigureOut">
               <a:rPr lang="en-US" smtClean="0"/>
-              <a:t>5/4/2025</a:t>
+              <a:t>5/31/2025</a:t>
             </a:fld>
             <a:endParaRPr lang="en-US"/>
           </a:p>
@@ -12299,7 +9419,7 @@
           <a:p>
             <a:fld id="{5BCAD085-E8A6-8845-BD4E-CB4CCA059FC4}" type="datetimeFigureOut">
               <a:rPr lang="en-US" smtClean="0"/>
-              <a:t>5/4/2025</a:t>
+              <a:t>5/31/2025</a:t>
             </a:fld>
             <a:endParaRPr lang="en-US"/>
           </a:p>
@@ -12467,7 +9587,7 @@
           <a:p>
             <a:fld id="{5BCAD085-E8A6-8845-BD4E-CB4CCA059FC4}" type="datetimeFigureOut">
               <a:rPr lang="en-US" smtClean="0"/>
-              <a:t>5/4/2025</a:t>
+              <a:t>5/31/2025</a:t>
             </a:fld>
             <a:endParaRPr lang="en-US"/>
           </a:p>
@@ -12712,7 +9832,7 @@
           <a:p>
             <a:fld id="{5BCAD085-E8A6-8845-BD4E-CB4CCA059FC4}" type="datetimeFigureOut">
               <a:rPr lang="en-US" smtClean="0"/>
-              <a:t>5/4/2025</a:t>
+              <a:t>5/31/2025</a:t>
             </a:fld>
             <a:endParaRPr lang="en-US"/>
           </a:p>
@@ -12997,7 +10117,7 @@
           <a:p>
             <a:fld id="{5BCAD085-E8A6-8845-BD4E-CB4CCA059FC4}" type="datetimeFigureOut">
               <a:rPr lang="en-US" smtClean="0"/>
-              <a:t>5/4/2025</a:t>
+              <a:t>5/31/2025</a:t>
             </a:fld>
             <a:endParaRPr lang="en-US"/>
           </a:p>
@@ -13416,7 +10536,7 @@
           <a:p>
             <a:fld id="{5BCAD085-E8A6-8845-BD4E-CB4CCA059FC4}" type="datetimeFigureOut">
               <a:rPr lang="en-US" smtClean="0"/>
-              <a:t>5/4/2025</a:t>
+              <a:t>5/31/2025</a:t>
             </a:fld>
             <a:endParaRPr lang="en-US"/>
           </a:p>
@@ -13533,7 +10653,7 @@
           <a:p>
             <a:fld id="{5BCAD085-E8A6-8845-BD4E-CB4CCA059FC4}" type="datetimeFigureOut">
               <a:rPr lang="en-US" smtClean="0"/>
-              <a:t>5/4/2025</a:t>
+              <a:t>5/31/2025</a:t>
             </a:fld>
             <a:endParaRPr lang="en-US"/>
           </a:p>
@@ -13628,7 +10748,7 @@
           <a:p>
             <a:fld id="{5BCAD085-E8A6-8845-BD4E-CB4CCA059FC4}" type="datetimeFigureOut">
               <a:rPr lang="en-US" smtClean="0"/>
-              <a:t>5/4/2025</a:t>
+              <a:t>5/31/2025</a:t>
             </a:fld>
             <a:endParaRPr lang="en-US"/>
           </a:p>
@@ -13903,7 +11023,7 @@
           <a:p>
             <a:fld id="{5BCAD085-E8A6-8845-BD4E-CB4CCA059FC4}" type="datetimeFigureOut">
               <a:rPr lang="en-US" smtClean="0"/>
-              <a:t>5/4/2025</a:t>
+              <a:t>5/31/2025</a:t>
             </a:fld>
             <a:endParaRPr lang="en-US"/>
           </a:p>
@@ -14155,7 +11275,7 @@
           <a:p>
             <a:fld id="{5BCAD085-E8A6-8845-BD4E-CB4CCA059FC4}" type="datetimeFigureOut">
               <a:rPr lang="en-US" smtClean="0"/>
-              <a:t>5/4/2025</a:t>
+              <a:t>5/31/2025</a:t>
             </a:fld>
             <a:endParaRPr lang="en-US"/>
           </a:p>
@@ -14366,7 +11486,7 @@
           <a:p>
             <a:fld id="{5BCAD085-E8A6-8845-BD4E-CB4CCA059FC4}" type="datetimeFigureOut">
               <a:rPr lang="en-US" smtClean="0"/>
-              <a:t>5/4/2025</a:t>
+              <a:t>5/31/2025</a:t>
             </a:fld>
             <a:endParaRPr lang="en-US"/>
           </a:p>
@@ -16026,6 +13146,119 @@
 </p:sld>
 </file>
 
+<file path=ppt/slides/slide10.xml><?xml version="1.0" encoding="utf-8"?>
+<p:sld xmlns:a="http://schemas.openxmlformats.org/drawingml/2006/main" xmlns:r="http://schemas.openxmlformats.org/officeDocument/2006/relationships" xmlns:p="http://schemas.openxmlformats.org/presentationml/2006/main">
+  <p:cSld>
+    <p:spTree>
+      <p:nvGrpSpPr>
+        <p:cNvPr id="1" name="">
+          <a:extLst>
+            <a:ext uri="{FF2B5EF4-FFF2-40B4-BE49-F238E27FC236}">
+              <a16:creationId xmlns:a16="http://schemas.microsoft.com/office/drawing/2014/main" id="{50638AFB-0DF9-1642-F844-DEC3CC9D9D70}"/>
+            </a:ext>
+          </a:extLst>
+        </p:cNvPr>
+        <p:cNvGrpSpPr/>
+        <p:nvPr/>
+      </p:nvGrpSpPr>
+      <p:grpSpPr>
+        <a:xfrm>
+          <a:off x="0" y="0"/>
+          <a:ext cx="0" cy="0"/>
+          <a:chOff x="0" y="0"/>
+          <a:chExt cx="0" cy="0"/>
+        </a:xfrm>
+      </p:grpSpPr>
+      <p:sp>
+        <p:nvSpPr>
+          <p:cNvPr id="2" name="Título 1">
+            <a:extLst>
+              <a:ext uri="{FF2B5EF4-FFF2-40B4-BE49-F238E27FC236}">
+                <a16:creationId xmlns:a16="http://schemas.microsoft.com/office/drawing/2014/main" id="{711A294A-D85A-776A-75DD-0E4A14459ABE}"/>
+              </a:ext>
+            </a:extLst>
+          </p:cNvPr>
+          <p:cNvSpPr>
+            <a:spLocks noGrp="1"/>
+          </p:cNvSpPr>
+          <p:nvPr>
+            <p:ph type="title"/>
+          </p:nvPr>
+        </p:nvSpPr>
+        <p:spPr/>
+        <p:txBody>
+          <a:bodyPr/>
+          <a:lstStyle/>
+          <a:p>
+            <a:r>
+              <a:rPr lang="es-ES" dirty="0"/>
+              <a:t>Demostración</a:t>
+            </a:r>
+            <a:endParaRPr lang="es-CO" dirty="0"/>
+          </a:p>
+        </p:txBody>
+      </p:sp>
+      <p:sp>
+        <p:nvSpPr>
+          <p:cNvPr id="3" name="CuadroTexto 2">
+            <a:extLst>
+              <a:ext uri="{FF2B5EF4-FFF2-40B4-BE49-F238E27FC236}">
+                <a16:creationId xmlns:a16="http://schemas.microsoft.com/office/drawing/2014/main" id="{6BF41397-90B3-C796-97F5-3368274EE992}"/>
+              </a:ext>
+            </a:extLst>
+          </p:cNvPr>
+          <p:cNvSpPr txBox="1"/>
+          <p:nvPr/>
+        </p:nvSpPr>
+        <p:spPr>
+          <a:xfrm>
+            <a:off x="526473" y="1773382"/>
+            <a:ext cx="8229600" cy="369332"/>
+          </a:xfrm>
+          <a:prstGeom prst="rect">
+            <a:avLst/>
+          </a:prstGeom>
+          <a:noFill/>
+        </p:spPr>
+        <p:txBody>
+          <a:bodyPr wrap="square" rtlCol="0">
+            <a:spAutoFit/>
+          </a:bodyPr>
+          <a:lstStyle/>
+          <a:p>
+            <a:pPr marL="285750" indent="-285750">
+              <a:buFont typeface="Arial" panose="020B0604020202020204" pitchFamily="34" charset="0"/>
+              <a:buChar char="•"/>
+            </a:pPr>
+            <a:r>
+              <a:rPr lang="es-ES" dirty="0"/>
+              <a:t>Demostración consumiendo el modelo a </a:t>
+            </a:r>
+            <a:r>
+              <a:rPr lang="es-ES" dirty="0" err="1"/>
+              <a:t>trvés</a:t>
+            </a:r>
+            <a:r>
+              <a:rPr lang="es-ES" dirty="0"/>
+              <a:t> de un API</a:t>
+            </a:r>
+            <a:endParaRPr lang="es-CO" dirty="0"/>
+          </a:p>
+        </p:txBody>
+      </p:sp>
+    </p:spTree>
+    <p:extLst>
+      <p:ext uri="{BB962C8B-B14F-4D97-AF65-F5344CB8AC3E}">
+        <p14:creationId xmlns:p14="http://schemas.microsoft.com/office/powerpoint/2010/main" val="1074037431"/>
+      </p:ext>
+    </p:extLst>
+  </p:cSld>
+  <p:clrMapOvr>
+    <a:masterClrMapping/>
+  </p:clrMapOvr>
+</p:sld>
+</file>
+
 <file path=ppt/slides/slide2.xml><?xml version="1.0" encoding="utf-8"?>
 <p:sld xmlns:a="http://schemas.openxmlformats.org/drawingml/2006/main" xmlns:r="http://schemas.openxmlformats.org/officeDocument/2006/relationships" xmlns:p="http://schemas.openxmlformats.org/presentationml/2006/main">
   <p:cSld>
@@ -16280,462 +13513,6 @@
 </file>
 
 <file path=ppt/slides/slide3.xml><?xml version="1.0" encoding="utf-8"?>
-<p:sld xmlns:a="http://schemas.openxmlformats.org/drawingml/2006/main" xmlns:r="http://schemas.openxmlformats.org/officeDocument/2006/relationships" xmlns:p="http://schemas.openxmlformats.org/presentationml/2006/main">
-  <p:cSld>
-    <p:spTree>
-      <p:nvGrpSpPr>
-        <p:cNvPr id="1" name="">
-          <a:extLst>
-            <a:ext uri="{FF2B5EF4-FFF2-40B4-BE49-F238E27FC236}">
-              <a16:creationId xmlns:a16="http://schemas.microsoft.com/office/drawing/2014/main" id="{43F790F6-D35F-48E0-ADC6-D27E1D92ED06}"/>
-            </a:ext>
-          </a:extLst>
-        </p:cNvPr>
-        <p:cNvGrpSpPr/>
-        <p:nvPr/>
-      </p:nvGrpSpPr>
-      <p:grpSpPr>
-        <a:xfrm>
-          <a:off x="0" y="0"/>
-          <a:ext cx="0" cy="0"/>
-          <a:chOff x="0" y="0"/>
-          <a:chExt cx="0" cy="0"/>
-        </a:xfrm>
-      </p:grpSpPr>
-      <p:graphicFrame>
-        <p:nvGraphicFramePr>
-          <p:cNvPr id="5" name="Content Placeholder 2">
-            <a:extLst>
-              <a:ext uri="{FF2B5EF4-FFF2-40B4-BE49-F238E27FC236}">
-                <a16:creationId xmlns:a16="http://schemas.microsoft.com/office/drawing/2014/main" id="{3123A2F2-A59F-A1D8-651D-DAB3A5E4CBC5}"/>
-              </a:ext>
-            </a:extLst>
-          </p:cNvPr>
-          <p:cNvGraphicFramePr>
-            <a:graphicFrameLocks noGrp="1"/>
-          </p:cNvGraphicFramePr>
-          <p:nvPr>
-            <p:ph idx="1"/>
-            <p:extLst>
-              <p:ext uri="{D42A27DB-BD31-4B8C-83A1-F6EECF244321}">
-                <p14:modId xmlns:p14="http://schemas.microsoft.com/office/powerpoint/2010/main" val="3779402461"/>
-              </p:ext>
-            </p:extLst>
-          </p:nvPr>
-        </p:nvGraphicFramePr>
-        <p:xfrm>
-          <a:off x="628650" y="1534382"/>
-          <a:ext cx="7886700" cy="4357524"/>
-        </p:xfrm>
-        <a:graphic>
-          <a:graphicData uri="http://schemas.openxmlformats.org/drawingml/2006/diagram">
-            <dgm:relIds xmlns:dgm="http://schemas.openxmlformats.org/drawingml/2006/diagram" xmlns:r="http://schemas.openxmlformats.org/officeDocument/2006/relationships" r:dm="rId2" r:lo="rId3" r:qs="rId4" r:cs="rId5"/>
-          </a:graphicData>
-        </a:graphic>
-      </p:graphicFrame>
-      <p:pic>
-        <p:nvPicPr>
-          <p:cNvPr id="3" name="Picture 2" descr="Universidad de Medellín - Universidad de Medellín">
-            <a:extLst>
-              <a:ext uri="{FF2B5EF4-FFF2-40B4-BE49-F238E27FC236}">
-                <a16:creationId xmlns:a16="http://schemas.microsoft.com/office/drawing/2014/main" id="{4732D5A8-4E44-97C3-C616-5B1E1BB98688}"/>
-              </a:ext>
-            </a:extLst>
-          </p:cNvPr>
-          <p:cNvPicPr>
-            <a:picLocks noChangeAspect="1" noChangeArrowheads="1"/>
-          </p:cNvPicPr>
-          <p:nvPr/>
-        </p:nvPicPr>
-        <p:blipFill>
-          <a:blip r:embed="rId7">
-            <a:extLst>
-              <a:ext uri="{28A0092B-C50C-407E-A947-70E740481C1C}">
-                <a14:useLocalDpi xmlns:a14="http://schemas.microsoft.com/office/drawing/2010/main" val="0"/>
-              </a:ext>
-            </a:extLst>
-          </a:blip>
-          <a:srcRect/>
-          <a:stretch>
-            <a:fillRect/>
-          </a:stretch>
-        </p:blipFill>
-        <p:spPr bwMode="auto">
-          <a:xfrm>
-            <a:off x="1" y="1"/>
-            <a:ext cx="2136710" cy="761098"/>
-          </a:xfrm>
-          <a:prstGeom prst="rect">
-            <a:avLst/>
-          </a:prstGeom>
-          <a:noFill/>
-          <a:extLst>
-            <a:ext uri="{909E8E84-426E-40DD-AFC4-6F175D3DCCD1}">
-              <a14:hiddenFill xmlns:a14="http://schemas.microsoft.com/office/drawing/2010/main">
-                <a:solidFill>
-                  <a:srgbClr val="FFFFFF"/>
-                </a:solidFill>
-              </a14:hiddenFill>
-            </a:ext>
-          </a:extLst>
-        </p:spPr>
-      </p:pic>
-    </p:spTree>
-    <p:extLst>
-      <p:ext uri="{BB962C8B-B14F-4D97-AF65-F5344CB8AC3E}">
-        <p14:creationId xmlns:p14="http://schemas.microsoft.com/office/powerpoint/2010/main" val="2580947916"/>
-      </p:ext>
-    </p:extLst>
-  </p:cSld>
-  <p:clrMapOvr>
-    <a:masterClrMapping/>
-  </p:clrMapOvr>
-</p:sld>
-</file>
-
-<file path=ppt/slides/slide4.xml><?xml version="1.0" encoding="utf-8"?>
-<p:sld xmlns:a="http://schemas.openxmlformats.org/drawingml/2006/main" xmlns:r="http://schemas.openxmlformats.org/officeDocument/2006/relationships" xmlns:p="http://schemas.openxmlformats.org/presentationml/2006/main">
-  <p:cSld>
-    <p:bg>
-      <p:bgPr>
-        <a:solidFill>
-          <a:schemeClr val="bg1"/>
-        </a:solidFill>
-        <a:effectLst/>
-      </p:bgPr>
-    </p:bg>
-    <p:spTree>
-      <p:nvGrpSpPr>
-        <p:cNvPr id="1" name=""/>
-        <p:cNvGrpSpPr/>
-        <p:nvPr/>
-      </p:nvGrpSpPr>
-      <p:grpSpPr>
-        <a:xfrm>
-          <a:off x="0" y="0"/>
-          <a:ext cx="0" cy="0"/>
-          <a:chOff x="0" y="0"/>
-          <a:chExt cx="0" cy="0"/>
-        </a:xfrm>
-      </p:grpSpPr>
-      <p:sp useBgFill="1">
-        <p:nvSpPr>
-          <p:cNvPr id="9" name="Rectangle 8">
-            <a:extLst>
-              <a:ext uri="{FF2B5EF4-FFF2-40B4-BE49-F238E27FC236}">
-                <a16:creationId xmlns:a16="http://schemas.microsoft.com/office/drawing/2014/main" id="{53B021B3-DE93-4AB7-8A18-CF5F1CED88B8}"/>
-              </a:ext>
-              <a:ext uri="{C183D7F6-B498-43B3-948B-1728B52AA6E4}">
-                <adec:decorative xmlns:adec="http://schemas.microsoft.com/office/drawing/2017/decorative" val="1"/>
-              </a:ext>
-            </a:extLst>
-          </p:cNvPr>
-          <p:cNvSpPr>
-            <a:spLocks noGrp="1" noRot="1" noChangeAspect="1" noMove="1" noResize="1" noEditPoints="1" noAdjustHandles="1" noChangeArrowheads="1" noChangeShapeType="1" noTextEdit="1"/>
-          </p:cNvSpPr>
-          <p:nvPr>
-            <p:extLst>
-              <p:ext uri="{386F3935-93C4-4BCD-93E2-E3B085C9AB24}">
-                <p16:designElem xmlns:p16="http://schemas.microsoft.com/office/powerpoint/2015/main" val="1"/>
-              </p:ext>
-            </p:extLst>
-          </p:nvPr>
-        </p:nvSpPr>
-        <p:spPr>
-          <a:xfrm>
-            <a:off x="0" y="0"/>
-            <a:ext cx="9144000" cy="6858000"/>
-          </a:xfrm>
-          <a:prstGeom prst="rect">
-            <a:avLst/>
-          </a:prstGeom>
-          <a:ln>
-            <a:noFill/>
-          </a:ln>
-        </p:spPr>
-        <p:style>
-          <a:lnRef idx="2">
-            <a:schemeClr val="accent1">
-              <a:shade val="50000"/>
-            </a:schemeClr>
-          </a:lnRef>
-          <a:fillRef idx="1">
-            <a:schemeClr val="accent1"/>
-          </a:fillRef>
-          <a:effectRef idx="0">
-            <a:schemeClr val="accent1"/>
-          </a:effectRef>
-          <a:fontRef idx="minor">
-            <a:schemeClr val="lt1"/>
-          </a:fontRef>
-        </p:style>
-        <p:txBody>
-          <a:bodyPr rtlCol="0" anchor="ctr"/>
-          <a:lstStyle/>
-          <a:p>
-            <a:pPr algn="ctr"/>
-            <a:endParaRPr lang="en-US"/>
-          </a:p>
-        </p:txBody>
-      </p:sp>
-      <p:sp>
-        <p:nvSpPr>
-          <p:cNvPr id="2" name="Title 1"/>
-          <p:cNvSpPr>
-            <a:spLocks noGrp="1"/>
-          </p:cNvSpPr>
-          <p:nvPr>
-            <p:ph type="title"/>
-          </p:nvPr>
-        </p:nvSpPr>
-        <p:spPr>
-          <a:xfrm>
-            <a:off x="630936" y="461308"/>
-            <a:ext cx="7879842" cy="1014984"/>
-          </a:xfrm>
-        </p:spPr>
-        <p:txBody>
-          <a:bodyPr anchor="b">
-            <a:normAutofit/>
-          </a:bodyPr>
-          <a:lstStyle/>
-          <a:p>
-            <a:pPr>
-              <a:lnSpc>
-                <a:spcPct val="90000"/>
-              </a:lnSpc>
-            </a:pPr>
-            <a:r>
-              <a:rPr lang="es-MX" sz="3700" dirty="0"/>
-              <a:t>Proceso de Entrenamiento y Variables</a:t>
-            </a:r>
-          </a:p>
-        </p:txBody>
-      </p:sp>
-      <p:sp>
-        <p:nvSpPr>
-          <p:cNvPr id="11" name="Rectangle 10">
-            <a:extLst>
-              <a:ext uri="{FF2B5EF4-FFF2-40B4-BE49-F238E27FC236}">
-                <a16:creationId xmlns:a16="http://schemas.microsoft.com/office/drawing/2014/main" id="{52D502E5-F6B4-4D58-B4AE-FC466FF15EE8}"/>
-              </a:ext>
-              <a:ext uri="{C183D7F6-B498-43B3-948B-1728B52AA6E4}">
-                <adec:decorative xmlns:adec="http://schemas.microsoft.com/office/drawing/2017/decorative" val="1"/>
-              </a:ext>
-            </a:extLst>
-          </p:cNvPr>
-          <p:cNvSpPr>
-            <a:spLocks noGrp="1" noRot="1" noChangeAspect="1" noMove="1" noResize="1" noEditPoints="1" noAdjustHandles="1" noChangeArrowheads="1" noChangeShapeType="1" noTextEdit="1"/>
-          </p:cNvSpPr>
-          <p:nvPr>
-            <p:extLst>
-              <p:ext uri="{386F3935-93C4-4BCD-93E2-E3B085C9AB24}">
-                <p16:designElem xmlns:p16="http://schemas.microsoft.com/office/powerpoint/2015/main" val="1"/>
-              </p:ext>
-            </p:extLst>
-          </p:nvPr>
-        </p:nvSpPr>
-        <p:spPr>
-          <a:xfrm>
-            <a:off x="649464" y="1634502"/>
-            <a:ext cx="7838694" cy="18288"/>
-          </a:xfrm>
-          <a:prstGeom prst="rect">
-            <a:avLst/>
-          </a:prstGeom>
-          <a:solidFill>
-            <a:srgbClr val="D5D5D5"/>
-          </a:solidFill>
-          <a:ln w="3175">
-            <a:noFill/>
-          </a:ln>
-          <a:effectLst/>
-        </p:spPr>
-        <p:style>
-          <a:lnRef idx="2">
-            <a:schemeClr val="accent1">
-              <a:shade val="50000"/>
-            </a:schemeClr>
-          </a:lnRef>
-          <a:fillRef idx="1">
-            <a:schemeClr val="accent1"/>
-          </a:fillRef>
-          <a:effectRef idx="0">
-            <a:schemeClr val="accent1"/>
-          </a:effectRef>
-          <a:fontRef idx="minor">
-            <a:schemeClr val="lt1"/>
-          </a:fontRef>
-        </p:style>
-        <p:txBody>
-          <a:bodyPr rtlCol="0" anchor="ctr"/>
-          <a:lstStyle/>
-          <a:p>
-            <a:pPr algn="ctr"/>
-            <a:endParaRPr lang="en-US">
-              <a:solidFill>
-                <a:prstClr val="white"/>
-              </a:solidFill>
-              <a:latin typeface="Calibri" panose="020F0502020204030204"/>
-            </a:endParaRPr>
-          </a:p>
-        </p:txBody>
-      </p:sp>
-      <p:sp>
-        <p:nvSpPr>
-          <p:cNvPr id="13" name="Rectangle 12">
-            <a:extLst>
-              <a:ext uri="{FF2B5EF4-FFF2-40B4-BE49-F238E27FC236}">
-                <a16:creationId xmlns:a16="http://schemas.microsoft.com/office/drawing/2014/main" id="{9DECDBF4-02B6-4BB4-B65B-B8107AD6A9E8}"/>
-              </a:ext>
-              <a:ext uri="{C183D7F6-B498-43B3-948B-1728B52AA6E4}">
-                <adec:decorative xmlns:adec="http://schemas.microsoft.com/office/drawing/2017/decorative" val="1"/>
-              </a:ext>
-            </a:extLst>
-          </p:cNvPr>
-          <p:cNvSpPr>
-            <a:spLocks noGrp="1" noRot="1" noChangeAspect="1" noMove="1" noResize="1" noEditPoints="1" noAdjustHandles="1" noChangeArrowheads="1" noChangeShapeType="1" noTextEdit="1"/>
-          </p:cNvSpPr>
-          <p:nvPr>
-            <p:extLst>
-              <p:ext uri="{386F3935-93C4-4BCD-93E2-E3B085C9AB24}">
-                <p16:designElem xmlns:p16="http://schemas.microsoft.com/office/powerpoint/2015/main" val="1"/>
-              </p:ext>
-            </p:extLst>
-          </p:nvPr>
-        </p:nvSpPr>
-        <p:spPr>
-          <a:xfrm flipV="1">
-            <a:off x="630936" y="1538176"/>
-            <a:ext cx="1405092" cy="109814"/>
-          </a:xfrm>
-          <a:prstGeom prst="rect">
-            <a:avLst/>
-          </a:prstGeom>
-          <a:solidFill>
-            <a:schemeClr val="accent2"/>
-          </a:solidFill>
-          <a:ln>
-            <a:noFill/>
-          </a:ln>
-        </p:spPr>
-        <p:style>
-          <a:lnRef idx="2">
-            <a:schemeClr val="accent1">
-              <a:shade val="50000"/>
-            </a:schemeClr>
-          </a:lnRef>
-          <a:fillRef idx="1">
-            <a:schemeClr val="accent1"/>
-          </a:fillRef>
-          <a:effectRef idx="0">
-            <a:schemeClr val="accent1"/>
-          </a:effectRef>
-          <a:fontRef idx="minor">
-            <a:schemeClr val="lt1"/>
-          </a:fontRef>
-        </p:style>
-        <p:txBody>
-          <a:bodyPr rtlCol="0" anchor="ctr"/>
-          <a:lstStyle/>
-          <a:p>
-            <a:pPr algn="ctr"/>
-            <a:endParaRPr lang="en-US">
-              <a:solidFill>
-                <a:prstClr val="white"/>
-              </a:solidFill>
-              <a:latin typeface="Calibri" panose="020F0502020204030204"/>
-            </a:endParaRPr>
-          </a:p>
-        </p:txBody>
-      </p:sp>
-      <p:graphicFrame>
-        <p:nvGraphicFramePr>
-          <p:cNvPr id="5" name="Content Placeholder 2">
-            <a:extLst>
-              <a:ext uri="{FF2B5EF4-FFF2-40B4-BE49-F238E27FC236}">
-                <a16:creationId xmlns:a16="http://schemas.microsoft.com/office/drawing/2014/main" id="{DB2A7AC1-5B0B-10A7-527E-04C9EC306F68}"/>
-              </a:ext>
-            </a:extLst>
-          </p:cNvPr>
-          <p:cNvGraphicFramePr>
-            <a:graphicFrameLocks noGrp="1"/>
-          </p:cNvGraphicFramePr>
-          <p:nvPr>
-            <p:ph idx="1"/>
-            <p:extLst>
-              <p:ext uri="{D42A27DB-BD31-4B8C-83A1-F6EECF244321}">
-                <p14:modId xmlns:p14="http://schemas.microsoft.com/office/powerpoint/2010/main" val="689046168"/>
-              </p:ext>
-            </p:extLst>
-          </p:nvPr>
-        </p:nvGraphicFramePr>
-        <p:xfrm>
-          <a:off x="628650" y="1926266"/>
-          <a:ext cx="7886700" cy="4357524"/>
-        </p:xfrm>
-        <a:graphic>
-          <a:graphicData uri="http://schemas.openxmlformats.org/drawingml/2006/diagram">
-            <dgm:relIds xmlns:dgm="http://schemas.openxmlformats.org/drawingml/2006/diagram" xmlns:r="http://schemas.openxmlformats.org/officeDocument/2006/relationships" r:dm="rId2" r:lo="rId3" r:qs="rId4" r:cs="rId5"/>
-          </a:graphicData>
-        </a:graphic>
-      </p:graphicFrame>
-      <p:pic>
-        <p:nvPicPr>
-          <p:cNvPr id="3" name="Picture 2" descr="Universidad de Medellín - Universidad de Medellín">
-            <a:extLst>
-              <a:ext uri="{FF2B5EF4-FFF2-40B4-BE49-F238E27FC236}">
-                <a16:creationId xmlns:a16="http://schemas.microsoft.com/office/drawing/2014/main" id="{6EA376D7-3C4E-5F9D-1628-7C6ED541DDF1}"/>
-              </a:ext>
-            </a:extLst>
-          </p:cNvPr>
-          <p:cNvPicPr>
-            <a:picLocks noChangeAspect="1" noChangeArrowheads="1"/>
-          </p:cNvPicPr>
-          <p:nvPr/>
-        </p:nvPicPr>
-        <p:blipFill>
-          <a:blip r:embed="rId7">
-            <a:extLst>
-              <a:ext uri="{28A0092B-C50C-407E-A947-70E740481C1C}">
-                <a14:useLocalDpi xmlns:a14="http://schemas.microsoft.com/office/drawing/2010/main" val="0"/>
-              </a:ext>
-            </a:extLst>
-          </a:blip>
-          <a:srcRect/>
-          <a:stretch>
-            <a:fillRect/>
-          </a:stretch>
-        </p:blipFill>
-        <p:spPr bwMode="auto">
-          <a:xfrm>
-            <a:off x="1" y="1"/>
-            <a:ext cx="2136710" cy="761098"/>
-          </a:xfrm>
-          <a:prstGeom prst="rect">
-            <a:avLst/>
-          </a:prstGeom>
-          <a:noFill/>
-          <a:extLst>
-            <a:ext uri="{909E8E84-426E-40DD-AFC4-6F175D3DCCD1}">
-              <a14:hiddenFill xmlns:a14="http://schemas.microsoft.com/office/drawing/2010/main">
-                <a:solidFill>
-                  <a:srgbClr val="FFFFFF"/>
-                </a:solidFill>
-              </a14:hiddenFill>
-            </a:ext>
-          </a:extLst>
-        </p:spPr>
-      </p:pic>
-    </p:spTree>
-  </p:cSld>
-  <p:clrMapOvr>
-    <a:masterClrMapping/>
-  </p:clrMapOvr>
-</p:sld>
-</file>
-
-<file path=ppt/slides/slide5.xml><?xml version="1.0" encoding="utf-8"?>
 <p:sld xmlns:a="http://schemas.openxmlformats.org/drawingml/2006/main" xmlns:r="http://schemas.openxmlformats.org/officeDocument/2006/relationships" xmlns:p="http://schemas.openxmlformats.org/presentationml/2006/main">
   <p:cSld>
     <p:bg>
@@ -17345,7 +14122,396 @@
 </p:sld>
 </file>
 
+<file path=ppt/slides/slide4.xml><?xml version="1.0" encoding="utf-8"?>
+<p:sld xmlns:a="http://schemas.openxmlformats.org/drawingml/2006/main" xmlns:r="http://schemas.openxmlformats.org/officeDocument/2006/relationships" xmlns:p="http://schemas.openxmlformats.org/presentationml/2006/main">
+  <p:cSld>
+    <p:spTree>
+      <p:nvGrpSpPr>
+        <p:cNvPr id="1" name="">
+          <a:extLst>
+            <a:ext uri="{FF2B5EF4-FFF2-40B4-BE49-F238E27FC236}">
+              <a16:creationId xmlns:a16="http://schemas.microsoft.com/office/drawing/2014/main" id="{43F790F6-D35F-48E0-ADC6-D27E1D92ED06}"/>
+            </a:ext>
+          </a:extLst>
+        </p:cNvPr>
+        <p:cNvGrpSpPr/>
+        <p:nvPr/>
+      </p:nvGrpSpPr>
+      <p:grpSpPr>
+        <a:xfrm>
+          <a:off x="0" y="0"/>
+          <a:ext cx="0" cy="0"/>
+          <a:chOff x="0" y="0"/>
+          <a:chExt cx="0" cy="0"/>
+        </a:xfrm>
+      </p:grpSpPr>
+      <p:graphicFrame>
+        <p:nvGraphicFramePr>
+          <p:cNvPr id="5" name="Content Placeholder 2">
+            <a:extLst>
+              <a:ext uri="{FF2B5EF4-FFF2-40B4-BE49-F238E27FC236}">
+                <a16:creationId xmlns:a16="http://schemas.microsoft.com/office/drawing/2014/main" id="{3123A2F2-A59F-A1D8-651D-DAB3A5E4CBC5}"/>
+              </a:ext>
+            </a:extLst>
+          </p:cNvPr>
+          <p:cNvGraphicFramePr>
+            <a:graphicFrameLocks noGrp="1"/>
+          </p:cNvGraphicFramePr>
+          <p:nvPr>
+            <p:ph idx="1"/>
+            <p:extLst>
+              <p:ext uri="{D42A27DB-BD31-4B8C-83A1-F6EECF244321}">
+                <p14:modId xmlns:p14="http://schemas.microsoft.com/office/powerpoint/2010/main" val="3779402461"/>
+              </p:ext>
+            </p:extLst>
+          </p:nvPr>
+        </p:nvGraphicFramePr>
+        <p:xfrm>
+          <a:off x="628650" y="1534382"/>
+          <a:ext cx="7886700" cy="4357524"/>
+        </p:xfrm>
+        <a:graphic>
+          <a:graphicData uri="http://schemas.openxmlformats.org/drawingml/2006/diagram">
+            <dgm:relIds xmlns:dgm="http://schemas.openxmlformats.org/drawingml/2006/diagram" xmlns:r="http://schemas.openxmlformats.org/officeDocument/2006/relationships" r:dm="rId2" r:lo="rId3" r:qs="rId4" r:cs="rId5"/>
+          </a:graphicData>
+        </a:graphic>
+      </p:graphicFrame>
+      <p:pic>
+        <p:nvPicPr>
+          <p:cNvPr id="3" name="Picture 2" descr="Universidad de Medellín - Universidad de Medellín">
+            <a:extLst>
+              <a:ext uri="{FF2B5EF4-FFF2-40B4-BE49-F238E27FC236}">
+                <a16:creationId xmlns:a16="http://schemas.microsoft.com/office/drawing/2014/main" id="{4732D5A8-4E44-97C3-C616-5B1E1BB98688}"/>
+              </a:ext>
+            </a:extLst>
+          </p:cNvPr>
+          <p:cNvPicPr>
+            <a:picLocks noChangeAspect="1" noChangeArrowheads="1"/>
+          </p:cNvPicPr>
+          <p:nvPr/>
+        </p:nvPicPr>
+        <p:blipFill>
+          <a:blip r:embed="rId7">
+            <a:extLst>
+              <a:ext uri="{28A0092B-C50C-407E-A947-70E740481C1C}">
+                <a14:useLocalDpi xmlns:a14="http://schemas.microsoft.com/office/drawing/2010/main" val="0"/>
+              </a:ext>
+            </a:extLst>
+          </a:blip>
+          <a:srcRect/>
+          <a:stretch>
+            <a:fillRect/>
+          </a:stretch>
+        </p:blipFill>
+        <p:spPr bwMode="auto">
+          <a:xfrm>
+            <a:off x="1" y="1"/>
+            <a:ext cx="2136710" cy="761098"/>
+          </a:xfrm>
+          <a:prstGeom prst="rect">
+            <a:avLst/>
+          </a:prstGeom>
+          <a:noFill/>
+          <a:extLst>
+            <a:ext uri="{909E8E84-426E-40DD-AFC4-6F175D3DCCD1}">
+              <a14:hiddenFill xmlns:a14="http://schemas.microsoft.com/office/drawing/2010/main">
+                <a:solidFill>
+                  <a:srgbClr val="FFFFFF"/>
+                </a:solidFill>
+              </a14:hiddenFill>
+            </a:ext>
+          </a:extLst>
+        </p:spPr>
+      </p:pic>
+    </p:spTree>
+    <p:extLst>
+      <p:ext uri="{BB962C8B-B14F-4D97-AF65-F5344CB8AC3E}">
+        <p14:creationId xmlns:p14="http://schemas.microsoft.com/office/powerpoint/2010/main" val="2580947916"/>
+      </p:ext>
+    </p:extLst>
+  </p:cSld>
+  <p:clrMapOvr>
+    <a:masterClrMapping/>
+  </p:clrMapOvr>
+</p:sld>
+</file>
+
+<file path=ppt/slides/slide5.xml><?xml version="1.0" encoding="utf-8"?>
+<p:sld xmlns:a="http://schemas.openxmlformats.org/drawingml/2006/main" xmlns:r="http://schemas.openxmlformats.org/officeDocument/2006/relationships" xmlns:p="http://schemas.openxmlformats.org/presentationml/2006/main">
+  <p:cSld>
+    <p:spTree>
+      <p:nvGrpSpPr>
+        <p:cNvPr id="1" name=""/>
+        <p:cNvGrpSpPr/>
+        <p:nvPr/>
+      </p:nvGrpSpPr>
+      <p:grpSpPr>
+        <a:xfrm>
+          <a:off x="0" y="0"/>
+          <a:ext cx="0" cy="0"/>
+          <a:chOff x="0" y="0"/>
+          <a:chExt cx="0" cy="0"/>
+        </a:xfrm>
+      </p:grpSpPr>
+      <p:sp>
+        <p:nvSpPr>
+          <p:cNvPr id="2" name="Título 1">
+            <a:extLst>
+              <a:ext uri="{FF2B5EF4-FFF2-40B4-BE49-F238E27FC236}">
+                <a16:creationId xmlns:a16="http://schemas.microsoft.com/office/drawing/2014/main" id="{789CDD0F-E1CE-22F2-5B86-61FB0854C424}"/>
+              </a:ext>
+            </a:extLst>
+          </p:cNvPr>
+          <p:cNvSpPr>
+            <a:spLocks noGrp="1"/>
+          </p:cNvSpPr>
+          <p:nvPr>
+            <p:ph type="title"/>
+          </p:nvPr>
+        </p:nvSpPr>
+        <p:spPr/>
+        <p:txBody>
+          <a:bodyPr/>
+          <a:lstStyle/>
+          <a:p>
+            <a:r>
+              <a:rPr lang="es-ES" dirty="0"/>
+              <a:t>EDA</a:t>
+            </a:r>
+            <a:endParaRPr lang="es-CO" dirty="0"/>
+          </a:p>
+        </p:txBody>
+      </p:sp>
+      <p:sp>
+        <p:nvSpPr>
+          <p:cNvPr id="3" name="CuadroTexto 2">
+            <a:extLst>
+              <a:ext uri="{FF2B5EF4-FFF2-40B4-BE49-F238E27FC236}">
+                <a16:creationId xmlns:a16="http://schemas.microsoft.com/office/drawing/2014/main" id="{86E6EE6B-2997-8B5B-37D6-8E9549BDBD09}"/>
+              </a:ext>
+            </a:extLst>
+          </p:cNvPr>
+          <p:cNvSpPr txBox="1"/>
+          <p:nvPr/>
+        </p:nvSpPr>
+        <p:spPr>
+          <a:xfrm>
+            <a:off x="526473" y="1773382"/>
+            <a:ext cx="8229600" cy="1754326"/>
+          </a:xfrm>
+          <a:prstGeom prst="rect">
+            <a:avLst/>
+          </a:prstGeom>
+          <a:noFill/>
+        </p:spPr>
+        <p:txBody>
+          <a:bodyPr wrap="square" rtlCol="0">
+            <a:spAutoFit/>
+          </a:bodyPr>
+          <a:lstStyle/>
+          <a:p>
+            <a:pPr marL="285750" indent="-285750">
+              <a:buFont typeface="Arial" panose="020B0604020202020204" pitchFamily="34" charset="0"/>
+              <a:buChar char="•"/>
+            </a:pPr>
+            <a:r>
+              <a:rPr lang="es-ES" dirty="0"/>
+              <a:t>Mostrar el desbalanceo de los datos (Recalcar que se escoge f1 score debido a este desbalanceo de los datos). GRAFICA.</a:t>
+            </a:r>
+          </a:p>
+          <a:p>
+            <a:pPr marL="285750" indent="-285750">
+              <a:buFont typeface="Arial" panose="020B0604020202020204" pitchFamily="34" charset="0"/>
+              <a:buChar char="•"/>
+            </a:pPr>
+            <a:r>
+              <a:rPr lang="es-ES" dirty="0"/>
+              <a:t>Localidades</a:t>
+            </a:r>
+          </a:p>
+          <a:p>
+            <a:pPr marL="285750" indent="-285750">
+              <a:buFont typeface="Arial" panose="020B0604020202020204" pitchFamily="34" charset="0"/>
+              <a:buChar char="•"/>
+            </a:pPr>
+            <a:r>
+              <a:rPr lang="es-ES" dirty="0" err="1"/>
+              <a:t>Categorias</a:t>
+            </a:r>
+            <a:endParaRPr lang="es-ES" dirty="0"/>
+          </a:p>
+          <a:p>
+            <a:pPr marL="285750" indent="-285750">
+              <a:buFont typeface="Arial" panose="020B0604020202020204" pitchFamily="34" charset="0"/>
+              <a:buChar char="•"/>
+            </a:pPr>
+            <a:r>
+              <a:rPr lang="es-ES" dirty="0"/>
+              <a:t>Estratos</a:t>
+            </a:r>
+          </a:p>
+          <a:p>
+            <a:pPr marL="285750" indent="-285750">
+              <a:buFont typeface="Arial" panose="020B0604020202020204" pitchFamily="34" charset="0"/>
+              <a:buChar char="•"/>
+            </a:pPr>
+            <a:endParaRPr lang="es-CO" dirty="0"/>
+          </a:p>
+        </p:txBody>
+      </p:sp>
+    </p:spTree>
+    <p:extLst>
+      <p:ext uri="{BB962C8B-B14F-4D97-AF65-F5344CB8AC3E}">
+        <p14:creationId xmlns:p14="http://schemas.microsoft.com/office/powerpoint/2010/main" val="755125060"/>
+      </p:ext>
+    </p:extLst>
+  </p:cSld>
+  <p:clrMapOvr>
+    <a:masterClrMapping/>
+  </p:clrMapOvr>
+</p:sld>
+</file>
+
 <file path=ppt/slides/slide6.xml><?xml version="1.0" encoding="utf-8"?>
+<p:sld xmlns:a="http://schemas.openxmlformats.org/drawingml/2006/main" xmlns:r="http://schemas.openxmlformats.org/officeDocument/2006/relationships" xmlns:p="http://schemas.openxmlformats.org/presentationml/2006/main">
+  <p:cSld>
+    <p:spTree>
+      <p:nvGrpSpPr>
+        <p:cNvPr id="1" name="">
+          <a:extLst>
+            <a:ext uri="{FF2B5EF4-FFF2-40B4-BE49-F238E27FC236}">
+              <a16:creationId xmlns:a16="http://schemas.microsoft.com/office/drawing/2014/main" id="{91096B3D-3895-AA62-2EF2-0711E85710AD}"/>
+            </a:ext>
+          </a:extLst>
+        </p:cNvPr>
+        <p:cNvGrpSpPr/>
+        <p:nvPr/>
+      </p:nvGrpSpPr>
+      <p:grpSpPr>
+        <a:xfrm>
+          <a:off x="0" y="0"/>
+          <a:ext cx="0" cy="0"/>
+          <a:chOff x="0" y="0"/>
+          <a:chExt cx="0" cy="0"/>
+        </a:xfrm>
+      </p:grpSpPr>
+      <p:sp>
+        <p:nvSpPr>
+          <p:cNvPr id="2" name="Título 1">
+            <a:extLst>
+              <a:ext uri="{FF2B5EF4-FFF2-40B4-BE49-F238E27FC236}">
+                <a16:creationId xmlns:a16="http://schemas.microsoft.com/office/drawing/2014/main" id="{561BE10A-B378-9A84-4010-BAEE5278ABD0}"/>
+              </a:ext>
+            </a:extLst>
+          </p:cNvPr>
+          <p:cNvSpPr>
+            <a:spLocks noGrp="1"/>
+          </p:cNvSpPr>
+          <p:nvPr>
+            <p:ph type="title"/>
+          </p:nvPr>
+        </p:nvSpPr>
+        <p:spPr/>
+        <p:txBody>
+          <a:bodyPr/>
+          <a:lstStyle/>
+          <a:p>
+            <a:r>
+              <a:rPr lang="es-ES" dirty="0"/>
+              <a:t>Depuración de los datos</a:t>
+            </a:r>
+            <a:endParaRPr lang="es-CO" dirty="0"/>
+          </a:p>
+        </p:txBody>
+      </p:sp>
+      <p:sp>
+        <p:nvSpPr>
+          <p:cNvPr id="3" name="CuadroTexto 2">
+            <a:extLst>
+              <a:ext uri="{FF2B5EF4-FFF2-40B4-BE49-F238E27FC236}">
+                <a16:creationId xmlns:a16="http://schemas.microsoft.com/office/drawing/2014/main" id="{AF39D0C6-6ADB-E20B-44EB-5994620C20D9}"/>
+              </a:ext>
+            </a:extLst>
+          </p:cNvPr>
+          <p:cNvSpPr txBox="1"/>
+          <p:nvPr/>
+        </p:nvSpPr>
+        <p:spPr>
+          <a:xfrm>
+            <a:off x="526473" y="1773382"/>
+            <a:ext cx="8229600" cy="1200329"/>
+          </a:xfrm>
+          <a:prstGeom prst="rect">
+            <a:avLst/>
+          </a:prstGeom>
+          <a:noFill/>
+        </p:spPr>
+        <p:txBody>
+          <a:bodyPr wrap="square" rtlCol="0">
+            <a:spAutoFit/>
+          </a:bodyPr>
+          <a:lstStyle/>
+          <a:p>
+            <a:pPr marL="285750" indent="-285750">
+              <a:buFont typeface="Arial" panose="020B0604020202020204" pitchFamily="34" charset="0"/>
+              <a:buChar char="•"/>
+            </a:pPr>
+            <a:r>
+              <a:rPr lang="es-ES" dirty="0"/>
+              <a:t>4.1. porqué se eliminó la variable nivel de tensión</a:t>
+            </a:r>
+            <a:br>
+              <a:rPr lang="es-ES" dirty="0"/>
+            </a:br>
+            <a:r>
+              <a:rPr lang="es-ES" dirty="0"/>
+              <a:t>4.2. bajamos la cardinalidad del tipo de servicio dejando solo agua, energía y gas</a:t>
+            </a:r>
+            <a:br>
+              <a:rPr lang="es-ES" dirty="0"/>
+            </a:br>
+            <a:r>
+              <a:rPr lang="es-ES" dirty="0"/>
+              <a:t>4.3. como la data ya contaba con unos </a:t>
+            </a:r>
+            <a:r>
+              <a:rPr lang="es-ES" dirty="0" err="1"/>
+              <a:t>codigos</a:t>
+            </a:r>
+            <a:r>
+              <a:rPr lang="es-ES" dirty="0"/>
+              <a:t>, esos se conservan y para las que no tenían se hizo el proceso de </a:t>
+            </a:r>
+            <a:r>
+              <a:rPr lang="es-ES" dirty="0" err="1"/>
+              <a:t>Label</a:t>
+            </a:r>
+            <a:r>
+              <a:rPr lang="es-ES" dirty="0"/>
+              <a:t> </a:t>
+            </a:r>
+            <a:r>
+              <a:rPr lang="es-ES" dirty="0" err="1"/>
+              <a:t>encoding</a:t>
+            </a:r>
+            <a:endParaRPr lang="es-CO" dirty="0"/>
+          </a:p>
+        </p:txBody>
+      </p:sp>
+    </p:spTree>
+    <p:extLst>
+      <p:ext uri="{BB962C8B-B14F-4D97-AF65-F5344CB8AC3E}">
+        <p14:creationId xmlns:p14="http://schemas.microsoft.com/office/powerpoint/2010/main" val="1542162496"/>
+      </p:ext>
+    </p:extLst>
+  </p:cSld>
+  <p:clrMapOvr>
+    <a:masterClrMapping/>
+  </p:clrMapOvr>
+</p:sld>
+</file>
+
+<file path=ppt/slides/slide7.xml><?xml version="1.0" encoding="utf-8"?>
 <p:sld xmlns:a="http://schemas.openxmlformats.org/drawingml/2006/main" xmlns:r="http://schemas.openxmlformats.org/officeDocument/2006/relationships" xmlns:p="http://schemas.openxmlformats.org/presentationml/2006/main">
   <p:cSld>
     <p:bg>
@@ -17375,7 +14541,7 @@
           <p:cNvPr id="9" name="Rectangle 8">
             <a:extLst>
               <a:ext uri="{FF2B5EF4-FFF2-40B4-BE49-F238E27FC236}">
-                <a16:creationId xmlns:a16="http://schemas.microsoft.com/office/drawing/2014/main" id="{BACC6370-2D7E-4714-9D71-7542949D7D5D}"/>
+                <a16:creationId xmlns:a16="http://schemas.microsoft.com/office/drawing/2014/main" id="{53B021B3-DE93-4AB7-8A18-CF5F1CED88B8}"/>
               </a:ext>
               <a:ext uri="{C183D7F6-B498-43B3-948B-1728B52AA6E4}">
                 <adec:decorative xmlns:adec="http://schemas.microsoft.com/office/drawing/2017/decorative" val="1"/>
@@ -17401,97 +14567,6 @@
           <a:prstGeom prst="rect">
             <a:avLst/>
           </a:prstGeom>
-          <a:ln w="12700" cap="flat" cmpd="sng" algn="ctr">
-            <a:noFill/>
-            <a:prstDash val="solid"/>
-            <a:miter lim="800000"/>
-          </a:ln>
-          <a:effectLst/>
-          <a:extLst>
-            <a:ext uri="{91240B29-F687-4F45-9708-019B960494DF}">
-              <a14:hiddenLine xmlns:a14="http://schemas.microsoft.com/office/drawing/2010/main" w="12700" cap="flat" cmpd="sng" algn="ctr">
-                <a:solidFill>
-                  <a:schemeClr val="accent1">
-                    <a:shade val="50000"/>
-                  </a:schemeClr>
-                </a:solidFill>
-                <a:prstDash val="solid"/>
-                <a:miter lim="800000"/>
-              </a14:hiddenLine>
-            </a:ext>
-          </a:extLst>
-        </p:spPr>
-        <p:style>
-          <a:lnRef idx="2">
-            <a:schemeClr val="accent1">
-              <a:shade val="50000"/>
-            </a:schemeClr>
-          </a:lnRef>
-          <a:fillRef idx="1">
-            <a:schemeClr val="accent1"/>
-          </a:fillRef>
-          <a:effectRef idx="0">
-            <a:schemeClr val="accent1"/>
-          </a:effectRef>
-          <a:fontRef idx="minor">
-            <a:schemeClr val="lt1"/>
-          </a:fontRef>
-        </p:style>
-        <p:txBody>
-          <a:bodyPr rtlCol="0" anchor="ctr"/>
-          <a:lstStyle/>
-          <a:p>
-            <a:pPr algn="ctr"/>
-            <a:endParaRPr lang="en-US"/>
-          </a:p>
-        </p:txBody>
-      </p:sp>
-      <p:sp>
-        <p:nvSpPr>
-          <p:cNvPr id="11" name="Rectangle 10">
-            <a:extLst>
-              <a:ext uri="{FF2B5EF4-FFF2-40B4-BE49-F238E27FC236}">
-                <a16:creationId xmlns:a16="http://schemas.microsoft.com/office/drawing/2014/main" id="{F68B3F68-107C-434F-AA38-110D5EA91B85}"/>
-              </a:ext>
-              <a:ext uri="{C183D7F6-B498-43B3-948B-1728B52AA6E4}">
-                <adec:decorative xmlns:adec="http://schemas.microsoft.com/office/drawing/2017/decorative" val="1"/>
-              </a:ext>
-            </a:extLst>
-          </p:cNvPr>
-          <p:cNvSpPr>
-            <a:spLocks noGrp="1" noRot="1" noChangeAspect="1" noMove="1" noResize="1" noEditPoints="1" noAdjustHandles="1" noChangeArrowheads="1" noChangeShapeType="1" noTextEdit="1"/>
-          </p:cNvSpPr>
-          <p:nvPr>
-            <p:extLst>
-              <p:ext uri="{386F3935-93C4-4BCD-93E2-E3B085C9AB24}">
-                <p16:designElem xmlns:p16="http://schemas.microsoft.com/office/powerpoint/2015/main" val="1"/>
-              </p:ext>
-            </p:extLst>
-          </p:nvPr>
-        </p:nvSpPr>
-        <p:spPr>
-          <a:xfrm flipH="1">
-            <a:off x="1" y="0"/>
-            <a:ext cx="9143999" cy="1575955"/>
-          </a:xfrm>
-          <a:prstGeom prst="rect">
-            <a:avLst/>
-          </a:prstGeom>
-          <a:gradFill>
-            <a:gsLst>
-              <a:gs pos="0">
-                <a:srgbClr val="000000">
-                  <a:alpha val="96000"/>
-                </a:srgbClr>
-              </a:gs>
-              <a:gs pos="100000">
-                <a:schemeClr val="accent1">
-                  <a:lumMod val="75000"/>
-                </a:schemeClr>
-              </a:gs>
-            </a:gsLst>
-            <a:lin ang="8400000" scaled="0"/>
-          </a:gradFill>
           <a:ln>
             <a:noFill/>
           </a:ln>
@@ -17523,10 +14598,44 @@
       </p:sp>
       <p:sp>
         <p:nvSpPr>
-          <p:cNvPr id="13" name="Rectangle 12">
+          <p:cNvPr id="2" name="Title 1"/>
+          <p:cNvSpPr>
+            <a:spLocks noGrp="1"/>
+          </p:cNvSpPr>
+          <p:nvPr>
+            <p:ph type="title"/>
+          </p:nvPr>
+        </p:nvSpPr>
+        <p:spPr>
+          <a:xfrm>
+            <a:off x="630936" y="461308"/>
+            <a:ext cx="7879842" cy="1014984"/>
+          </a:xfrm>
+        </p:spPr>
+        <p:txBody>
+          <a:bodyPr anchor="b">
+            <a:normAutofit/>
+          </a:bodyPr>
+          <a:lstStyle/>
+          <a:p>
+            <a:pPr>
+              <a:lnSpc>
+                <a:spcPct val="90000"/>
+              </a:lnSpc>
+            </a:pPr>
+            <a:r>
+              <a:rPr lang="es-MX" sz="3700" dirty="0"/>
+              <a:t>Proceso de Entrenamiento y Variables</a:t>
+            </a:r>
+          </a:p>
+        </p:txBody>
+      </p:sp>
+      <p:sp>
+        <p:nvSpPr>
+          <p:cNvPr id="11" name="Rectangle 10">
             <a:extLst>
               <a:ext uri="{FF2B5EF4-FFF2-40B4-BE49-F238E27FC236}">
-                <a16:creationId xmlns:a16="http://schemas.microsoft.com/office/drawing/2014/main" id="{AAD0DBB9-1A4B-4391-81D4-CB19F9AB918A}"/>
+                <a16:creationId xmlns:a16="http://schemas.microsoft.com/office/drawing/2014/main" id="{52D502E5-F6B4-4D58-B4AE-FC466FF15EE8}"/>
               </a:ext>
               <a:ext uri="{C183D7F6-B498-43B3-948B-1728B52AA6E4}">
                 <adec:decorative xmlns:adec="http://schemas.microsoft.com/office/drawing/2017/decorative" val="1"/>
@@ -17545,29 +14654,85 @@
           </p:nvPr>
         </p:nvSpPr>
         <p:spPr>
-          <a:xfrm rot="10800000" flipH="1">
-            <a:off x="6096642" y="0"/>
-            <a:ext cx="3047358" cy="1576412"/>
+          <a:xfrm>
+            <a:off x="649464" y="1634502"/>
+            <a:ext cx="7838694" cy="18288"/>
           </a:xfrm>
           <a:prstGeom prst="rect">
             <a:avLst/>
           </a:prstGeom>
-          <a:gradFill>
-            <a:gsLst>
-              <a:gs pos="19000">
-                <a:schemeClr val="accent1">
-                  <a:lumMod val="50000"/>
-                  <a:alpha val="68000"/>
-                </a:schemeClr>
-              </a:gs>
-              <a:gs pos="100000">
-                <a:schemeClr val="accent1">
-                  <a:alpha val="79000"/>
-                </a:schemeClr>
-              </a:gs>
-            </a:gsLst>
-            <a:lin ang="19200000" scaled="0"/>
-          </a:gradFill>
+          <a:solidFill>
+            <a:srgbClr val="D5D5D5"/>
+          </a:solidFill>
+          <a:ln w="3175">
+            <a:noFill/>
+          </a:ln>
+          <a:effectLst/>
+        </p:spPr>
+        <p:style>
+          <a:lnRef idx="2">
+            <a:schemeClr val="accent1">
+              <a:shade val="50000"/>
+            </a:schemeClr>
+          </a:lnRef>
+          <a:fillRef idx="1">
+            <a:schemeClr val="accent1"/>
+          </a:fillRef>
+          <a:effectRef idx="0">
+            <a:schemeClr val="accent1"/>
+          </a:effectRef>
+          <a:fontRef idx="minor">
+            <a:schemeClr val="lt1"/>
+          </a:fontRef>
+        </p:style>
+        <p:txBody>
+          <a:bodyPr rtlCol="0" anchor="ctr"/>
+          <a:lstStyle/>
+          <a:p>
+            <a:pPr algn="ctr"/>
+            <a:endParaRPr lang="en-US">
+              <a:solidFill>
+                <a:prstClr val="white"/>
+              </a:solidFill>
+              <a:latin typeface="Calibri" panose="020F0502020204030204"/>
+            </a:endParaRPr>
+          </a:p>
+        </p:txBody>
+      </p:sp>
+      <p:sp>
+        <p:nvSpPr>
+          <p:cNvPr id="13" name="Rectangle 12">
+            <a:extLst>
+              <a:ext uri="{FF2B5EF4-FFF2-40B4-BE49-F238E27FC236}">
+                <a16:creationId xmlns:a16="http://schemas.microsoft.com/office/drawing/2014/main" id="{9DECDBF4-02B6-4BB4-B65B-B8107AD6A9E8}"/>
+              </a:ext>
+              <a:ext uri="{C183D7F6-B498-43B3-948B-1728B52AA6E4}">
+                <adec:decorative xmlns:adec="http://schemas.microsoft.com/office/drawing/2017/decorative" val="1"/>
+              </a:ext>
+            </a:extLst>
+          </p:cNvPr>
+          <p:cNvSpPr>
+            <a:spLocks noGrp="1" noRot="1" noChangeAspect="1" noMove="1" noResize="1" noEditPoints="1" noAdjustHandles="1" noChangeArrowheads="1" noChangeShapeType="1" noTextEdit="1"/>
+          </p:cNvSpPr>
+          <p:nvPr>
+            <p:extLst>
+              <p:ext uri="{386F3935-93C4-4BCD-93E2-E3B085C9AB24}">
+                <p16:designElem xmlns:p16="http://schemas.microsoft.com/office/powerpoint/2015/main" val="1"/>
+              </p:ext>
+            </p:extLst>
+          </p:nvPr>
+        </p:nvSpPr>
+        <p:spPr>
+          <a:xfrm flipV="1">
+            <a:off x="630936" y="1538176"/>
+            <a:ext cx="1405092" cy="109814"/>
+          </a:xfrm>
+          <a:prstGeom prst="rect">
+            <a:avLst/>
+          </a:prstGeom>
+          <a:solidFill>
+            <a:schemeClr val="accent2"/>
+          </a:solidFill>
           <a:ln>
             <a:noFill/>
           </a:ln>
@@ -17593,115 +14758,12 @@
           <a:lstStyle/>
           <a:p>
             <a:pPr algn="ctr"/>
-            <a:endParaRPr lang="en-US"/>
-          </a:p>
-        </p:txBody>
-      </p:sp>
-      <p:sp>
-        <p:nvSpPr>
-          <p:cNvPr id="15" name="Rectangle 14">
-            <a:extLst>
-              <a:ext uri="{FF2B5EF4-FFF2-40B4-BE49-F238E27FC236}">
-                <a16:creationId xmlns:a16="http://schemas.microsoft.com/office/drawing/2014/main" id="{063BBA22-50EA-4C4D-BE05-F1CE4E63AA56}"/>
-              </a:ext>
-              <a:ext uri="{C183D7F6-B498-43B3-948B-1728B52AA6E4}">
-                <adec:decorative xmlns:adec="http://schemas.microsoft.com/office/drawing/2017/decorative" val="1"/>
-              </a:ext>
-            </a:extLst>
-          </p:cNvPr>
-          <p:cNvSpPr>
-            <a:spLocks noGrp="1" noRot="1" noChangeAspect="1" noMove="1" noResize="1" noEditPoints="1" noAdjustHandles="1" noChangeArrowheads="1" noChangeShapeType="1" noTextEdit="1"/>
-          </p:cNvSpPr>
-          <p:nvPr>
-            <p:extLst>
-              <p:ext uri="{386F3935-93C4-4BCD-93E2-E3B085C9AB24}">
-                <p16:designElem xmlns:p16="http://schemas.microsoft.com/office/powerpoint/2015/main" val="1"/>
-              </p:ext>
-            </p:extLst>
-          </p:nvPr>
-        </p:nvSpPr>
-        <p:spPr>
-          <a:xfrm rot="5400000">
-            <a:off x="3783777" y="-3783778"/>
-            <a:ext cx="1576446" cy="9144002"/>
-          </a:xfrm>
-          <a:prstGeom prst="rect">
-            <a:avLst/>
-          </a:prstGeom>
-          <a:gradFill>
-            <a:gsLst>
-              <a:gs pos="23000">
-                <a:schemeClr val="accent1">
-                  <a:alpha val="0"/>
-                </a:schemeClr>
-              </a:gs>
-              <a:gs pos="99000">
-                <a:srgbClr val="000000">
-                  <a:alpha val="74000"/>
-                </a:srgbClr>
-              </a:gs>
-            </a:gsLst>
-            <a:lin ang="20400000" scaled="0"/>
-          </a:gradFill>
-          <a:ln>
-            <a:noFill/>
-          </a:ln>
-        </p:spPr>
-        <p:style>
-          <a:lnRef idx="2">
-            <a:schemeClr val="accent1">
-              <a:shade val="50000"/>
-            </a:schemeClr>
-          </a:lnRef>
-          <a:fillRef idx="1">
-            <a:schemeClr val="accent1"/>
-          </a:fillRef>
-          <a:effectRef idx="0">
-            <a:schemeClr val="accent1"/>
-          </a:effectRef>
-          <a:fontRef idx="minor">
-            <a:schemeClr val="lt1"/>
-          </a:fontRef>
-        </p:style>
-        <p:txBody>
-          <a:bodyPr rtlCol="0" anchor="ctr"/>
-          <a:lstStyle/>
-          <a:p>
-            <a:pPr algn="ctr"/>
-            <a:endParaRPr lang="en-US" dirty="0"/>
-          </a:p>
-        </p:txBody>
-      </p:sp>
-      <p:sp>
-        <p:nvSpPr>
-          <p:cNvPr id="2" name="Title 1"/>
-          <p:cNvSpPr>
-            <a:spLocks noGrp="1"/>
-          </p:cNvSpPr>
-          <p:nvPr>
-            <p:ph type="title"/>
-          </p:nvPr>
-        </p:nvSpPr>
-        <p:spPr>
-          <a:xfrm>
-            <a:off x="1028697" y="348865"/>
-            <a:ext cx="7533018" cy="877729"/>
-          </a:xfrm>
-        </p:spPr>
-        <p:txBody>
-          <a:bodyPr anchor="ctr">
-            <a:normAutofit/>
-          </a:bodyPr>
-          <a:lstStyle/>
-          <a:p>
-            <a:r>
-              <a:rPr lang="es-MX" sz="3500">
-                <a:solidFill>
-                  <a:srgbClr val="FFFFFF"/>
-                </a:solidFill>
-              </a:rPr>
-              <a:t>Decisión Automática y Beneficios Clave</a:t>
-            </a:r>
+            <a:endParaRPr lang="en-US">
+              <a:solidFill>
+                <a:prstClr val="white"/>
+              </a:solidFill>
+              <a:latin typeface="Calibri" panose="020F0502020204030204"/>
+            </a:endParaRPr>
           </a:p>
         </p:txBody>
       </p:sp>
@@ -17710,7 +14772,7 @@
           <p:cNvPr id="5" name="Content Placeholder 2">
             <a:extLst>
               <a:ext uri="{FF2B5EF4-FFF2-40B4-BE49-F238E27FC236}">
-                <a16:creationId xmlns:a16="http://schemas.microsoft.com/office/drawing/2014/main" id="{1D6C8297-5A5F-606A-B5C1-3F3B2CE79310}"/>
+                <a16:creationId xmlns:a16="http://schemas.microsoft.com/office/drawing/2014/main" id="{DB2A7AC1-5B0B-10A7-527E-04C9EC306F68}"/>
               </a:ext>
             </a:extLst>
           </p:cNvPr>
@@ -17721,14 +14783,14 @@
             <p:ph idx="1"/>
             <p:extLst>
               <p:ext uri="{D42A27DB-BD31-4B8C-83A1-F6EECF244321}">
-                <p14:modId xmlns:p14="http://schemas.microsoft.com/office/powerpoint/2010/main" val="27323373"/>
+                <p14:modId xmlns:p14="http://schemas.microsoft.com/office/powerpoint/2010/main" val="4146710994"/>
               </p:ext>
             </p:extLst>
           </p:nvPr>
         </p:nvGraphicFramePr>
         <p:xfrm>
-          <a:off x="483042" y="2112579"/>
-          <a:ext cx="8195871" cy="4192805"/>
+          <a:off x="628650" y="1926266"/>
+          <a:ext cx="7886700" cy="4357524"/>
         </p:xfrm>
         <a:graphic>
           <a:graphicData uri="http://schemas.openxmlformats.org/drawingml/2006/diagram">
@@ -17741,7 +14803,7 @@
           <p:cNvPr id="3" name="Picture 2" descr="Universidad de Medellín - Universidad de Medellín">
             <a:extLst>
               <a:ext uri="{FF2B5EF4-FFF2-40B4-BE49-F238E27FC236}">
-                <a16:creationId xmlns:a16="http://schemas.microsoft.com/office/drawing/2014/main" id="{E3F98F8C-A5A7-180B-E1F1-4F84E5D0534A}"/>
+                <a16:creationId xmlns:a16="http://schemas.microsoft.com/office/drawing/2014/main" id="{6EA376D7-3C4E-5F9D-1628-7C6ED541DDF1}"/>
               </a:ext>
             </a:extLst>
           </p:cNvPr>
@@ -17765,7 +14827,7 @@
         </p:blipFill>
         <p:spPr bwMode="auto">
           <a:xfrm>
-            <a:off x="-11665" y="6109924"/>
+            <a:off x="1" y="1"/>
             <a:ext cx="2136710" cy="761098"/>
           </a:xfrm>
           <a:prstGeom prst="rect">
@@ -17784,6 +14846,263 @@
         </p:spPr>
       </p:pic>
     </p:spTree>
+  </p:cSld>
+  <p:clrMapOvr>
+    <a:masterClrMapping/>
+  </p:clrMapOvr>
+</p:sld>
+</file>
+
+<file path=ppt/slides/slide8.xml><?xml version="1.0" encoding="utf-8"?>
+<p:sld xmlns:a="http://schemas.openxmlformats.org/drawingml/2006/main" xmlns:r="http://schemas.openxmlformats.org/officeDocument/2006/relationships" xmlns:p="http://schemas.openxmlformats.org/presentationml/2006/main">
+  <p:cSld>
+    <p:spTree>
+      <p:nvGrpSpPr>
+        <p:cNvPr id="1" name="">
+          <a:extLst>
+            <a:ext uri="{FF2B5EF4-FFF2-40B4-BE49-F238E27FC236}">
+              <a16:creationId xmlns:a16="http://schemas.microsoft.com/office/drawing/2014/main" id="{C7FB5161-0A37-2F26-AC58-465A9D3E80F1}"/>
+            </a:ext>
+          </a:extLst>
+        </p:cNvPr>
+        <p:cNvGrpSpPr/>
+        <p:nvPr/>
+      </p:nvGrpSpPr>
+      <p:grpSpPr>
+        <a:xfrm>
+          <a:off x="0" y="0"/>
+          <a:ext cx="0" cy="0"/>
+          <a:chOff x="0" y="0"/>
+          <a:chExt cx="0" cy="0"/>
+        </a:xfrm>
+      </p:grpSpPr>
+      <p:sp>
+        <p:nvSpPr>
+          <p:cNvPr id="2" name="Title 1">
+            <a:extLst>
+              <a:ext uri="{FF2B5EF4-FFF2-40B4-BE49-F238E27FC236}">
+                <a16:creationId xmlns:a16="http://schemas.microsoft.com/office/drawing/2014/main" id="{91944E00-6E4F-5E18-AE52-23A874564FCB}"/>
+              </a:ext>
+            </a:extLst>
+          </p:cNvPr>
+          <p:cNvSpPr>
+            <a:spLocks noGrp="1"/>
+          </p:cNvSpPr>
+          <p:nvPr>
+            <p:ph type="title"/>
+          </p:nvPr>
+        </p:nvSpPr>
+        <p:spPr>
+          <a:xfrm>
+            <a:off x="630936" y="461308"/>
+            <a:ext cx="7879842" cy="1014984"/>
+          </a:xfrm>
+        </p:spPr>
+        <p:txBody>
+          <a:bodyPr anchor="b">
+            <a:normAutofit/>
+          </a:bodyPr>
+          <a:lstStyle/>
+          <a:p>
+            <a:pPr>
+              <a:lnSpc>
+                <a:spcPct val="90000"/>
+              </a:lnSpc>
+            </a:pPr>
+            <a:r>
+              <a:rPr lang="es-MX" sz="3700" dirty="0"/>
+              <a:t>Proceso de Entrenamiento y Variables</a:t>
+            </a:r>
+          </a:p>
+        </p:txBody>
+      </p:sp>
+      <p:pic>
+        <p:nvPicPr>
+          <p:cNvPr id="3" name="Picture 2" descr="Universidad de Medellín - Universidad de Medellín">
+            <a:extLst>
+              <a:ext uri="{FF2B5EF4-FFF2-40B4-BE49-F238E27FC236}">
+                <a16:creationId xmlns:a16="http://schemas.microsoft.com/office/drawing/2014/main" id="{D2CB42BF-7872-54C6-B9F4-8B7B6C9AC7BF}"/>
+              </a:ext>
+            </a:extLst>
+          </p:cNvPr>
+          <p:cNvPicPr>
+            <a:picLocks noChangeAspect="1" noChangeArrowheads="1"/>
+          </p:cNvPicPr>
+          <p:nvPr/>
+        </p:nvPicPr>
+        <p:blipFill>
+          <a:blip r:embed="rId2">
+            <a:extLst>
+              <a:ext uri="{28A0092B-C50C-407E-A947-70E740481C1C}">
+                <a14:useLocalDpi xmlns:a14="http://schemas.microsoft.com/office/drawing/2010/main" val="0"/>
+              </a:ext>
+            </a:extLst>
+          </a:blip>
+          <a:srcRect/>
+          <a:stretch>
+            <a:fillRect/>
+          </a:stretch>
+        </p:blipFill>
+        <p:spPr bwMode="auto">
+          <a:xfrm>
+            <a:off x="1" y="1"/>
+            <a:ext cx="2136710" cy="761098"/>
+          </a:xfrm>
+          <a:prstGeom prst="rect">
+            <a:avLst/>
+          </a:prstGeom>
+          <a:noFill/>
+          <a:extLst>
+            <a:ext uri="{909E8E84-426E-40DD-AFC4-6F175D3DCCD1}">
+              <a14:hiddenFill xmlns:a14="http://schemas.microsoft.com/office/drawing/2010/main">
+                <a:solidFill>
+                  <a:srgbClr val="FFFFFF"/>
+                </a:solidFill>
+              </a14:hiddenFill>
+            </a:ext>
+          </a:extLst>
+        </p:spPr>
+      </p:pic>
+      <p:sp>
+        <p:nvSpPr>
+          <p:cNvPr id="6" name="Marcador de contenido 5">
+            <a:extLst>
+              <a:ext uri="{FF2B5EF4-FFF2-40B4-BE49-F238E27FC236}">
+                <a16:creationId xmlns:a16="http://schemas.microsoft.com/office/drawing/2014/main" id="{825BB96F-3A4E-CCFC-500F-BF9C6DED1035}"/>
+              </a:ext>
+            </a:extLst>
+          </p:cNvPr>
+          <p:cNvSpPr>
+            <a:spLocks noGrp="1"/>
+          </p:cNvSpPr>
+          <p:nvPr>
+            <p:ph idx="1"/>
+          </p:nvPr>
+        </p:nvSpPr>
+        <p:spPr/>
+        <p:txBody>
+          <a:bodyPr/>
+          <a:lstStyle/>
+          <a:p>
+            <a:r>
+              <a:rPr lang="es-ES" dirty="0"/>
+              <a:t>Explicación de las métricas, la tabla con las métricas que está en el notebook</a:t>
+            </a:r>
+            <a:endParaRPr lang="es-CO" dirty="0"/>
+          </a:p>
+        </p:txBody>
+      </p:sp>
+    </p:spTree>
+    <p:extLst>
+      <p:ext uri="{BB962C8B-B14F-4D97-AF65-F5344CB8AC3E}">
+        <p14:creationId xmlns:p14="http://schemas.microsoft.com/office/powerpoint/2010/main" val="2199258659"/>
+      </p:ext>
+    </p:extLst>
+  </p:cSld>
+  <p:clrMapOvr>
+    <a:masterClrMapping/>
+  </p:clrMapOvr>
+</p:sld>
+</file>
+
+<file path=ppt/slides/slide9.xml><?xml version="1.0" encoding="utf-8"?>
+<p:sld xmlns:a="http://schemas.openxmlformats.org/drawingml/2006/main" xmlns:r="http://schemas.openxmlformats.org/officeDocument/2006/relationships" xmlns:p="http://schemas.openxmlformats.org/presentationml/2006/main">
+  <p:cSld>
+    <p:spTree>
+      <p:nvGrpSpPr>
+        <p:cNvPr id="1" name="">
+          <a:extLst>
+            <a:ext uri="{FF2B5EF4-FFF2-40B4-BE49-F238E27FC236}">
+              <a16:creationId xmlns:a16="http://schemas.microsoft.com/office/drawing/2014/main" id="{73D1E468-D2C1-1685-1446-5C08AFAB10ED}"/>
+            </a:ext>
+          </a:extLst>
+        </p:cNvPr>
+        <p:cNvGrpSpPr/>
+        <p:nvPr/>
+      </p:nvGrpSpPr>
+      <p:grpSpPr>
+        <a:xfrm>
+          <a:off x="0" y="0"/>
+          <a:ext cx="0" cy="0"/>
+          <a:chOff x="0" y="0"/>
+          <a:chExt cx="0" cy="0"/>
+        </a:xfrm>
+      </p:grpSpPr>
+      <p:sp>
+        <p:nvSpPr>
+          <p:cNvPr id="2" name="Título 1">
+            <a:extLst>
+              <a:ext uri="{FF2B5EF4-FFF2-40B4-BE49-F238E27FC236}">
+                <a16:creationId xmlns:a16="http://schemas.microsoft.com/office/drawing/2014/main" id="{B70A0022-59A2-DE36-AF48-CE330CA4F703}"/>
+              </a:ext>
+            </a:extLst>
+          </p:cNvPr>
+          <p:cNvSpPr>
+            <a:spLocks noGrp="1"/>
+          </p:cNvSpPr>
+          <p:nvPr>
+            <p:ph type="title"/>
+          </p:nvPr>
+        </p:nvSpPr>
+        <p:spPr/>
+        <p:txBody>
+          <a:bodyPr/>
+          <a:lstStyle/>
+          <a:p>
+            <a:r>
+              <a:rPr lang="es-ES" dirty="0"/>
+              <a:t>Conclusiones</a:t>
+            </a:r>
+            <a:endParaRPr lang="es-CO" dirty="0"/>
+          </a:p>
+        </p:txBody>
+      </p:sp>
+      <p:sp>
+        <p:nvSpPr>
+          <p:cNvPr id="3" name="CuadroTexto 2">
+            <a:extLst>
+              <a:ext uri="{FF2B5EF4-FFF2-40B4-BE49-F238E27FC236}">
+                <a16:creationId xmlns:a16="http://schemas.microsoft.com/office/drawing/2014/main" id="{94878757-F6EF-1F6A-168D-0D2D6AEC34C9}"/>
+              </a:ext>
+            </a:extLst>
+          </p:cNvPr>
+          <p:cNvSpPr txBox="1"/>
+          <p:nvPr/>
+        </p:nvSpPr>
+        <p:spPr>
+          <a:xfrm>
+            <a:off x="526473" y="1773382"/>
+            <a:ext cx="8229600" cy="369332"/>
+          </a:xfrm>
+          <a:prstGeom prst="rect">
+            <a:avLst/>
+          </a:prstGeom>
+          <a:noFill/>
+        </p:spPr>
+        <p:txBody>
+          <a:bodyPr wrap="square" rtlCol="0">
+            <a:spAutoFit/>
+          </a:bodyPr>
+          <a:lstStyle/>
+          <a:p>
+            <a:pPr marL="285750" indent="-285750">
+              <a:buFont typeface="Arial" panose="020B0604020202020204" pitchFamily="34" charset="0"/>
+              <a:buChar char="•"/>
+            </a:pPr>
+            <a:r>
+              <a:rPr lang="es-ES" dirty="0"/>
+              <a:t>Decir cual fue el modelo seleccionado y porqué?</a:t>
+            </a:r>
+            <a:endParaRPr lang="es-CO" dirty="0"/>
+          </a:p>
+        </p:txBody>
+      </p:sp>
+    </p:spTree>
+    <p:extLst>
+      <p:ext uri="{BB962C8B-B14F-4D97-AF65-F5344CB8AC3E}">
+        <p14:creationId xmlns:p14="http://schemas.microsoft.com/office/powerpoint/2010/main" val="3534134906"/>
+      </p:ext>
+    </p:extLst>
   </p:cSld>
   <p:clrMapOvr>
     <a:masterClrMapping/>
